--- a/Task_ppt.pptx
+++ b/Task_ppt.pptx
@@ -107,6 +107,11 @@
       </a:defRPr>
     </a:lvl9pPr>
   </p:defaultTextStyle>
+  <p:extLst>
+    <p:ext uri="{EFAFB233-063F-42B5-8137-9DF3F51BA10A}">
+      <p15:sldGuideLst xmlns:p15="http://schemas.microsoft.com/office/powerpoint/2012/main"/>
+    </p:ext>
+  </p:extLst>
 </p:presentation>
 </file>
 
@@ -259,7 +264,7 @@
           <a:p>
             <a:fld id="{97729B8E-7B02-4910-8DF9-0AAC52AB3471}" type="datetimeFigureOut">
               <a:rPr lang="en-GB" smtClean="0"/>
-              <a:t>27/05/2025</a:t>
+              <a:t>28/05/2025</a:t>
             </a:fld>
             <a:endParaRPr lang="en-GB"/>
           </a:p>
@@ -313,7 +318,7 @@
           <a:p>
             <a:fld id="{44212539-063D-4494-B30A-40E744319C69}" type="slidenum">
               <a:rPr lang="en-GB" smtClean="0"/>
-              <a:t>‹Nr.›</a:t>
+              <a:t>‹#›</a:t>
             </a:fld>
             <a:endParaRPr lang="en-GB"/>
           </a:p>
@@ -459,7 +464,7 @@
           <a:p>
             <a:fld id="{97729B8E-7B02-4910-8DF9-0AAC52AB3471}" type="datetimeFigureOut">
               <a:rPr lang="en-GB" smtClean="0"/>
-              <a:t>27/05/2025</a:t>
+              <a:t>28/05/2025</a:t>
             </a:fld>
             <a:endParaRPr lang="en-GB"/>
           </a:p>
@@ -513,7 +518,7 @@
           <a:p>
             <a:fld id="{44212539-063D-4494-B30A-40E744319C69}" type="slidenum">
               <a:rPr lang="en-GB" smtClean="0"/>
-              <a:t>‹Nr.›</a:t>
+              <a:t>‹#›</a:t>
             </a:fld>
             <a:endParaRPr lang="en-GB"/>
           </a:p>
@@ -669,7 +674,7 @@
           <a:p>
             <a:fld id="{97729B8E-7B02-4910-8DF9-0AAC52AB3471}" type="datetimeFigureOut">
               <a:rPr lang="en-GB" smtClean="0"/>
-              <a:t>27/05/2025</a:t>
+              <a:t>28/05/2025</a:t>
             </a:fld>
             <a:endParaRPr lang="en-GB"/>
           </a:p>
@@ -723,7 +728,7 @@
           <a:p>
             <a:fld id="{44212539-063D-4494-B30A-40E744319C69}" type="slidenum">
               <a:rPr lang="en-GB" smtClean="0"/>
-              <a:t>‹Nr.›</a:t>
+              <a:t>‹#›</a:t>
             </a:fld>
             <a:endParaRPr lang="en-GB"/>
           </a:p>
@@ -869,7 +874,7 @@
           <a:p>
             <a:fld id="{97729B8E-7B02-4910-8DF9-0AAC52AB3471}" type="datetimeFigureOut">
               <a:rPr lang="en-GB" smtClean="0"/>
-              <a:t>27/05/2025</a:t>
+              <a:t>28/05/2025</a:t>
             </a:fld>
             <a:endParaRPr lang="en-GB"/>
           </a:p>
@@ -923,7 +928,7 @@
           <a:p>
             <a:fld id="{44212539-063D-4494-B30A-40E744319C69}" type="slidenum">
               <a:rPr lang="en-GB" smtClean="0"/>
-              <a:t>‹Nr.›</a:t>
+              <a:t>‹#›</a:t>
             </a:fld>
             <a:endParaRPr lang="en-GB"/>
           </a:p>
@@ -1145,7 +1150,7 @@
           <a:p>
             <a:fld id="{97729B8E-7B02-4910-8DF9-0AAC52AB3471}" type="datetimeFigureOut">
               <a:rPr lang="en-GB" smtClean="0"/>
-              <a:t>27/05/2025</a:t>
+              <a:t>28/05/2025</a:t>
             </a:fld>
             <a:endParaRPr lang="en-GB"/>
           </a:p>
@@ -1199,7 +1204,7 @@
           <a:p>
             <a:fld id="{44212539-063D-4494-B30A-40E744319C69}" type="slidenum">
               <a:rPr lang="en-GB" smtClean="0"/>
-              <a:t>‹Nr.›</a:t>
+              <a:t>‹#›</a:t>
             </a:fld>
             <a:endParaRPr lang="en-GB"/>
           </a:p>
@@ -1413,7 +1418,7 @@
           <a:p>
             <a:fld id="{97729B8E-7B02-4910-8DF9-0AAC52AB3471}" type="datetimeFigureOut">
               <a:rPr lang="en-GB" smtClean="0"/>
-              <a:t>27/05/2025</a:t>
+              <a:t>28/05/2025</a:t>
             </a:fld>
             <a:endParaRPr lang="en-GB"/>
           </a:p>
@@ -1467,7 +1472,7 @@
           <a:p>
             <a:fld id="{44212539-063D-4494-B30A-40E744319C69}" type="slidenum">
               <a:rPr lang="en-GB" smtClean="0"/>
-              <a:t>‹Nr.›</a:t>
+              <a:t>‹#›</a:t>
             </a:fld>
             <a:endParaRPr lang="en-GB"/>
           </a:p>
@@ -1828,7 +1833,7 @@
           <a:p>
             <a:fld id="{97729B8E-7B02-4910-8DF9-0AAC52AB3471}" type="datetimeFigureOut">
               <a:rPr lang="en-GB" smtClean="0"/>
-              <a:t>27/05/2025</a:t>
+              <a:t>28/05/2025</a:t>
             </a:fld>
             <a:endParaRPr lang="en-GB"/>
           </a:p>
@@ -1882,7 +1887,7 @@
           <a:p>
             <a:fld id="{44212539-063D-4494-B30A-40E744319C69}" type="slidenum">
               <a:rPr lang="en-GB" smtClean="0"/>
-              <a:t>‹Nr.›</a:t>
+              <a:t>‹#›</a:t>
             </a:fld>
             <a:endParaRPr lang="en-GB"/>
           </a:p>
@@ -1970,7 +1975,7 @@
           <a:p>
             <a:fld id="{97729B8E-7B02-4910-8DF9-0AAC52AB3471}" type="datetimeFigureOut">
               <a:rPr lang="en-GB" smtClean="0"/>
-              <a:t>27/05/2025</a:t>
+              <a:t>28/05/2025</a:t>
             </a:fld>
             <a:endParaRPr lang="en-GB"/>
           </a:p>
@@ -2024,7 +2029,7 @@
           <a:p>
             <a:fld id="{44212539-063D-4494-B30A-40E744319C69}" type="slidenum">
               <a:rPr lang="en-GB" smtClean="0"/>
-              <a:t>‹Nr.›</a:t>
+              <a:t>‹#›</a:t>
             </a:fld>
             <a:endParaRPr lang="en-GB"/>
           </a:p>
@@ -2083,7 +2088,7 @@
           <a:p>
             <a:fld id="{97729B8E-7B02-4910-8DF9-0AAC52AB3471}" type="datetimeFigureOut">
               <a:rPr lang="en-GB" smtClean="0"/>
-              <a:t>27/05/2025</a:t>
+              <a:t>28/05/2025</a:t>
             </a:fld>
             <a:endParaRPr lang="en-GB"/>
           </a:p>
@@ -2137,7 +2142,7 @@
           <a:p>
             <a:fld id="{44212539-063D-4494-B30A-40E744319C69}" type="slidenum">
               <a:rPr lang="en-GB" smtClean="0"/>
-              <a:t>‹Nr.›</a:t>
+              <a:t>‹#›</a:t>
             </a:fld>
             <a:endParaRPr lang="en-GB"/>
           </a:p>
@@ -2396,7 +2401,7 @@
           <a:p>
             <a:fld id="{97729B8E-7B02-4910-8DF9-0AAC52AB3471}" type="datetimeFigureOut">
               <a:rPr lang="en-GB" smtClean="0"/>
-              <a:t>27/05/2025</a:t>
+              <a:t>28/05/2025</a:t>
             </a:fld>
             <a:endParaRPr lang="en-GB"/>
           </a:p>
@@ -2450,7 +2455,7 @@
           <a:p>
             <a:fld id="{44212539-063D-4494-B30A-40E744319C69}" type="slidenum">
               <a:rPr lang="en-GB" smtClean="0"/>
-              <a:t>‹Nr.›</a:t>
+              <a:t>‹#›</a:t>
             </a:fld>
             <a:endParaRPr lang="en-GB"/>
           </a:p>
@@ -2685,7 +2690,7 @@
           <a:p>
             <a:fld id="{97729B8E-7B02-4910-8DF9-0AAC52AB3471}" type="datetimeFigureOut">
               <a:rPr lang="en-GB" smtClean="0"/>
-              <a:t>27/05/2025</a:t>
+              <a:t>28/05/2025</a:t>
             </a:fld>
             <a:endParaRPr lang="en-GB"/>
           </a:p>
@@ -2739,7 +2744,7 @@
           <a:p>
             <a:fld id="{44212539-063D-4494-B30A-40E744319C69}" type="slidenum">
               <a:rPr lang="en-GB" smtClean="0"/>
-              <a:t>‹Nr.›</a:t>
+              <a:t>‹#›</a:t>
             </a:fld>
             <a:endParaRPr lang="en-GB"/>
           </a:p>
@@ -2928,7 +2933,7 @@
           <a:p>
             <a:fld id="{97729B8E-7B02-4910-8DF9-0AAC52AB3471}" type="datetimeFigureOut">
               <a:rPr lang="en-GB" smtClean="0"/>
-              <a:t>27/05/2025</a:t>
+              <a:t>28/05/2025</a:t>
             </a:fld>
             <a:endParaRPr lang="en-GB"/>
           </a:p>
@@ -3018,7 +3023,7 @@
           <a:p>
             <a:fld id="{44212539-063D-4494-B30A-40E744319C69}" type="slidenum">
               <a:rPr lang="en-GB" smtClean="0"/>
-              <a:t>‹Nr.›</a:t>
+              <a:t>‹#›</a:t>
             </a:fld>
             <a:endParaRPr lang="en-GB"/>
           </a:p>
@@ -3623,8 +3628,8 @@
         </p:nvSpPr>
         <p:spPr>
           <a:xfrm>
-            <a:off x="838200" y="418809"/>
-            <a:ext cx="10515600" cy="6191396"/>
+            <a:off x="107575" y="121024"/>
+            <a:ext cx="12707471" cy="6736976"/>
           </a:xfrm>
         </p:spPr>
         <p:txBody>
@@ -3634,65 +3639,89 @@
           <a:lstStyle/>
           <a:p>
             <a:r>
-              <a:rPr lang="en-GB" dirty="0"/>
+              <a:rPr lang="en-GB" dirty="0">
+                <a:highlight>
+                  <a:srgbClr val="00FF00"/>
+                </a:highlight>
+              </a:rPr>
               <a:t>Analyse how the optimizer space looks </a:t>
             </a:r>
           </a:p>
           <a:p>
             <a:pPr lvl="1"/>
             <a:r>
-              <a:rPr lang="en-GB" dirty="0"/>
+              <a:rPr lang="en-GB" dirty="0">
+                <a:highlight>
+                  <a:srgbClr val="00FF00"/>
+                </a:highlight>
+              </a:rPr>
               <a:t>Once without the ReLU and once with</a:t>
             </a:r>
           </a:p>
           <a:p>
             <a:pPr lvl="2"/>
             <a:r>
-              <a:rPr lang="en-GB" dirty="0"/>
+              <a:rPr lang="en-GB" dirty="0">
+                <a:highlight>
+                  <a:srgbClr val="00FF00"/>
+                </a:highlight>
+              </a:rPr>
               <a:t>Do we have constraints =&gt; lossless compression</a:t>
             </a:r>
           </a:p>
           <a:p>
             <a:pPr lvl="3"/>
             <a:r>
-              <a:rPr lang="en-GB" dirty="0"/>
+              <a:rPr lang="en-GB" dirty="0">
+                <a:highlight>
+                  <a:srgbClr val="00FF00"/>
+                </a:highlight>
+              </a:rPr>
               <a:t>We want to reconstruct exactly one selected datapoint in the signal (this is a constraint)</a:t>
             </a:r>
           </a:p>
           <a:p>
             <a:pPr lvl="2"/>
             <a:r>
-              <a:rPr lang="en-GB" dirty="0"/>
+              <a:rPr lang="en-GB" dirty="0">
+                <a:highlight>
+                  <a:srgbClr val="00FF00"/>
+                </a:highlight>
+              </a:rPr>
               <a:t>The accuracy of the optimization (discrete or continuous)</a:t>
             </a:r>
           </a:p>
           <a:p>
             <a:pPr lvl="2"/>
             <a:r>
-              <a:rPr lang="en-GB" dirty="0"/>
+              <a:rPr lang="en-GB" dirty="0">
+                <a:highlight>
+                  <a:srgbClr val="00FF00"/>
+                </a:highlight>
+              </a:rPr>
               <a:t>Fix the weights and only vary like 10 of them with both matrixes</a:t>
             </a:r>
           </a:p>
           <a:p>
             <a:pPr lvl="2"/>
             <a:r>
-              <a:rPr lang="en-GB" dirty="0"/>
+              <a:rPr lang="en-GB" dirty="0">
+                <a:highlight>
+                  <a:srgbClr val="00FF00"/>
+                </a:highlight>
+              </a:rPr>
               <a:t>Brute force changes in the matrix to sample the noisiness of the optimization space</a:t>
             </a:r>
           </a:p>
           <a:p>
             <a:pPr lvl="3"/>
             <a:r>
-              <a:rPr lang="en-GB" dirty="0"/>
-              <a:t>Statistical noise added, or </a:t>
-            </a:r>
-            <a:r>
-              <a:rPr lang="en-GB" dirty="0" err="1"/>
-              <a:t>specle</a:t>
-            </a:r>
-            <a:r>
-              <a:rPr lang="en-GB" dirty="0"/>
-              <a:t> noise added</a:t>
+              <a:rPr lang="en-GB" dirty="0">
+                <a:highlight>
+                  <a:srgbClr val="00FF00"/>
+                </a:highlight>
+              </a:rPr>
+              <a:t>Statistical noise added, or speckle noise added</a:t>
             </a:r>
           </a:p>
           <a:p>
@@ -3721,7 +3750,11 @@
           </a:p>
           <a:p>
             <a:r>
-              <a:rPr lang="en-GB" dirty="0"/>
+              <a:rPr lang="en-GB" dirty="0">
+                <a:highlight>
+                  <a:srgbClr val="00FF00"/>
+                </a:highlight>
+              </a:rPr>
               <a:t>Simulated annealing as a fourth optimizer technique</a:t>
             </a:r>
           </a:p>
@@ -3762,6 +3795,13 @@
             <a:r>
               <a:rPr lang="en-GB" dirty="0"/>
               <a:t>Does it find the global maximum/minimum</a:t>
+            </a:r>
+          </a:p>
+          <a:p>
+            <a:pPr lvl="1"/>
+            <a:r>
+              <a:rPr lang="en-GB" dirty="0"/>
+              <a:t>use a SSIM metric in our loss function, build a feature extractor </a:t>
             </a:r>
           </a:p>
           <a:p>

--- a/Task_ppt.pptx
+++ b/Task_ppt.pptx
@@ -9,6 +9,9 @@
     <p:sldId id="257" r:id="rId3"/>
     <p:sldId id="259" r:id="rId4"/>
     <p:sldId id="260" r:id="rId5"/>
+    <p:sldId id="261" r:id="rId6"/>
+    <p:sldId id="262" r:id="rId7"/>
+    <p:sldId id="265" r:id="rId8"/>
   </p:sldIdLst>
   <p:sldSz cx="12192000" cy="6858000"/>
   <p:notesSz cx="6858000" cy="9144000"/>
@@ -318,7 +321,7 @@
           <a:p>
             <a:fld id="{44212539-063D-4494-B30A-40E744319C69}" type="slidenum">
               <a:rPr lang="en-GB" smtClean="0"/>
-              <a:t>‹#›</a:t>
+              <a:t>‹Nr.›</a:t>
             </a:fld>
             <a:endParaRPr lang="en-GB"/>
           </a:p>
@@ -518,7 +521,7 @@
           <a:p>
             <a:fld id="{44212539-063D-4494-B30A-40E744319C69}" type="slidenum">
               <a:rPr lang="en-GB" smtClean="0"/>
-              <a:t>‹#›</a:t>
+              <a:t>‹Nr.›</a:t>
             </a:fld>
             <a:endParaRPr lang="en-GB"/>
           </a:p>
@@ -728,7 +731,7 @@
           <a:p>
             <a:fld id="{44212539-063D-4494-B30A-40E744319C69}" type="slidenum">
               <a:rPr lang="en-GB" smtClean="0"/>
-              <a:t>‹#›</a:t>
+              <a:t>‹Nr.›</a:t>
             </a:fld>
             <a:endParaRPr lang="en-GB"/>
           </a:p>
@@ -928,7 +931,7 @@
           <a:p>
             <a:fld id="{44212539-063D-4494-B30A-40E744319C69}" type="slidenum">
               <a:rPr lang="en-GB" smtClean="0"/>
-              <a:t>‹#›</a:t>
+              <a:t>‹Nr.›</a:t>
             </a:fld>
             <a:endParaRPr lang="en-GB"/>
           </a:p>
@@ -1204,7 +1207,7 @@
           <a:p>
             <a:fld id="{44212539-063D-4494-B30A-40E744319C69}" type="slidenum">
               <a:rPr lang="en-GB" smtClean="0"/>
-              <a:t>‹#›</a:t>
+              <a:t>‹Nr.›</a:t>
             </a:fld>
             <a:endParaRPr lang="en-GB"/>
           </a:p>
@@ -1472,7 +1475,7 @@
           <a:p>
             <a:fld id="{44212539-063D-4494-B30A-40E744319C69}" type="slidenum">
               <a:rPr lang="en-GB" smtClean="0"/>
-              <a:t>‹#›</a:t>
+              <a:t>‹Nr.›</a:t>
             </a:fld>
             <a:endParaRPr lang="en-GB"/>
           </a:p>
@@ -1887,7 +1890,7 @@
           <a:p>
             <a:fld id="{44212539-063D-4494-B30A-40E744319C69}" type="slidenum">
               <a:rPr lang="en-GB" smtClean="0"/>
-              <a:t>‹#›</a:t>
+              <a:t>‹Nr.›</a:t>
             </a:fld>
             <a:endParaRPr lang="en-GB"/>
           </a:p>
@@ -2029,7 +2032,7 @@
           <a:p>
             <a:fld id="{44212539-063D-4494-B30A-40E744319C69}" type="slidenum">
               <a:rPr lang="en-GB" smtClean="0"/>
-              <a:t>‹#›</a:t>
+              <a:t>‹Nr.›</a:t>
             </a:fld>
             <a:endParaRPr lang="en-GB"/>
           </a:p>
@@ -2142,7 +2145,7 @@
           <a:p>
             <a:fld id="{44212539-063D-4494-B30A-40E744319C69}" type="slidenum">
               <a:rPr lang="en-GB" smtClean="0"/>
-              <a:t>‹#›</a:t>
+              <a:t>‹Nr.›</a:t>
             </a:fld>
             <a:endParaRPr lang="en-GB"/>
           </a:p>
@@ -2455,7 +2458,7 @@
           <a:p>
             <a:fld id="{44212539-063D-4494-B30A-40E744319C69}" type="slidenum">
               <a:rPr lang="en-GB" smtClean="0"/>
-              <a:t>‹#›</a:t>
+              <a:t>‹Nr.›</a:t>
             </a:fld>
             <a:endParaRPr lang="en-GB"/>
           </a:p>
@@ -2744,7 +2747,7 @@
           <a:p>
             <a:fld id="{44212539-063D-4494-B30A-40E744319C69}" type="slidenum">
               <a:rPr lang="en-GB" smtClean="0"/>
-              <a:t>‹#›</a:t>
+              <a:t>‹Nr.›</a:t>
             </a:fld>
             <a:endParaRPr lang="en-GB"/>
           </a:p>
@@ -3023,7 +3026,7 @@
           <a:p>
             <a:fld id="{44212539-063D-4494-B30A-40E744319C69}" type="slidenum">
               <a:rPr lang="en-GB" smtClean="0"/>
-              <a:t>‹#›</a:t>
+              <a:t>‹Nr.›</a:t>
             </a:fld>
             <a:endParaRPr lang="en-GB"/>
           </a:p>
@@ -3628,8 +3631,8 @@
         </p:nvSpPr>
         <p:spPr>
           <a:xfrm>
-            <a:off x="107575" y="121024"/>
-            <a:ext cx="12707471" cy="6736976"/>
+            <a:off x="838200" y="418809"/>
+            <a:ext cx="10515600" cy="6191396"/>
           </a:xfrm>
         </p:spPr>
         <p:txBody>
@@ -3639,89 +3642,65 @@
           <a:lstStyle/>
           <a:p>
             <a:r>
-              <a:rPr lang="en-GB" dirty="0">
-                <a:highlight>
-                  <a:srgbClr val="00FF00"/>
-                </a:highlight>
-              </a:rPr>
+              <a:rPr lang="en-GB" dirty="0"/>
               <a:t>Analyse how the optimizer space looks </a:t>
             </a:r>
           </a:p>
           <a:p>
             <a:pPr lvl="1"/>
             <a:r>
-              <a:rPr lang="en-GB" dirty="0">
-                <a:highlight>
-                  <a:srgbClr val="00FF00"/>
-                </a:highlight>
-              </a:rPr>
+              <a:rPr lang="en-GB" dirty="0"/>
               <a:t>Once without the ReLU and once with</a:t>
             </a:r>
           </a:p>
           <a:p>
             <a:pPr lvl="2"/>
             <a:r>
-              <a:rPr lang="en-GB" dirty="0">
-                <a:highlight>
-                  <a:srgbClr val="00FF00"/>
-                </a:highlight>
-              </a:rPr>
+              <a:rPr lang="en-GB" dirty="0"/>
               <a:t>Do we have constraints =&gt; lossless compression</a:t>
             </a:r>
           </a:p>
           <a:p>
             <a:pPr lvl="3"/>
             <a:r>
-              <a:rPr lang="en-GB" dirty="0">
-                <a:highlight>
-                  <a:srgbClr val="00FF00"/>
-                </a:highlight>
-              </a:rPr>
+              <a:rPr lang="en-GB" dirty="0"/>
               <a:t>We want to reconstruct exactly one selected datapoint in the signal (this is a constraint)</a:t>
             </a:r>
           </a:p>
           <a:p>
             <a:pPr lvl="2"/>
             <a:r>
-              <a:rPr lang="en-GB" dirty="0">
-                <a:highlight>
-                  <a:srgbClr val="00FF00"/>
-                </a:highlight>
-              </a:rPr>
+              <a:rPr lang="en-GB" dirty="0"/>
               <a:t>The accuracy of the optimization (discrete or continuous)</a:t>
             </a:r>
           </a:p>
           <a:p>
             <a:pPr lvl="2"/>
             <a:r>
-              <a:rPr lang="en-GB" dirty="0">
-                <a:highlight>
-                  <a:srgbClr val="00FF00"/>
-                </a:highlight>
-              </a:rPr>
+              <a:rPr lang="en-GB" dirty="0"/>
               <a:t>Fix the weights and only vary like 10 of them with both matrixes</a:t>
             </a:r>
           </a:p>
           <a:p>
             <a:pPr lvl="2"/>
             <a:r>
-              <a:rPr lang="en-GB" dirty="0">
-                <a:highlight>
-                  <a:srgbClr val="00FF00"/>
-                </a:highlight>
-              </a:rPr>
+              <a:rPr lang="en-GB" dirty="0"/>
               <a:t>Brute force changes in the matrix to sample the noisiness of the optimization space</a:t>
             </a:r>
           </a:p>
           <a:p>
             <a:pPr lvl="3"/>
             <a:r>
-              <a:rPr lang="en-GB" dirty="0">
-                <a:highlight>
-                  <a:srgbClr val="00FF00"/>
-                </a:highlight>
-              </a:rPr>
-              <a:t>Statistical noise added, or speckle noise added</a:t>
+              <a:rPr lang="en-GB" dirty="0"/>
+              <a:t>Statistical noise added, or </a:t>
+            </a:r>
+            <a:r>
+              <a:rPr lang="en-GB" dirty="0" err="1"/>
+              <a:t>specle</a:t>
+            </a:r>
+            <a:r>
+              <a:rPr lang="en-GB" dirty="0"/>
+              <a:t> noise added</a:t>
             </a:r>
           </a:p>
           <a:p>
@@ -3750,11 +3729,7 @@
           </a:p>
           <a:p>
             <a:r>
-              <a:rPr lang="en-GB" dirty="0">
-                <a:highlight>
-                  <a:srgbClr val="00FF00"/>
-                </a:highlight>
-              </a:rPr>
+              <a:rPr lang="en-GB" dirty="0"/>
               <a:t>Simulated annealing as a fourth optimizer technique</a:t>
             </a:r>
           </a:p>
@@ -3795,13 +3770,6 @@
             <a:r>
               <a:rPr lang="en-GB" dirty="0"/>
               <a:t>Does it find the global maximum/minimum</a:t>
-            </a:r>
-          </a:p>
-          <a:p>
-            <a:pPr lvl="1"/>
-            <a:r>
-              <a:rPr lang="en-GB" dirty="0"/>
-              <a:t>use a SSIM metric in our loss function, build a feature extractor </a:t>
             </a:r>
           </a:p>
           <a:p>
@@ -3820,6 +3788,1652 @@
     <p:extLst>
       <p:ext uri="{BB962C8B-B14F-4D97-AF65-F5344CB8AC3E}">
         <p14:creationId xmlns:p14="http://schemas.microsoft.com/office/powerpoint/2010/main" val="1731585804"/>
+      </p:ext>
+    </p:extLst>
+  </p:cSld>
+  <p:clrMapOvr>
+    <a:masterClrMapping/>
+  </p:clrMapOvr>
+</p:sld>
+</file>
+
+<file path=ppt/slides/slide5.xml><?xml version="1.0" encoding="utf-8"?>
+<p:sld xmlns:a="http://schemas.openxmlformats.org/drawingml/2006/main" xmlns:r="http://schemas.openxmlformats.org/officeDocument/2006/relationships" xmlns:p="http://schemas.openxmlformats.org/presentationml/2006/main">
+  <p:cSld>
+    <p:spTree>
+      <p:nvGrpSpPr>
+        <p:cNvPr id="1" name=""/>
+        <p:cNvGrpSpPr/>
+        <p:nvPr/>
+      </p:nvGrpSpPr>
+      <p:grpSpPr>
+        <a:xfrm>
+          <a:off x="0" y="0"/>
+          <a:ext cx="0" cy="0"/>
+          <a:chOff x="0" y="0"/>
+          <a:chExt cx="0" cy="0"/>
+        </a:xfrm>
+      </p:grpSpPr>
+      <p:sp>
+        <p:nvSpPr>
+          <p:cNvPr id="2" name="Titel 1">
+            <a:extLst>
+              <a:ext uri="{FF2B5EF4-FFF2-40B4-BE49-F238E27FC236}">
+                <a16:creationId xmlns:a16="http://schemas.microsoft.com/office/drawing/2014/main" id="{3E781063-4A80-5B73-6790-464A0928C206}"/>
+              </a:ext>
+            </a:extLst>
+          </p:cNvPr>
+          <p:cNvSpPr>
+            <a:spLocks noGrp="1"/>
+          </p:cNvSpPr>
+          <p:nvPr>
+            <p:ph type="title"/>
+          </p:nvPr>
+        </p:nvSpPr>
+        <p:spPr>
+          <a:xfrm>
+            <a:off x="838200" y="365126"/>
+            <a:ext cx="10515600" cy="612096"/>
+          </a:xfrm>
+        </p:spPr>
+        <p:txBody>
+          <a:bodyPr>
+            <a:normAutofit fontScale="90000"/>
+          </a:bodyPr>
+          <a:lstStyle/>
+          <a:p>
+            <a:r>
+              <a:rPr lang="en-GB" dirty="0"/>
+              <a:t>Solution Space</a:t>
+            </a:r>
+          </a:p>
+        </p:txBody>
+      </p:sp>
+      <p:sp>
+        <p:nvSpPr>
+          <p:cNvPr id="3" name="Inhaltsplatzhalter 2">
+            <a:extLst>
+              <a:ext uri="{FF2B5EF4-FFF2-40B4-BE49-F238E27FC236}">
+                <a16:creationId xmlns:a16="http://schemas.microsoft.com/office/drawing/2014/main" id="{DF09C157-A416-C18E-0307-6C0A251A6E2B}"/>
+              </a:ext>
+            </a:extLst>
+          </p:cNvPr>
+          <p:cNvSpPr>
+            <a:spLocks noGrp="1"/>
+          </p:cNvSpPr>
+          <p:nvPr>
+            <p:ph idx="1"/>
+          </p:nvPr>
+        </p:nvSpPr>
+        <p:spPr>
+          <a:xfrm>
+            <a:off x="838200" y="977222"/>
+            <a:ext cx="10515600" cy="5199741"/>
+          </a:xfrm>
+        </p:spPr>
+        <p:txBody>
+          <a:bodyPr/>
+          <a:lstStyle/>
+          <a:p>
+            <a:r>
+              <a:rPr lang="en-GB" dirty="0"/>
+              <a:t>What is the Solution space</a:t>
+            </a:r>
+          </a:p>
+        </p:txBody>
+      </p:sp>
+    </p:spTree>
+    <p:extLst>
+      <p:ext uri="{BB962C8B-B14F-4D97-AF65-F5344CB8AC3E}">
+        <p14:creationId xmlns:p14="http://schemas.microsoft.com/office/powerpoint/2010/main" val="2242321926"/>
+      </p:ext>
+    </p:extLst>
+  </p:cSld>
+  <p:clrMapOvr>
+    <a:masterClrMapping/>
+  </p:clrMapOvr>
+</p:sld>
+</file>
+
+<file path=ppt/slides/slide6.xml><?xml version="1.0" encoding="utf-8"?>
+<p:sld xmlns:a="http://schemas.openxmlformats.org/drawingml/2006/main" xmlns:r="http://schemas.openxmlformats.org/officeDocument/2006/relationships" xmlns:p="http://schemas.openxmlformats.org/presentationml/2006/main">
+  <p:cSld>
+    <p:spTree>
+      <p:nvGrpSpPr>
+        <p:cNvPr id="1" name=""/>
+        <p:cNvGrpSpPr/>
+        <p:nvPr/>
+      </p:nvGrpSpPr>
+      <p:grpSpPr>
+        <a:xfrm>
+          <a:off x="0" y="0"/>
+          <a:ext cx="0" cy="0"/>
+          <a:chOff x="0" y="0"/>
+          <a:chExt cx="0" cy="0"/>
+        </a:xfrm>
+      </p:grpSpPr>
+      <p:sp>
+        <p:nvSpPr>
+          <p:cNvPr id="2" name="Titel 1">
+            <a:extLst>
+              <a:ext uri="{FF2B5EF4-FFF2-40B4-BE49-F238E27FC236}">
+                <a16:creationId xmlns:a16="http://schemas.microsoft.com/office/drawing/2014/main" id="{B9FB16E7-84EF-6F93-25DB-564D583A9EC2}"/>
+              </a:ext>
+            </a:extLst>
+          </p:cNvPr>
+          <p:cNvSpPr>
+            <a:spLocks noGrp="1"/>
+          </p:cNvSpPr>
+          <p:nvPr>
+            <p:ph type="title"/>
+          </p:nvPr>
+        </p:nvSpPr>
+        <p:spPr/>
+        <p:txBody>
+          <a:bodyPr/>
+          <a:lstStyle/>
+          <a:p>
+            <a:r>
+              <a:rPr lang="en-GB" dirty="0"/>
+              <a:t>Autoencoder</a:t>
+            </a:r>
+          </a:p>
+        </p:txBody>
+      </p:sp>
+      <mc:AlternateContent xmlns:mc="http://schemas.openxmlformats.org/markup-compatibility/2006">
+        <mc:Choice xmlns:a14="http://schemas.microsoft.com/office/drawing/2010/main" Requires="a14">
+          <p:sp>
+            <p:nvSpPr>
+              <p:cNvPr id="3" name="Inhaltsplatzhalter 2">
+                <a:extLst>
+                  <a:ext uri="{FF2B5EF4-FFF2-40B4-BE49-F238E27FC236}">
+                    <a16:creationId xmlns:a16="http://schemas.microsoft.com/office/drawing/2014/main" id="{CD895501-1B38-DC8B-0174-ADBB447E9B7F}"/>
+                  </a:ext>
+                </a:extLst>
+              </p:cNvPr>
+              <p:cNvSpPr>
+                <a:spLocks noGrp="1"/>
+              </p:cNvSpPr>
+              <p:nvPr>
+                <p:ph idx="1"/>
+              </p:nvPr>
+            </p:nvSpPr>
+            <p:spPr/>
+            <p:txBody>
+              <a:bodyPr/>
+              <a:lstStyle/>
+              <a:p>
+                <a:r>
+                  <a:rPr lang="en-GB" dirty="0"/>
+                  <a:t>Computation pathway of a 2layer Neural Network</a:t>
+                </a:r>
+              </a:p>
+              <a:p>
+                <a:pPr lvl="1"/>
+                <a:r>
+                  <a:rPr lang="en-GB" dirty="0"/>
+                  <a:t>1</a:t>
+                </a:r>
+                <a:r>
+                  <a:rPr lang="en-GB" baseline="30000" dirty="0"/>
+                  <a:t>st</a:t>
+                </a:r>
+                <a:r>
+                  <a:rPr lang="en-GB" dirty="0"/>
+                  <a:t> layer Input Layer</a:t>
+                </a:r>
+              </a:p>
+              <a:p>
+                <a:pPr lvl="1"/>
+                <a:r>
+                  <a:rPr lang="en-GB" dirty="0"/>
+                  <a:t>2</a:t>
+                </a:r>
+                <a:r>
+                  <a:rPr lang="en-GB" baseline="30000" dirty="0"/>
+                  <a:t>nd</a:t>
+                </a:r>
+                <a:r>
+                  <a:rPr lang="en-GB" dirty="0"/>
+                  <a:t> layer Output Layer</a:t>
+                </a:r>
+              </a:p>
+              <a:p>
+                <a:pPr lvl="1"/>
+                <a:endParaRPr lang="en-GB" dirty="0"/>
+              </a:p>
+              <a:p>
+                <a:pPr marL="457200" lvl="1" indent="0">
+                  <a:buNone/>
+                </a:pPr>
+                <a14:m>
+                  <m:oMathPara xmlns:m="http://schemas.openxmlformats.org/officeDocument/2006/math">
+                    <m:oMathParaPr>
+                      <m:jc m:val="centerGroup"/>
+                    </m:oMathParaPr>
+                    <m:oMath xmlns:m="http://schemas.openxmlformats.org/officeDocument/2006/math">
+                      <m:r>
+                        <a:rPr lang="de-CH" b="0" i="1" smtClean="0">
+                          <a:latin typeface="Cambria Math" panose="02040503050406030204" pitchFamily="18" charset="0"/>
+                          <a:ea typeface="Cambria Math" panose="02040503050406030204" pitchFamily="18" charset="0"/>
+                        </a:rPr>
+                        <m:t>𝑓</m:t>
+                      </m:r>
+                      <m:d>
+                        <m:dPr>
+                          <m:ctrlPr>
+                            <a:rPr lang="de-CH" b="0" i="1" smtClean="0">
+                              <a:latin typeface="Cambria Math" panose="02040503050406030204" pitchFamily="18" charset="0"/>
+                              <a:ea typeface="Cambria Math" panose="02040503050406030204" pitchFamily="18" charset="0"/>
+                            </a:rPr>
+                          </m:ctrlPr>
+                        </m:dPr>
+                        <m:e>
+                          <m:sSub>
+                            <m:sSubPr>
+                              <m:ctrlPr>
+                                <a:rPr lang="de-CH" b="0" i="1" smtClean="0">
+                                  <a:latin typeface="Cambria Math" panose="02040503050406030204" pitchFamily="18" charset="0"/>
+                                  <a:ea typeface="Cambria Math" panose="02040503050406030204" pitchFamily="18" charset="0"/>
+                                </a:rPr>
+                              </m:ctrlPr>
+                            </m:sSubPr>
+                            <m:e>
+                              <m:r>
+                                <a:rPr lang="de-CH" b="0" i="1" smtClean="0">
+                                  <a:latin typeface="Cambria Math" panose="02040503050406030204" pitchFamily="18" charset="0"/>
+                                  <a:ea typeface="Cambria Math" panose="02040503050406030204" pitchFamily="18" charset="0"/>
+                                </a:rPr>
+                                <m:t>𝑥</m:t>
+                              </m:r>
+                            </m:e>
+                            <m:sub>
+                              <m:r>
+                                <a:rPr lang="de-CH" b="0" i="1" smtClean="0">
+                                  <a:latin typeface="Cambria Math" panose="02040503050406030204" pitchFamily="18" charset="0"/>
+                                  <a:ea typeface="Cambria Math" panose="02040503050406030204" pitchFamily="18" charset="0"/>
+                                </a:rPr>
+                                <m:t>1</m:t>
+                              </m:r>
+                            </m:sub>
+                          </m:sSub>
+                          <m:r>
+                            <a:rPr lang="de-CH" b="0" i="1" smtClean="0">
+                              <a:latin typeface="Cambria Math" panose="02040503050406030204" pitchFamily="18" charset="0"/>
+                              <a:ea typeface="Cambria Math" panose="02040503050406030204" pitchFamily="18" charset="0"/>
+                            </a:rPr>
+                            <m:t>,</m:t>
+                          </m:r>
+                          <m:sSub>
+                            <m:sSubPr>
+                              <m:ctrlPr>
+                                <a:rPr lang="de-CH" b="0" i="1" smtClean="0">
+                                  <a:latin typeface="Cambria Math" panose="02040503050406030204" pitchFamily="18" charset="0"/>
+                                  <a:ea typeface="Cambria Math" panose="02040503050406030204" pitchFamily="18" charset="0"/>
+                                </a:rPr>
+                              </m:ctrlPr>
+                            </m:sSubPr>
+                            <m:e>
+                              <m:r>
+                                <a:rPr lang="de-CH" b="0" i="1" smtClean="0">
+                                  <a:latin typeface="Cambria Math" panose="02040503050406030204" pitchFamily="18" charset="0"/>
+                                  <a:ea typeface="Cambria Math" panose="02040503050406030204" pitchFamily="18" charset="0"/>
+                                </a:rPr>
+                                <m:t>𝑥</m:t>
+                              </m:r>
+                            </m:e>
+                            <m:sub>
+                              <m:r>
+                                <a:rPr lang="de-CH" b="0" i="1" smtClean="0">
+                                  <a:latin typeface="Cambria Math" panose="02040503050406030204" pitchFamily="18" charset="0"/>
+                                  <a:ea typeface="Cambria Math" panose="02040503050406030204" pitchFamily="18" charset="0"/>
+                                </a:rPr>
+                                <m:t>2</m:t>
+                              </m:r>
+                            </m:sub>
+                          </m:sSub>
+                        </m:e>
+                      </m:d>
+                      <m:r>
+                        <a:rPr lang="de-CH" b="0" i="1" smtClean="0">
+                          <a:latin typeface="Cambria Math" panose="02040503050406030204" pitchFamily="18" charset="0"/>
+                          <a:ea typeface="Cambria Math" panose="02040503050406030204" pitchFamily="18" charset="0"/>
+                        </a:rPr>
+                        <m:t>=</m:t>
+                      </m:r>
+                      <m:sSub>
+                        <m:sSubPr>
+                          <m:ctrlPr>
+                            <a:rPr lang="de-CH" b="0" i="1" smtClean="0">
+                              <a:latin typeface="Cambria Math" panose="02040503050406030204" pitchFamily="18" charset="0"/>
+                              <a:ea typeface="Cambria Math" panose="02040503050406030204" pitchFamily="18" charset="0"/>
+                            </a:rPr>
+                          </m:ctrlPr>
+                        </m:sSubPr>
+                        <m:e>
+                          <m:r>
+                            <a:rPr lang="de-CH" b="0" i="1" smtClean="0">
+                              <a:latin typeface="Cambria Math" panose="02040503050406030204" pitchFamily="18" charset="0"/>
+                              <a:ea typeface="Cambria Math" panose="02040503050406030204" pitchFamily="18" charset="0"/>
+                            </a:rPr>
+                            <m:t>𝑊</m:t>
+                          </m:r>
+                        </m:e>
+                        <m:sub>
+                          <m:r>
+                            <a:rPr lang="de-CH" b="0" i="1" smtClean="0">
+                              <a:latin typeface="Cambria Math" panose="02040503050406030204" pitchFamily="18" charset="0"/>
+                              <a:ea typeface="Cambria Math" panose="02040503050406030204" pitchFamily="18" charset="0"/>
+                            </a:rPr>
+                            <m:t>2</m:t>
+                          </m:r>
+                        </m:sub>
+                      </m:sSub>
+                      <m:r>
+                        <a:rPr lang="de-CH" b="0" i="1" smtClean="0">
+                          <a:latin typeface="Cambria Math" panose="02040503050406030204" pitchFamily="18" charset="0"/>
+                          <a:ea typeface="Cambria Math" panose="02040503050406030204" pitchFamily="18" charset="0"/>
+                        </a:rPr>
+                        <m:t>𝜎</m:t>
+                      </m:r>
+                      <m:d>
+                        <m:dPr>
+                          <m:ctrlPr>
+                            <a:rPr lang="de-CH" b="0" i="1" smtClean="0">
+                              <a:latin typeface="Cambria Math" panose="02040503050406030204" pitchFamily="18" charset="0"/>
+                              <a:ea typeface="Cambria Math" panose="02040503050406030204" pitchFamily="18" charset="0"/>
+                            </a:rPr>
+                          </m:ctrlPr>
+                        </m:dPr>
+                        <m:e>
+                          <m:sSub>
+                            <m:sSubPr>
+                              <m:ctrlPr>
+                                <a:rPr lang="de-CH" b="0" i="1" smtClean="0">
+                                  <a:latin typeface="Cambria Math" panose="02040503050406030204" pitchFamily="18" charset="0"/>
+                                  <a:ea typeface="Cambria Math" panose="02040503050406030204" pitchFamily="18" charset="0"/>
+                                </a:rPr>
+                              </m:ctrlPr>
+                            </m:sSubPr>
+                            <m:e>
+                              <m:r>
+                                <a:rPr lang="de-CH" b="0" i="1" smtClean="0">
+                                  <a:latin typeface="Cambria Math" panose="02040503050406030204" pitchFamily="18" charset="0"/>
+                                  <a:ea typeface="Cambria Math" panose="02040503050406030204" pitchFamily="18" charset="0"/>
+                                </a:rPr>
+                                <m:t>𝑊</m:t>
+                              </m:r>
+                            </m:e>
+                            <m:sub>
+                              <m:r>
+                                <a:rPr lang="de-CH" b="0" i="1" smtClean="0">
+                                  <a:latin typeface="Cambria Math" panose="02040503050406030204" pitchFamily="18" charset="0"/>
+                                  <a:ea typeface="Cambria Math" panose="02040503050406030204" pitchFamily="18" charset="0"/>
+                                </a:rPr>
+                                <m:t>1</m:t>
+                              </m:r>
+                            </m:sub>
+                          </m:sSub>
+                          <m:r>
+                            <a:rPr lang="de-CH" b="0" i="1" smtClean="0">
+                              <a:latin typeface="Cambria Math" panose="02040503050406030204" pitchFamily="18" charset="0"/>
+                              <a:ea typeface="Cambria Math" panose="02040503050406030204" pitchFamily="18" charset="0"/>
+                            </a:rPr>
+                            <m:t>𝑥</m:t>
+                          </m:r>
+                          <m:r>
+                            <a:rPr lang="de-CH" b="0" i="1" smtClean="0">
+                              <a:latin typeface="Cambria Math" panose="02040503050406030204" pitchFamily="18" charset="0"/>
+                              <a:ea typeface="Cambria Math" panose="02040503050406030204" pitchFamily="18" charset="0"/>
+                            </a:rPr>
+                            <m:t>+</m:t>
+                          </m:r>
+                          <m:sSub>
+                            <m:sSubPr>
+                              <m:ctrlPr>
+                                <a:rPr lang="de-CH" b="0" i="1" smtClean="0">
+                                  <a:latin typeface="Cambria Math" panose="02040503050406030204" pitchFamily="18" charset="0"/>
+                                  <a:ea typeface="Cambria Math" panose="02040503050406030204" pitchFamily="18" charset="0"/>
+                                </a:rPr>
+                              </m:ctrlPr>
+                            </m:sSubPr>
+                            <m:e>
+                              <m:r>
+                                <a:rPr lang="de-CH" b="0" i="1" smtClean="0">
+                                  <a:latin typeface="Cambria Math" panose="02040503050406030204" pitchFamily="18" charset="0"/>
+                                  <a:ea typeface="Cambria Math" panose="02040503050406030204" pitchFamily="18" charset="0"/>
+                                </a:rPr>
+                                <m:t>𝑏</m:t>
+                              </m:r>
+                            </m:e>
+                            <m:sub>
+                              <m:r>
+                                <a:rPr lang="de-CH" b="0" i="1" smtClean="0">
+                                  <a:latin typeface="Cambria Math" panose="02040503050406030204" pitchFamily="18" charset="0"/>
+                                  <a:ea typeface="Cambria Math" panose="02040503050406030204" pitchFamily="18" charset="0"/>
+                                </a:rPr>
+                                <m:t>1</m:t>
+                              </m:r>
+                            </m:sub>
+                          </m:sSub>
+                        </m:e>
+                      </m:d>
+                      <m:r>
+                        <a:rPr lang="de-CH" b="0" i="1" smtClean="0">
+                          <a:latin typeface="Cambria Math" panose="02040503050406030204" pitchFamily="18" charset="0"/>
+                          <a:ea typeface="Cambria Math" panose="02040503050406030204" pitchFamily="18" charset="0"/>
+                        </a:rPr>
+                        <m:t>+</m:t>
+                      </m:r>
+                      <m:sSub>
+                        <m:sSubPr>
+                          <m:ctrlPr>
+                            <a:rPr lang="de-CH" b="0" i="1" smtClean="0">
+                              <a:latin typeface="Cambria Math" panose="02040503050406030204" pitchFamily="18" charset="0"/>
+                              <a:ea typeface="Cambria Math" panose="02040503050406030204" pitchFamily="18" charset="0"/>
+                            </a:rPr>
+                          </m:ctrlPr>
+                        </m:sSubPr>
+                        <m:e>
+                          <m:r>
+                            <a:rPr lang="de-CH" b="0" i="1" smtClean="0">
+                              <a:latin typeface="Cambria Math" panose="02040503050406030204" pitchFamily="18" charset="0"/>
+                              <a:ea typeface="Cambria Math" panose="02040503050406030204" pitchFamily="18" charset="0"/>
+                            </a:rPr>
+                            <m:t>𝑏</m:t>
+                          </m:r>
+                        </m:e>
+                        <m:sub>
+                          <m:r>
+                            <a:rPr lang="de-CH" b="0" i="1" smtClean="0">
+                              <a:latin typeface="Cambria Math" panose="02040503050406030204" pitchFamily="18" charset="0"/>
+                              <a:ea typeface="Cambria Math" panose="02040503050406030204" pitchFamily="18" charset="0"/>
+                            </a:rPr>
+                            <m:t>2</m:t>
+                          </m:r>
+                        </m:sub>
+                      </m:sSub>
+                    </m:oMath>
+                  </m:oMathPara>
+                </a14:m>
+                <a:endParaRPr lang="de-CH" b="0" i="1" dirty="0">
+                  <a:latin typeface="Cambria Math" panose="02040503050406030204" pitchFamily="18" charset="0"/>
+                  <a:ea typeface="Cambria Math" panose="02040503050406030204" pitchFamily="18" charset="0"/>
+                </a:endParaRPr>
+              </a:p>
+              <a:p>
+                <a:pPr marL="457200" lvl="1" indent="0">
+                  <a:buNone/>
+                </a:pPr>
+                <a:endParaRPr lang="de-CH" b="0" i="1" dirty="0">
+                  <a:latin typeface="Cambria Math" panose="02040503050406030204" pitchFamily="18" charset="0"/>
+                  <a:ea typeface="Cambria Math" panose="02040503050406030204" pitchFamily="18" charset="0"/>
+                </a:endParaRPr>
+              </a:p>
+              <a:p>
+                <a:pPr marL="457200" lvl="1" indent="0">
+                  <a:buNone/>
+                </a:pPr>
+                <a14:m>
+                  <m:oMathPara xmlns:m="http://schemas.openxmlformats.org/officeDocument/2006/math">
+                    <m:oMathParaPr>
+                      <m:jc m:val="centerGroup"/>
+                    </m:oMathParaPr>
+                    <m:oMath xmlns:m="http://schemas.openxmlformats.org/officeDocument/2006/math">
+                      <m:r>
+                        <a:rPr lang="de-CH" b="0" i="1" smtClean="0">
+                          <a:latin typeface="Cambria Math" panose="02040503050406030204" pitchFamily="18" charset="0"/>
+                          <a:ea typeface="Cambria Math" panose="02040503050406030204" pitchFamily="18" charset="0"/>
+                        </a:rPr>
+                        <m:t>ℒ</m:t>
+                      </m:r>
+                      <m:d>
+                        <m:dPr>
+                          <m:ctrlPr>
+                            <a:rPr lang="de-CH" b="0" i="1" smtClean="0">
+                              <a:latin typeface="Cambria Math" panose="02040503050406030204" pitchFamily="18" charset="0"/>
+                              <a:ea typeface="Cambria Math" panose="02040503050406030204" pitchFamily="18" charset="0"/>
+                            </a:rPr>
+                          </m:ctrlPr>
+                        </m:dPr>
+                        <m:e>
+                          <m:r>
+                            <a:rPr lang="de-CH" b="0" i="1" smtClean="0">
+                              <a:latin typeface="Cambria Math" panose="02040503050406030204" pitchFamily="18" charset="0"/>
+                              <a:ea typeface="Cambria Math" panose="02040503050406030204" pitchFamily="18" charset="0"/>
+                            </a:rPr>
+                            <m:t>𝜃</m:t>
+                          </m:r>
+                        </m:e>
+                      </m:d>
+                      <m:r>
+                        <a:rPr lang="de-CH" b="0" i="1" smtClean="0">
+                          <a:latin typeface="Cambria Math" panose="02040503050406030204" pitchFamily="18" charset="0"/>
+                          <a:ea typeface="Cambria Math" panose="02040503050406030204" pitchFamily="18" charset="0"/>
+                        </a:rPr>
+                        <m:t>=</m:t>
+                      </m:r>
+                      <m:sSup>
+                        <m:sSupPr>
+                          <m:ctrlPr>
+                            <a:rPr lang="de-CH" b="0" i="1" smtClean="0">
+                              <a:latin typeface="Cambria Math" panose="02040503050406030204" pitchFamily="18" charset="0"/>
+                              <a:ea typeface="Cambria Math" panose="02040503050406030204" pitchFamily="18" charset="0"/>
+                            </a:rPr>
+                          </m:ctrlPr>
+                        </m:sSupPr>
+                        <m:e>
+                          <m:d>
+                            <m:dPr>
+                              <m:ctrlPr>
+                                <a:rPr lang="de-CH" b="0" i="1" smtClean="0">
+                                  <a:latin typeface="Cambria Math" panose="02040503050406030204" pitchFamily="18" charset="0"/>
+                                  <a:ea typeface="Cambria Math" panose="02040503050406030204" pitchFamily="18" charset="0"/>
+                                </a:rPr>
+                              </m:ctrlPr>
+                            </m:dPr>
+                            <m:e>
+                              <m:sSub>
+                                <m:sSubPr>
+                                  <m:ctrlPr>
+                                    <a:rPr lang="de-CH" b="0" i="1" smtClean="0">
+                                      <a:latin typeface="Cambria Math" panose="02040503050406030204" pitchFamily="18" charset="0"/>
+                                      <a:ea typeface="Cambria Math" panose="02040503050406030204" pitchFamily="18" charset="0"/>
+                                    </a:rPr>
+                                  </m:ctrlPr>
+                                </m:sSubPr>
+                                <m:e>
+                                  <m:r>
+                                    <a:rPr lang="de-CH" b="0" i="1" smtClean="0">
+                                      <a:latin typeface="Cambria Math" panose="02040503050406030204" pitchFamily="18" charset="0"/>
+                                      <a:ea typeface="Cambria Math" panose="02040503050406030204" pitchFamily="18" charset="0"/>
+                                    </a:rPr>
+                                    <m:t>𝑓</m:t>
+                                  </m:r>
+                                </m:e>
+                                <m:sub>
+                                  <m:r>
+                                    <a:rPr lang="de-CH" b="0" i="1" smtClean="0">
+                                      <a:latin typeface="Cambria Math" panose="02040503050406030204" pitchFamily="18" charset="0"/>
+                                      <a:ea typeface="Cambria Math" panose="02040503050406030204" pitchFamily="18" charset="0"/>
+                                    </a:rPr>
+                                    <m:t>𝜃</m:t>
+                                  </m:r>
+                                </m:sub>
+                              </m:sSub>
+                              <m:d>
+                                <m:dPr>
+                                  <m:ctrlPr>
+                                    <a:rPr lang="de-CH" b="0" i="1" smtClean="0">
+                                      <a:latin typeface="Cambria Math" panose="02040503050406030204" pitchFamily="18" charset="0"/>
+                                      <a:ea typeface="Cambria Math" panose="02040503050406030204" pitchFamily="18" charset="0"/>
+                                    </a:rPr>
+                                  </m:ctrlPr>
+                                </m:dPr>
+                                <m:e>
+                                  <m:sSub>
+                                    <m:sSubPr>
+                                      <m:ctrlPr>
+                                        <a:rPr lang="de-CH" b="0" i="1" smtClean="0">
+                                          <a:latin typeface="Cambria Math" panose="02040503050406030204" pitchFamily="18" charset="0"/>
+                                          <a:ea typeface="Cambria Math" panose="02040503050406030204" pitchFamily="18" charset="0"/>
+                                        </a:rPr>
+                                      </m:ctrlPr>
+                                    </m:sSubPr>
+                                    <m:e>
+                                      <m:r>
+                                        <a:rPr lang="de-CH" b="0" i="1" smtClean="0">
+                                          <a:latin typeface="Cambria Math" panose="02040503050406030204" pitchFamily="18" charset="0"/>
+                                          <a:ea typeface="Cambria Math" panose="02040503050406030204" pitchFamily="18" charset="0"/>
+                                        </a:rPr>
+                                        <m:t>𝑥</m:t>
+                                      </m:r>
+                                    </m:e>
+                                    <m:sub>
+                                      <m:r>
+                                        <a:rPr lang="de-CH" b="0" i="1" smtClean="0">
+                                          <a:latin typeface="Cambria Math" panose="02040503050406030204" pitchFamily="18" charset="0"/>
+                                          <a:ea typeface="Cambria Math" panose="02040503050406030204" pitchFamily="18" charset="0"/>
+                                        </a:rPr>
+                                        <m:t>1</m:t>
+                                      </m:r>
+                                    </m:sub>
+                                  </m:sSub>
+                                  <m:r>
+                                    <a:rPr lang="de-CH" b="0" i="1" smtClean="0">
+                                      <a:latin typeface="Cambria Math" panose="02040503050406030204" pitchFamily="18" charset="0"/>
+                                      <a:ea typeface="Cambria Math" panose="02040503050406030204" pitchFamily="18" charset="0"/>
+                                    </a:rPr>
+                                    <m:t>,</m:t>
+                                  </m:r>
+                                  <m:sSub>
+                                    <m:sSubPr>
+                                      <m:ctrlPr>
+                                        <a:rPr lang="de-CH" b="0" i="1" smtClean="0">
+                                          <a:latin typeface="Cambria Math" panose="02040503050406030204" pitchFamily="18" charset="0"/>
+                                          <a:ea typeface="Cambria Math" panose="02040503050406030204" pitchFamily="18" charset="0"/>
+                                        </a:rPr>
+                                      </m:ctrlPr>
+                                    </m:sSubPr>
+                                    <m:e>
+                                      <m:r>
+                                        <a:rPr lang="de-CH" b="0" i="1" smtClean="0">
+                                          <a:latin typeface="Cambria Math" panose="02040503050406030204" pitchFamily="18" charset="0"/>
+                                          <a:ea typeface="Cambria Math" panose="02040503050406030204" pitchFamily="18" charset="0"/>
+                                        </a:rPr>
+                                        <m:t>𝑥</m:t>
+                                      </m:r>
+                                    </m:e>
+                                    <m:sub>
+                                      <m:r>
+                                        <a:rPr lang="de-CH" b="0" i="1" smtClean="0">
+                                          <a:latin typeface="Cambria Math" panose="02040503050406030204" pitchFamily="18" charset="0"/>
+                                          <a:ea typeface="Cambria Math" panose="02040503050406030204" pitchFamily="18" charset="0"/>
+                                        </a:rPr>
+                                        <m:t>2</m:t>
+                                      </m:r>
+                                    </m:sub>
+                                  </m:sSub>
+                                </m:e>
+                              </m:d>
+                              <m:r>
+                                <a:rPr lang="de-CH" b="0" i="1" smtClean="0">
+                                  <a:latin typeface="Cambria Math" panose="02040503050406030204" pitchFamily="18" charset="0"/>
+                                  <a:ea typeface="Cambria Math" panose="02040503050406030204" pitchFamily="18" charset="0"/>
+                                </a:rPr>
+                                <m:t>−</m:t>
+                              </m:r>
+                              <m:r>
+                                <a:rPr lang="de-CH" b="0" i="1" smtClean="0">
+                                  <a:latin typeface="Cambria Math" panose="02040503050406030204" pitchFamily="18" charset="0"/>
+                                  <a:ea typeface="Cambria Math" panose="02040503050406030204" pitchFamily="18" charset="0"/>
+                                </a:rPr>
+                                <m:t>𝑦</m:t>
+                              </m:r>
+                            </m:e>
+                          </m:d>
+                        </m:e>
+                        <m:sup>
+                          <m:r>
+                            <a:rPr lang="de-CH" b="0" i="1" smtClean="0">
+                              <a:latin typeface="Cambria Math" panose="02040503050406030204" pitchFamily="18" charset="0"/>
+                              <a:ea typeface="Cambria Math" panose="02040503050406030204" pitchFamily="18" charset="0"/>
+                            </a:rPr>
+                            <m:t>2</m:t>
+                          </m:r>
+                        </m:sup>
+                      </m:sSup>
+                      <m:r>
+                        <a:rPr lang="de-CH" b="0" i="1" smtClean="0">
+                          <a:latin typeface="Cambria Math" panose="02040503050406030204" pitchFamily="18" charset="0"/>
+                          <a:ea typeface="Cambria Math" panose="02040503050406030204" pitchFamily="18" charset="0"/>
+                        </a:rPr>
+                        <m:t> </m:t>
+                      </m:r>
+                    </m:oMath>
+                  </m:oMathPara>
+                </a14:m>
+                <a:endParaRPr lang="de-CH" b="0" dirty="0">
+                  <a:ea typeface="Cambria Math" panose="02040503050406030204" pitchFamily="18" charset="0"/>
+                </a:endParaRPr>
+              </a:p>
+              <a:p>
+                <a:pPr marL="457200" lvl="1" indent="0">
+                  <a:buNone/>
+                </a:pPr>
+                <a:endParaRPr lang="en-GB" dirty="0"/>
+              </a:p>
+            </p:txBody>
+          </p:sp>
+        </mc:Choice>
+        <mc:Fallback>
+          <p:sp>
+            <p:nvSpPr>
+              <p:cNvPr id="3" name="Inhaltsplatzhalter 2">
+                <a:extLst>
+                  <a:ext uri="{FF2B5EF4-FFF2-40B4-BE49-F238E27FC236}">
+                    <a16:creationId xmlns:a16="http://schemas.microsoft.com/office/drawing/2014/main" id="{CD895501-1B38-DC8B-0174-ADBB447E9B7F}"/>
+                  </a:ext>
+                </a:extLst>
+              </p:cNvPr>
+              <p:cNvSpPr>
+                <a:spLocks noGrp="1" noRot="1" noChangeAspect="1" noMove="1" noResize="1" noEditPoints="1" noAdjustHandles="1" noChangeArrowheads="1" noChangeShapeType="1" noTextEdit="1"/>
+              </p:cNvSpPr>
+              <p:nvPr>
+                <p:ph idx="1"/>
+              </p:nvPr>
+            </p:nvSpPr>
+            <p:spPr>
+              <a:blipFill>
+                <a:blip r:embed="rId2"/>
+                <a:stretch>
+                  <a:fillRect l="-1043" t="-2381"/>
+                </a:stretch>
+              </a:blipFill>
+            </p:spPr>
+            <p:txBody>
+              <a:bodyPr/>
+              <a:lstStyle/>
+              <a:p>
+                <a:r>
+                  <a:rPr lang="en-GB">
+                    <a:noFill/>
+                  </a:rPr>
+                  <a:t> </a:t>
+                </a:r>
+              </a:p>
+            </p:txBody>
+          </p:sp>
+        </mc:Fallback>
+      </mc:AlternateContent>
+      <p:pic>
+        <p:nvPicPr>
+          <p:cNvPr id="4" name="Inhaltsplatzhalter 3">
+            <a:extLst>
+              <a:ext uri="{FF2B5EF4-FFF2-40B4-BE49-F238E27FC236}">
+                <a16:creationId xmlns:a16="http://schemas.microsoft.com/office/drawing/2014/main" id="{53AE2F29-675A-2620-9D1D-8B03038E9621}"/>
+              </a:ext>
+            </a:extLst>
+          </p:cNvPr>
+          <p:cNvPicPr>
+            <a:picLocks noChangeAspect="1"/>
+          </p:cNvPicPr>
+          <p:nvPr/>
+        </p:nvPicPr>
+        <p:blipFill>
+          <a:blip r:embed="rId3"/>
+          <a:srcRect l="35454" t="13017" r="3127" b="39743"/>
+          <a:stretch>
+            <a:fillRect/>
+          </a:stretch>
+        </p:blipFill>
+        <p:spPr>
+          <a:xfrm>
+            <a:off x="7593904" y="3859565"/>
+            <a:ext cx="4250130" cy="2452335"/>
+          </a:xfrm>
+          <a:prstGeom prst="rect">
+            <a:avLst/>
+          </a:prstGeom>
+        </p:spPr>
+      </p:pic>
+    </p:spTree>
+    <p:extLst>
+      <p:ext uri="{BB962C8B-B14F-4D97-AF65-F5344CB8AC3E}">
+        <p14:creationId xmlns:p14="http://schemas.microsoft.com/office/powerpoint/2010/main" val="2267159458"/>
+      </p:ext>
+    </p:extLst>
+  </p:cSld>
+  <p:clrMapOvr>
+    <a:masterClrMapping/>
+  </p:clrMapOvr>
+</p:sld>
+</file>
+
+<file path=ppt/slides/slide7.xml><?xml version="1.0" encoding="utf-8"?>
+<p:sld xmlns:a="http://schemas.openxmlformats.org/drawingml/2006/main" xmlns:r="http://schemas.openxmlformats.org/officeDocument/2006/relationships" xmlns:p="http://schemas.openxmlformats.org/presentationml/2006/main">
+  <p:cSld>
+    <p:spTree>
+      <p:nvGrpSpPr>
+        <p:cNvPr id="1" name="">
+          <a:extLst>
+            <a:ext uri="{FF2B5EF4-FFF2-40B4-BE49-F238E27FC236}">
+              <a16:creationId xmlns:a16="http://schemas.microsoft.com/office/drawing/2014/main" id="{D0A59DCD-CABD-1FEE-0AFD-0B87D792B962}"/>
+            </a:ext>
+          </a:extLst>
+        </p:cNvPr>
+        <p:cNvGrpSpPr/>
+        <p:nvPr/>
+      </p:nvGrpSpPr>
+      <p:grpSpPr>
+        <a:xfrm>
+          <a:off x="0" y="0"/>
+          <a:ext cx="0" cy="0"/>
+          <a:chOff x="0" y="0"/>
+          <a:chExt cx="0" cy="0"/>
+        </a:xfrm>
+      </p:grpSpPr>
+      <p:sp>
+        <p:nvSpPr>
+          <p:cNvPr id="2" name="Titel 1">
+            <a:extLst>
+              <a:ext uri="{FF2B5EF4-FFF2-40B4-BE49-F238E27FC236}">
+                <a16:creationId xmlns:a16="http://schemas.microsoft.com/office/drawing/2014/main" id="{FD5F0E0C-5273-F5B4-ECF6-A256A6655B2C}"/>
+              </a:ext>
+            </a:extLst>
+          </p:cNvPr>
+          <p:cNvSpPr>
+            <a:spLocks noGrp="1"/>
+          </p:cNvSpPr>
+          <p:nvPr>
+            <p:ph type="title"/>
+          </p:nvPr>
+        </p:nvSpPr>
+        <p:spPr/>
+        <p:txBody>
+          <a:bodyPr/>
+          <a:lstStyle/>
+          <a:p>
+            <a:r>
+              <a:rPr lang="en-GB" dirty="0"/>
+              <a:t>Autoencoder</a:t>
+            </a:r>
+          </a:p>
+        </p:txBody>
+      </p:sp>
+      <mc:AlternateContent xmlns:mc="http://schemas.openxmlformats.org/markup-compatibility/2006">
+        <mc:Choice xmlns:a14="http://schemas.microsoft.com/office/drawing/2010/main" Requires="a14">
+          <p:sp>
+            <p:nvSpPr>
+              <p:cNvPr id="3" name="Inhaltsplatzhalter 2">
+                <a:extLst>
+                  <a:ext uri="{FF2B5EF4-FFF2-40B4-BE49-F238E27FC236}">
+                    <a16:creationId xmlns:a16="http://schemas.microsoft.com/office/drawing/2014/main" id="{7AD3E912-5097-5BA8-38E2-6D2320FCF5AB}"/>
+                  </a:ext>
+                </a:extLst>
+              </p:cNvPr>
+              <p:cNvSpPr>
+                <a:spLocks noGrp="1"/>
+              </p:cNvSpPr>
+              <p:nvPr>
+                <p:ph idx="1"/>
+              </p:nvPr>
+            </p:nvSpPr>
+            <p:spPr/>
+            <p:txBody>
+              <a:bodyPr/>
+              <a:lstStyle/>
+              <a:p>
+                <a:r>
+                  <a:rPr lang="en-GB" dirty="0"/>
+                  <a:t>Computation pathway of a 2layer Neural Network</a:t>
+                </a:r>
+              </a:p>
+              <a:p>
+                <a:pPr lvl="1"/>
+                <a:r>
+                  <a:rPr lang="en-GB" dirty="0"/>
+                  <a:t>1</a:t>
+                </a:r>
+                <a:r>
+                  <a:rPr lang="en-GB" baseline="30000" dirty="0"/>
+                  <a:t>st</a:t>
+                </a:r>
+                <a:r>
+                  <a:rPr lang="en-GB" dirty="0"/>
+                  <a:t> layer Input Layer</a:t>
+                </a:r>
+              </a:p>
+              <a:p>
+                <a:pPr lvl="1"/>
+                <a:r>
+                  <a:rPr lang="en-GB" dirty="0"/>
+                  <a:t>2</a:t>
+                </a:r>
+                <a:r>
+                  <a:rPr lang="en-GB" baseline="30000" dirty="0"/>
+                  <a:t>nd</a:t>
+                </a:r>
+                <a:r>
+                  <a:rPr lang="en-GB" dirty="0"/>
+                  <a:t> layer latent Layer</a:t>
+                </a:r>
+              </a:p>
+              <a:p>
+                <a:pPr lvl="1"/>
+                <a:r>
+                  <a:rPr lang="en-GB" dirty="0"/>
+                  <a:t>3</a:t>
+                </a:r>
+                <a:r>
+                  <a:rPr lang="en-GB" baseline="30000" dirty="0"/>
+                  <a:t>rd</a:t>
+                </a:r>
+                <a:r>
+                  <a:rPr lang="en-GB" dirty="0"/>
+                  <a:t>  layer latent Layer</a:t>
+                </a:r>
+              </a:p>
+              <a:p>
+                <a:pPr lvl="1"/>
+                <a:r>
+                  <a:rPr lang="en-GB" dirty="0"/>
+                  <a:t>4th layer </a:t>
+                </a:r>
+                <a:r>
+                  <a:rPr lang="en-GB" dirty="0" err="1"/>
+                  <a:t>Ouput</a:t>
+                </a:r>
+                <a:r>
+                  <a:rPr lang="en-GB" dirty="0"/>
+                  <a:t> Layer</a:t>
+                </a:r>
+              </a:p>
+              <a:p>
+                <a:pPr lvl="1"/>
+                <a:endParaRPr lang="en-GB" dirty="0"/>
+              </a:p>
+              <a:p>
+                <a:pPr lvl="1"/>
+                <a:endParaRPr lang="en-GB" dirty="0"/>
+              </a:p>
+              <a:p>
+                <a:pPr lvl="1"/>
+                <a:endParaRPr lang="en-GB" dirty="0"/>
+              </a:p>
+              <a:p>
+                <a:pPr marL="457200" lvl="1" indent="0">
+                  <a:buNone/>
+                </a:pPr>
+                <a14:m>
+                  <m:oMathPara xmlns:m="http://schemas.openxmlformats.org/officeDocument/2006/math">
+                    <m:oMathParaPr>
+                      <m:jc m:val="centerGroup"/>
+                    </m:oMathParaPr>
+                    <m:oMath xmlns:m="http://schemas.openxmlformats.org/officeDocument/2006/math">
+                      <m:r>
+                        <a:rPr lang="de-CH" b="0" i="1" smtClean="0">
+                          <a:latin typeface="Cambria Math" panose="02040503050406030204" pitchFamily="18" charset="0"/>
+                          <a:ea typeface="Cambria Math" panose="02040503050406030204" pitchFamily="18" charset="0"/>
+                        </a:rPr>
+                        <m:t>𝑓</m:t>
+                      </m:r>
+                      <m:d>
+                        <m:dPr>
+                          <m:ctrlPr>
+                            <a:rPr lang="de-CH" b="0" i="1" smtClean="0">
+                              <a:latin typeface="Cambria Math" panose="02040503050406030204" pitchFamily="18" charset="0"/>
+                              <a:ea typeface="Cambria Math" panose="02040503050406030204" pitchFamily="18" charset="0"/>
+                            </a:rPr>
+                          </m:ctrlPr>
+                        </m:dPr>
+                        <m:e>
+                          <m:sSub>
+                            <m:sSubPr>
+                              <m:ctrlPr>
+                                <a:rPr lang="de-CH" b="0" i="1" smtClean="0">
+                                  <a:latin typeface="Cambria Math" panose="02040503050406030204" pitchFamily="18" charset="0"/>
+                                  <a:ea typeface="Cambria Math" panose="02040503050406030204" pitchFamily="18" charset="0"/>
+                                </a:rPr>
+                              </m:ctrlPr>
+                            </m:sSubPr>
+                            <m:e>
+                              <m:r>
+                                <a:rPr lang="de-CH" b="0" i="1" smtClean="0">
+                                  <a:latin typeface="Cambria Math" panose="02040503050406030204" pitchFamily="18" charset="0"/>
+                                  <a:ea typeface="Cambria Math" panose="02040503050406030204" pitchFamily="18" charset="0"/>
+                                </a:rPr>
+                                <m:t>𝑥</m:t>
+                              </m:r>
+                            </m:e>
+                            <m:sub>
+                              <m:r>
+                                <a:rPr lang="de-CH" b="0" i="1" smtClean="0">
+                                  <a:latin typeface="Cambria Math" panose="02040503050406030204" pitchFamily="18" charset="0"/>
+                                  <a:ea typeface="Cambria Math" panose="02040503050406030204" pitchFamily="18" charset="0"/>
+                                </a:rPr>
+                                <m:t>1</m:t>
+                              </m:r>
+                            </m:sub>
+                          </m:sSub>
+                          <m:r>
+                            <a:rPr lang="de-CH" b="0" i="1" smtClean="0">
+                              <a:latin typeface="Cambria Math" panose="02040503050406030204" pitchFamily="18" charset="0"/>
+                              <a:ea typeface="Cambria Math" panose="02040503050406030204" pitchFamily="18" charset="0"/>
+                            </a:rPr>
+                            <m:t>,</m:t>
+                          </m:r>
+                          <m:sSub>
+                            <m:sSubPr>
+                              <m:ctrlPr>
+                                <a:rPr lang="de-CH" b="0" i="1" smtClean="0">
+                                  <a:latin typeface="Cambria Math" panose="02040503050406030204" pitchFamily="18" charset="0"/>
+                                  <a:ea typeface="Cambria Math" panose="02040503050406030204" pitchFamily="18" charset="0"/>
+                                </a:rPr>
+                              </m:ctrlPr>
+                            </m:sSubPr>
+                            <m:e>
+                              <m:r>
+                                <a:rPr lang="de-CH" b="0" i="1" smtClean="0">
+                                  <a:latin typeface="Cambria Math" panose="02040503050406030204" pitchFamily="18" charset="0"/>
+                                  <a:ea typeface="Cambria Math" panose="02040503050406030204" pitchFamily="18" charset="0"/>
+                                </a:rPr>
+                                <m:t>𝑥</m:t>
+                              </m:r>
+                            </m:e>
+                            <m:sub>
+                              <m:r>
+                                <a:rPr lang="de-CH" b="0" i="1" smtClean="0">
+                                  <a:latin typeface="Cambria Math" panose="02040503050406030204" pitchFamily="18" charset="0"/>
+                                  <a:ea typeface="Cambria Math" panose="02040503050406030204" pitchFamily="18" charset="0"/>
+                                </a:rPr>
+                                <m:t>2</m:t>
+                              </m:r>
+                            </m:sub>
+                          </m:sSub>
+                        </m:e>
+                      </m:d>
+                      <m:r>
+                        <a:rPr lang="de-CH" b="0" i="1" smtClean="0">
+                          <a:latin typeface="Cambria Math" panose="02040503050406030204" pitchFamily="18" charset="0"/>
+                          <a:ea typeface="Cambria Math" panose="02040503050406030204" pitchFamily="18" charset="0"/>
+                        </a:rPr>
+                        <m:t>=</m:t>
+                      </m:r>
+                      <m:sSub>
+                        <m:sSubPr>
+                          <m:ctrlPr>
+                            <a:rPr lang="de-CH" b="0" i="1" smtClean="0">
+                              <a:latin typeface="Cambria Math" panose="02040503050406030204" pitchFamily="18" charset="0"/>
+                              <a:ea typeface="Cambria Math" panose="02040503050406030204" pitchFamily="18" charset="0"/>
+                            </a:rPr>
+                          </m:ctrlPr>
+                        </m:sSubPr>
+                        <m:e>
+                          <m:sSub>
+                            <m:sSubPr>
+                              <m:ctrlPr>
+                                <a:rPr lang="de-CH" b="0" i="1" smtClean="0">
+                                  <a:latin typeface="Cambria Math" panose="02040503050406030204" pitchFamily="18" charset="0"/>
+                                  <a:ea typeface="Cambria Math" panose="02040503050406030204" pitchFamily="18" charset="0"/>
+                                </a:rPr>
+                              </m:ctrlPr>
+                            </m:sSubPr>
+                            <m:e>
+                              <m:sSub>
+                                <m:sSubPr>
+                                  <m:ctrlPr>
+                                    <a:rPr lang="de-CH" b="0" i="1" smtClean="0">
+                                      <a:latin typeface="Cambria Math" panose="02040503050406030204" pitchFamily="18" charset="0"/>
+                                      <a:ea typeface="Cambria Math" panose="02040503050406030204" pitchFamily="18" charset="0"/>
+                                    </a:rPr>
+                                  </m:ctrlPr>
+                                </m:sSubPr>
+                                <m:e>
+                                  <m:r>
+                                    <a:rPr lang="de-CH" b="0" i="1" smtClean="0">
+                                      <a:latin typeface="Cambria Math" panose="02040503050406030204" pitchFamily="18" charset="0"/>
+                                      <a:ea typeface="Cambria Math" panose="02040503050406030204" pitchFamily="18" charset="0"/>
+                                    </a:rPr>
+                                    <m:t>𝑊</m:t>
+                                  </m:r>
+                                </m:e>
+                                <m:sub>
+                                  <m:r>
+                                    <a:rPr lang="de-CH" b="0" i="1" smtClean="0">
+                                      <a:latin typeface="Cambria Math" panose="02040503050406030204" pitchFamily="18" charset="0"/>
+                                      <a:ea typeface="Cambria Math" panose="02040503050406030204" pitchFamily="18" charset="0"/>
+                                    </a:rPr>
+                                    <m:t>4</m:t>
+                                  </m:r>
+                                </m:sub>
+                              </m:sSub>
+                              <m:r>
+                                <a:rPr lang="de-CH" b="0" i="1" smtClean="0">
+                                  <a:latin typeface="Cambria Math" panose="02040503050406030204" pitchFamily="18" charset="0"/>
+                                  <a:ea typeface="Cambria Math" panose="02040503050406030204" pitchFamily="18" charset="0"/>
+                                </a:rPr>
+                                <m:t>𝜎</m:t>
+                              </m:r>
+                              <m:r>
+                                <a:rPr lang="de-CH" b="0" i="1" smtClean="0">
+                                  <a:latin typeface="Cambria Math" panose="02040503050406030204" pitchFamily="18" charset="0"/>
+                                  <a:ea typeface="Cambria Math" panose="02040503050406030204" pitchFamily="18" charset="0"/>
+                                </a:rPr>
+                                <m:t>(</m:t>
+                              </m:r>
+                              <m:r>
+                                <a:rPr lang="de-CH" b="0" i="1" smtClean="0">
+                                  <a:latin typeface="Cambria Math" panose="02040503050406030204" pitchFamily="18" charset="0"/>
+                                  <a:ea typeface="Cambria Math" panose="02040503050406030204" pitchFamily="18" charset="0"/>
+                                </a:rPr>
+                                <m:t>𝑊</m:t>
+                              </m:r>
+                            </m:e>
+                            <m:sub>
+                              <m:r>
+                                <a:rPr lang="de-CH" b="0" i="1" smtClean="0">
+                                  <a:latin typeface="Cambria Math" panose="02040503050406030204" pitchFamily="18" charset="0"/>
+                                  <a:ea typeface="Cambria Math" panose="02040503050406030204" pitchFamily="18" charset="0"/>
+                                </a:rPr>
+                                <m:t>3</m:t>
+                              </m:r>
+                            </m:sub>
+                          </m:sSub>
+                          <m:r>
+                            <a:rPr lang="de-CH" i="1">
+                              <a:latin typeface="Cambria Math" panose="02040503050406030204" pitchFamily="18" charset="0"/>
+                              <a:ea typeface="Cambria Math" panose="02040503050406030204" pitchFamily="18" charset="0"/>
+                            </a:rPr>
+                            <m:t>𝜎</m:t>
+                          </m:r>
+                          <m:r>
+                            <a:rPr lang="de-CH" b="0" i="1" smtClean="0">
+                              <a:latin typeface="Cambria Math" panose="02040503050406030204" pitchFamily="18" charset="0"/>
+                              <a:ea typeface="Cambria Math" panose="02040503050406030204" pitchFamily="18" charset="0"/>
+                            </a:rPr>
+                            <m:t>(</m:t>
+                          </m:r>
+                          <m:r>
+                            <a:rPr lang="de-CH" b="0" i="1" smtClean="0">
+                              <a:latin typeface="Cambria Math" panose="02040503050406030204" pitchFamily="18" charset="0"/>
+                              <a:ea typeface="Cambria Math" panose="02040503050406030204" pitchFamily="18" charset="0"/>
+                            </a:rPr>
+                            <m:t>𝑊</m:t>
+                          </m:r>
+                        </m:e>
+                        <m:sub>
+                          <m:r>
+                            <a:rPr lang="de-CH" b="0" i="1" smtClean="0">
+                              <a:latin typeface="Cambria Math" panose="02040503050406030204" pitchFamily="18" charset="0"/>
+                              <a:ea typeface="Cambria Math" panose="02040503050406030204" pitchFamily="18" charset="0"/>
+                            </a:rPr>
+                            <m:t>2</m:t>
+                          </m:r>
+                        </m:sub>
+                      </m:sSub>
+                      <m:r>
+                        <a:rPr lang="de-CH" b="0" i="1" smtClean="0">
+                          <a:latin typeface="Cambria Math" panose="02040503050406030204" pitchFamily="18" charset="0"/>
+                          <a:ea typeface="Cambria Math" panose="02040503050406030204" pitchFamily="18" charset="0"/>
+                        </a:rPr>
+                        <m:t>𝜎</m:t>
+                      </m:r>
+                      <m:d>
+                        <m:dPr>
+                          <m:ctrlPr>
+                            <a:rPr lang="de-CH" b="0" i="1" smtClean="0">
+                              <a:latin typeface="Cambria Math" panose="02040503050406030204" pitchFamily="18" charset="0"/>
+                              <a:ea typeface="Cambria Math" panose="02040503050406030204" pitchFamily="18" charset="0"/>
+                            </a:rPr>
+                          </m:ctrlPr>
+                        </m:dPr>
+                        <m:e>
+                          <m:sSub>
+                            <m:sSubPr>
+                              <m:ctrlPr>
+                                <a:rPr lang="de-CH" b="0" i="1" smtClean="0">
+                                  <a:latin typeface="Cambria Math" panose="02040503050406030204" pitchFamily="18" charset="0"/>
+                                  <a:ea typeface="Cambria Math" panose="02040503050406030204" pitchFamily="18" charset="0"/>
+                                </a:rPr>
+                              </m:ctrlPr>
+                            </m:sSubPr>
+                            <m:e>
+                              <m:r>
+                                <a:rPr lang="de-CH" b="0" i="1" smtClean="0">
+                                  <a:latin typeface="Cambria Math" panose="02040503050406030204" pitchFamily="18" charset="0"/>
+                                  <a:ea typeface="Cambria Math" panose="02040503050406030204" pitchFamily="18" charset="0"/>
+                                </a:rPr>
+                                <m:t>𝑊</m:t>
+                              </m:r>
+                            </m:e>
+                            <m:sub>
+                              <m:r>
+                                <a:rPr lang="de-CH" b="0" i="1" smtClean="0">
+                                  <a:latin typeface="Cambria Math" panose="02040503050406030204" pitchFamily="18" charset="0"/>
+                                  <a:ea typeface="Cambria Math" panose="02040503050406030204" pitchFamily="18" charset="0"/>
+                                </a:rPr>
+                                <m:t>1</m:t>
+                              </m:r>
+                            </m:sub>
+                          </m:sSub>
+                          <m:r>
+                            <a:rPr lang="de-CH" b="0" i="1" smtClean="0">
+                              <a:latin typeface="Cambria Math" panose="02040503050406030204" pitchFamily="18" charset="0"/>
+                              <a:ea typeface="Cambria Math" panose="02040503050406030204" pitchFamily="18" charset="0"/>
+                            </a:rPr>
+                            <m:t>𝑥</m:t>
+                          </m:r>
+                          <m:r>
+                            <a:rPr lang="de-CH" b="0" i="1" smtClean="0">
+                              <a:latin typeface="Cambria Math" panose="02040503050406030204" pitchFamily="18" charset="0"/>
+                              <a:ea typeface="Cambria Math" panose="02040503050406030204" pitchFamily="18" charset="0"/>
+                            </a:rPr>
+                            <m:t>+</m:t>
+                          </m:r>
+                          <m:sSub>
+                            <m:sSubPr>
+                              <m:ctrlPr>
+                                <a:rPr lang="de-CH" b="0" i="1" smtClean="0">
+                                  <a:latin typeface="Cambria Math" panose="02040503050406030204" pitchFamily="18" charset="0"/>
+                                  <a:ea typeface="Cambria Math" panose="02040503050406030204" pitchFamily="18" charset="0"/>
+                                </a:rPr>
+                              </m:ctrlPr>
+                            </m:sSubPr>
+                            <m:e>
+                              <m:r>
+                                <a:rPr lang="de-CH" b="0" i="1" smtClean="0">
+                                  <a:latin typeface="Cambria Math" panose="02040503050406030204" pitchFamily="18" charset="0"/>
+                                  <a:ea typeface="Cambria Math" panose="02040503050406030204" pitchFamily="18" charset="0"/>
+                                </a:rPr>
+                                <m:t>𝑏</m:t>
+                              </m:r>
+                            </m:e>
+                            <m:sub>
+                              <m:r>
+                                <a:rPr lang="de-CH" b="0" i="1" smtClean="0">
+                                  <a:latin typeface="Cambria Math" panose="02040503050406030204" pitchFamily="18" charset="0"/>
+                                  <a:ea typeface="Cambria Math" panose="02040503050406030204" pitchFamily="18" charset="0"/>
+                                </a:rPr>
+                                <m:t>1</m:t>
+                              </m:r>
+                            </m:sub>
+                          </m:sSub>
+                        </m:e>
+                      </m:d>
+                      <m:r>
+                        <a:rPr lang="de-CH" b="0" i="1" smtClean="0">
+                          <a:latin typeface="Cambria Math" panose="02040503050406030204" pitchFamily="18" charset="0"/>
+                          <a:ea typeface="Cambria Math" panose="02040503050406030204" pitchFamily="18" charset="0"/>
+                        </a:rPr>
+                        <m:t>+</m:t>
+                      </m:r>
+                      <m:sSub>
+                        <m:sSubPr>
+                          <m:ctrlPr>
+                            <a:rPr lang="de-CH" b="0" i="1" smtClean="0">
+                              <a:latin typeface="Cambria Math" panose="02040503050406030204" pitchFamily="18" charset="0"/>
+                              <a:ea typeface="Cambria Math" panose="02040503050406030204" pitchFamily="18" charset="0"/>
+                            </a:rPr>
+                          </m:ctrlPr>
+                        </m:sSubPr>
+                        <m:e>
+                          <m:r>
+                            <a:rPr lang="de-CH" b="0" i="1" smtClean="0">
+                              <a:latin typeface="Cambria Math" panose="02040503050406030204" pitchFamily="18" charset="0"/>
+                              <a:ea typeface="Cambria Math" panose="02040503050406030204" pitchFamily="18" charset="0"/>
+                            </a:rPr>
+                            <m:t>𝑏</m:t>
+                          </m:r>
+                        </m:e>
+                        <m:sub>
+                          <m:r>
+                            <a:rPr lang="de-CH" b="0" i="1" smtClean="0">
+                              <a:latin typeface="Cambria Math" panose="02040503050406030204" pitchFamily="18" charset="0"/>
+                              <a:ea typeface="Cambria Math" panose="02040503050406030204" pitchFamily="18" charset="0"/>
+                            </a:rPr>
+                            <m:t>2</m:t>
+                          </m:r>
+                        </m:sub>
+                      </m:sSub>
+                      <m:r>
+                        <a:rPr lang="de-CH" b="0" i="1" smtClean="0">
+                          <a:latin typeface="Cambria Math" panose="02040503050406030204" pitchFamily="18" charset="0"/>
+                          <a:ea typeface="Cambria Math" panose="02040503050406030204" pitchFamily="18" charset="0"/>
+                        </a:rPr>
+                        <m:t>)+</m:t>
+                      </m:r>
+                      <m:sSub>
+                        <m:sSubPr>
+                          <m:ctrlPr>
+                            <a:rPr lang="de-CH" b="0" i="1" smtClean="0">
+                              <a:latin typeface="Cambria Math" panose="02040503050406030204" pitchFamily="18" charset="0"/>
+                              <a:ea typeface="Cambria Math" panose="02040503050406030204" pitchFamily="18" charset="0"/>
+                            </a:rPr>
+                          </m:ctrlPr>
+                        </m:sSubPr>
+                        <m:e>
+                          <m:r>
+                            <a:rPr lang="de-CH" b="0" i="1" smtClean="0">
+                              <a:latin typeface="Cambria Math" panose="02040503050406030204" pitchFamily="18" charset="0"/>
+                              <a:ea typeface="Cambria Math" panose="02040503050406030204" pitchFamily="18" charset="0"/>
+                            </a:rPr>
+                            <m:t>𝑏</m:t>
+                          </m:r>
+                        </m:e>
+                        <m:sub>
+                          <m:r>
+                            <a:rPr lang="de-CH" b="0" i="1" smtClean="0">
+                              <a:latin typeface="Cambria Math" panose="02040503050406030204" pitchFamily="18" charset="0"/>
+                              <a:ea typeface="Cambria Math" panose="02040503050406030204" pitchFamily="18" charset="0"/>
+                            </a:rPr>
+                            <m:t>3</m:t>
+                          </m:r>
+                        </m:sub>
+                      </m:sSub>
+                      <m:r>
+                        <a:rPr lang="de-CH" b="0" i="1" smtClean="0">
+                          <a:latin typeface="Cambria Math" panose="02040503050406030204" pitchFamily="18" charset="0"/>
+                          <a:ea typeface="Cambria Math" panose="02040503050406030204" pitchFamily="18" charset="0"/>
+                        </a:rPr>
+                        <m:t>)+</m:t>
+                      </m:r>
+                      <m:sSub>
+                        <m:sSubPr>
+                          <m:ctrlPr>
+                            <a:rPr lang="de-CH" b="0" i="1" smtClean="0">
+                              <a:latin typeface="Cambria Math" panose="02040503050406030204" pitchFamily="18" charset="0"/>
+                              <a:ea typeface="Cambria Math" panose="02040503050406030204" pitchFamily="18" charset="0"/>
+                            </a:rPr>
+                          </m:ctrlPr>
+                        </m:sSubPr>
+                        <m:e>
+                          <m:r>
+                            <a:rPr lang="de-CH" b="0" i="1" smtClean="0">
+                              <a:latin typeface="Cambria Math" panose="02040503050406030204" pitchFamily="18" charset="0"/>
+                              <a:ea typeface="Cambria Math" panose="02040503050406030204" pitchFamily="18" charset="0"/>
+                            </a:rPr>
+                            <m:t>𝑏</m:t>
+                          </m:r>
+                        </m:e>
+                        <m:sub>
+                          <m:r>
+                            <a:rPr lang="de-CH" b="0" i="1" smtClean="0">
+                              <a:latin typeface="Cambria Math" panose="02040503050406030204" pitchFamily="18" charset="0"/>
+                              <a:ea typeface="Cambria Math" panose="02040503050406030204" pitchFamily="18" charset="0"/>
+                            </a:rPr>
+                            <m:t>4</m:t>
+                          </m:r>
+                        </m:sub>
+                      </m:sSub>
+                    </m:oMath>
+                  </m:oMathPara>
+                </a14:m>
+                <a:endParaRPr lang="de-CH" b="0" i="1" dirty="0">
+                  <a:latin typeface="Cambria Math" panose="02040503050406030204" pitchFamily="18" charset="0"/>
+                  <a:ea typeface="Cambria Math" panose="02040503050406030204" pitchFamily="18" charset="0"/>
+                </a:endParaRPr>
+              </a:p>
+              <a:p>
+                <a:pPr marL="457200" lvl="1" indent="0">
+                  <a:buNone/>
+                </a:pPr>
+                <a:endParaRPr lang="de-CH" b="0" i="1" dirty="0">
+                  <a:latin typeface="Cambria Math" panose="02040503050406030204" pitchFamily="18" charset="0"/>
+                  <a:ea typeface="Cambria Math" panose="02040503050406030204" pitchFamily="18" charset="0"/>
+                </a:endParaRPr>
+              </a:p>
+              <a:p>
+                <a:pPr marL="457200" lvl="1" indent="0">
+                  <a:buNone/>
+                </a:pPr>
+                <a14:m>
+                  <m:oMathPara xmlns:m="http://schemas.openxmlformats.org/officeDocument/2006/math">
+                    <m:oMathParaPr>
+                      <m:jc m:val="centerGroup"/>
+                    </m:oMathParaPr>
+                    <m:oMath xmlns:m="http://schemas.openxmlformats.org/officeDocument/2006/math">
+                      <m:r>
+                        <a:rPr lang="de-CH" b="0" i="1" smtClean="0">
+                          <a:latin typeface="Cambria Math" panose="02040503050406030204" pitchFamily="18" charset="0"/>
+                          <a:ea typeface="Cambria Math" panose="02040503050406030204" pitchFamily="18" charset="0"/>
+                        </a:rPr>
+                        <m:t>ℒ</m:t>
+                      </m:r>
+                      <m:d>
+                        <m:dPr>
+                          <m:ctrlPr>
+                            <a:rPr lang="de-CH" b="0" i="1" smtClean="0">
+                              <a:latin typeface="Cambria Math" panose="02040503050406030204" pitchFamily="18" charset="0"/>
+                              <a:ea typeface="Cambria Math" panose="02040503050406030204" pitchFamily="18" charset="0"/>
+                            </a:rPr>
+                          </m:ctrlPr>
+                        </m:dPr>
+                        <m:e>
+                          <m:r>
+                            <a:rPr lang="de-CH" b="0" i="1" smtClean="0">
+                              <a:latin typeface="Cambria Math" panose="02040503050406030204" pitchFamily="18" charset="0"/>
+                              <a:ea typeface="Cambria Math" panose="02040503050406030204" pitchFamily="18" charset="0"/>
+                            </a:rPr>
+                            <m:t>𝜃</m:t>
+                          </m:r>
+                        </m:e>
+                      </m:d>
+                      <m:r>
+                        <a:rPr lang="de-CH" b="0" i="1" smtClean="0">
+                          <a:latin typeface="Cambria Math" panose="02040503050406030204" pitchFamily="18" charset="0"/>
+                          <a:ea typeface="Cambria Math" panose="02040503050406030204" pitchFamily="18" charset="0"/>
+                        </a:rPr>
+                        <m:t>=</m:t>
+                      </m:r>
+                      <m:sSup>
+                        <m:sSupPr>
+                          <m:ctrlPr>
+                            <a:rPr lang="de-CH" b="0" i="1" smtClean="0">
+                              <a:latin typeface="Cambria Math" panose="02040503050406030204" pitchFamily="18" charset="0"/>
+                              <a:ea typeface="Cambria Math" panose="02040503050406030204" pitchFamily="18" charset="0"/>
+                            </a:rPr>
+                          </m:ctrlPr>
+                        </m:sSupPr>
+                        <m:e>
+                          <m:d>
+                            <m:dPr>
+                              <m:ctrlPr>
+                                <a:rPr lang="de-CH" b="0" i="1" smtClean="0">
+                                  <a:latin typeface="Cambria Math" panose="02040503050406030204" pitchFamily="18" charset="0"/>
+                                  <a:ea typeface="Cambria Math" panose="02040503050406030204" pitchFamily="18" charset="0"/>
+                                </a:rPr>
+                              </m:ctrlPr>
+                            </m:dPr>
+                            <m:e>
+                              <m:sSub>
+                                <m:sSubPr>
+                                  <m:ctrlPr>
+                                    <a:rPr lang="de-CH" b="0" i="1" smtClean="0">
+                                      <a:latin typeface="Cambria Math" panose="02040503050406030204" pitchFamily="18" charset="0"/>
+                                      <a:ea typeface="Cambria Math" panose="02040503050406030204" pitchFamily="18" charset="0"/>
+                                    </a:rPr>
+                                  </m:ctrlPr>
+                                </m:sSubPr>
+                                <m:e>
+                                  <m:r>
+                                    <a:rPr lang="de-CH" b="0" i="1" smtClean="0">
+                                      <a:latin typeface="Cambria Math" panose="02040503050406030204" pitchFamily="18" charset="0"/>
+                                      <a:ea typeface="Cambria Math" panose="02040503050406030204" pitchFamily="18" charset="0"/>
+                                    </a:rPr>
+                                    <m:t>𝑓</m:t>
+                                  </m:r>
+                                </m:e>
+                                <m:sub>
+                                  <m:r>
+                                    <a:rPr lang="de-CH" b="0" i="1" smtClean="0">
+                                      <a:latin typeface="Cambria Math" panose="02040503050406030204" pitchFamily="18" charset="0"/>
+                                      <a:ea typeface="Cambria Math" panose="02040503050406030204" pitchFamily="18" charset="0"/>
+                                    </a:rPr>
+                                    <m:t>𝜃</m:t>
+                                  </m:r>
+                                </m:sub>
+                              </m:sSub>
+                              <m:d>
+                                <m:dPr>
+                                  <m:ctrlPr>
+                                    <a:rPr lang="de-CH" b="0" i="1" smtClean="0">
+                                      <a:latin typeface="Cambria Math" panose="02040503050406030204" pitchFamily="18" charset="0"/>
+                                      <a:ea typeface="Cambria Math" panose="02040503050406030204" pitchFamily="18" charset="0"/>
+                                    </a:rPr>
+                                  </m:ctrlPr>
+                                </m:dPr>
+                                <m:e>
+                                  <m:sSub>
+                                    <m:sSubPr>
+                                      <m:ctrlPr>
+                                        <a:rPr lang="de-CH" b="0" i="1" smtClean="0">
+                                          <a:latin typeface="Cambria Math" panose="02040503050406030204" pitchFamily="18" charset="0"/>
+                                          <a:ea typeface="Cambria Math" panose="02040503050406030204" pitchFamily="18" charset="0"/>
+                                        </a:rPr>
+                                      </m:ctrlPr>
+                                    </m:sSubPr>
+                                    <m:e>
+                                      <m:r>
+                                        <a:rPr lang="de-CH" b="0" i="1" smtClean="0">
+                                          <a:latin typeface="Cambria Math" panose="02040503050406030204" pitchFamily="18" charset="0"/>
+                                          <a:ea typeface="Cambria Math" panose="02040503050406030204" pitchFamily="18" charset="0"/>
+                                        </a:rPr>
+                                        <m:t>𝑥</m:t>
+                                      </m:r>
+                                    </m:e>
+                                    <m:sub>
+                                      <m:r>
+                                        <a:rPr lang="de-CH" b="0" i="1" smtClean="0">
+                                          <a:latin typeface="Cambria Math" panose="02040503050406030204" pitchFamily="18" charset="0"/>
+                                          <a:ea typeface="Cambria Math" panose="02040503050406030204" pitchFamily="18" charset="0"/>
+                                        </a:rPr>
+                                        <m:t>1</m:t>
+                                      </m:r>
+                                    </m:sub>
+                                  </m:sSub>
+                                  <m:r>
+                                    <a:rPr lang="de-CH" b="0" i="1" smtClean="0">
+                                      <a:latin typeface="Cambria Math" panose="02040503050406030204" pitchFamily="18" charset="0"/>
+                                      <a:ea typeface="Cambria Math" panose="02040503050406030204" pitchFamily="18" charset="0"/>
+                                    </a:rPr>
+                                    <m:t>,</m:t>
+                                  </m:r>
+                                  <m:sSub>
+                                    <m:sSubPr>
+                                      <m:ctrlPr>
+                                        <a:rPr lang="de-CH" b="0" i="1" smtClean="0">
+                                          <a:latin typeface="Cambria Math" panose="02040503050406030204" pitchFamily="18" charset="0"/>
+                                          <a:ea typeface="Cambria Math" panose="02040503050406030204" pitchFamily="18" charset="0"/>
+                                        </a:rPr>
+                                      </m:ctrlPr>
+                                    </m:sSubPr>
+                                    <m:e>
+                                      <m:r>
+                                        <a:rPr lang="de-CH" b="0" i="1" smtClean="0">
+                                          <a:latin typeface="Cambria Math" panose="02040503050406030204" pitchFamily="18" charset="0"/>
+                                          <a:ea typeface="Cambria Math" panose="02040503050406030204" pitchFamily="18" charset="0"/>
+                                        </a:rPr>
+                                        <m:t>𝑥</m:t>
+                                      </m:r>
+                                    </m:e>
+                                    <m:sub>
+                                      <m:r>
+                                        <a:rPr lang="de-CH" b="0" i="1" smtClean="0">
+                                          <a:latin typeface="Cambria Math" panose="02040503050406030204" pitchFamily="18" charset="0"/>
+                                          <a:ea typeface="Cambria Math" panose="02040503050406030204" pitchFamily="18" charset="0"/>
+                                        </a:rPr>
+                                        <m:t>2</m:t>
+                                      </m:r>
+                                    </m:sub>
+                                  </m:sSub>
+                                </m:e>
+                              </m:d>
+                              <m:r>
+                                <a:rPr lang="de-CH" b="0" i="1" smtClean="0">
+                                  <a:latin typeface="Cambria Math" panose="02040503050406030204" pitchFamily="18" charset="0"/>
+                                  <a:ea typeface="Cambria Math" panose="02040503050406030204" pitchFamily="18" charset="0"/>
+                                </a:rPr>
+                                <m:t>−</m:t>
+                              </m:r>
+                              <m:r>
+                                <a:rPr lang="de-CH" b="0" i="1" smtClean="0">
+                                  <a:latin typeface="Cambria Math" panose="02040503050406030204" pitchFamily="18" charset="0"/>
+                                  <a:ea typeface="Cambria Math" panose="02040503050406030204" pitchFamily="18" charset="0"/>
+                                </a:rPr>
+                                <m:t>𝑦</m:t>
+                              </m:r>
+                            </m:e>
+                          </m:d>
+                        </m:e>
+                        <m:sup>
+                          <m:r>
+                            <a:rPr lang="de-CH" b="0" i="1" smtClean="0">
+                              <a:latin typeface="Cambria Math" panose="02040503050406030204" pitchFamily="18" charset="0"/>
+                              <a:ea typeface="Cambria Math" panose="02040503050406030204" pitchFamily="18" charset="0"/>
+                            </a:rPr>
+                            <m:t>2</m:t>
+                          </m:r>
+                        </m:sup>
+                      </m:sSup>
+                      <m:r>
+                        <a:rPr lang="de-CH" b="0" i="1" smtClean="0">
+                          <a:latin typeface="Cambria Math" panose="02040503050406030204" pitchFamily="18" charset="0"/>
+                          <a:ea typeface="Cambria Math" panose="02040503050406030204" pitchFamily="18" charset="0"/>
+                        </a:rPr>
+                        <m:t> </m:t>
+                      </m:r>
+                    </m:oMath>
+                  </m:oMathPara>
+                </a14:m>
+                <a:endParaRPr lang="de-CH" b="0" dirty="0">
+                  <a:ea typeface="Cambria Math" panose="02040503050406030204" pitchFamily="18" charset="0"/>
+                </a:endParaRPr>
+              </a:p>
+              <a:p>
+                <a:pPr marL="457200" lvl="1" indent="0">
+                  <a:buNone/>
+                </a:pPr>
+                <a:endParaRPr lang="en-GB" dirty="0"/>
+              </a:p>
+            </p:txBody>
+          </p:sp>
+        </mc:Choice>
+        <mc:Fallback>
+          <p:sp>
+            <p:nvSpPr>
+              <p:cNvPr id="3" name="Inhaltsplatzhalter 2">
+                <a:extLst>
+                  <a:ext uri="{FF2B5EF4-FFF2-40B4-BE49-F238E27FC236}">
+                    <a16:creationId xmlns:a16="http://schemas.microsoft.com/office/drawing/2014/main" id="{7AD3E912-5097-5BA8-38E2-6D2320FCF5AB}"/>
+                  </a:ext>
+                </a:extLst>
+              </p:cNvPr>
+              <p:cNvSpPr>
+                <a:spLocks noGrp="1" noRot="1" noChangeAspect="1" noMove="1" noResize="1" noEditPoints="1" noAdjustHandles="1" noChangeArrowheads="1" noChangeShapeType="1" noTextEdit="1"/>
+              </p:cNvSpPr>
+              <p:nvPr>
+                <p:ph idx="1"/>
+              </p:nvPr>
+            </p:nvSpPr>
+            <p:spPr>
+              <a:blipFill>
+                <a:blip r:embed="rId2"/>
+                <a:stretch>
+                  <a:fillRect l="-1043" t="-2381" b="-140"/>
+                </a:stretch>
+              </a:blipFill>
+            </p:spPr>
+            <p:txBody>
+              <a:bodyPr/>
+              <a:lstStyle/>
+              <a:p>
+                <a:r>
+                  <a:rPr lang="en-GB">
+                    <a:noFill/>
+                  </a:rPr>
+                  <a:t> </a:t>
+                </a:r>
+              </a:p>
+            </p:txBody>
+          </p:sp>
+        </mc:Fallback>
+      </mc:AlternateContent>
+      <p:pic>
+        <p:nvPicPr>
+          <p:cNvPr id="4" name="Inhaltsplatzhalter 3">
+            <a:extLst>
+              <a:ext uri="{FF2B5EF4-FFF2-40B4-BE49-F238E27FC236}">
+                <a16:creationId xmlns:a16="http://schemas.microsoft.com/office/drawing/2014/main" id="{A03C55D1-EF18-AE90-1043-0067EA5D5118}"/>
+              </a:ext>
+            </a:extLst>
+          </p:cNvPr>
+          <p:cNvPicPr>
+            <a:picLocks noChangeAspect="1"/>
+          </p:cNvPicPr>
+          <p:nvPr/>
+        </p:nvPicPr>
+        <p:blipFill>
+          <a:blip r:embed="rId3"/>
+          <a:srcRect l="35454" t="13017" r="3127" b="39743"/>
+          <a:stretch>
+            <a:fillRect/>
+          </a:stretch>
+        </p:blipFill>
+        <p:spPr>
+          <a:xfrm>
+            <a:off x="7663705" y="4040540"/>
+            <a:ext cx="4250130" cy="2452335"/>
+          </a:xfrm>
+          <a:prstGeom prst="rect">
+            <a:avLst/>
+          </a:prstGeom>
+        </p:spPr>
+      </p:pic>
+    </p:spTree>
+    <p:extLst>
+      <p:ext uri="{BB962C8B-B14F-4D97-AF65-F5344CB8AC3E}">
+        <p14:creationId xmlns:p14="http://schemas.microsoft.com/office/powerpoint/2010/main" val="3133779779"/>
       </p:ext>
     </p:extLst>
   </p:cSld>

--- a/Task_ppt.pptx
+++ b/Task_ppt.pptx
@@ -12,6 +12,9 @@
     <p:sldId id="261" r:id="rId6"/>
     <p:sldId id="262" r:id="rId7"/>
     <p:sldId id="265" r:id="rId8"/>
+    <p:sldId id="266" r:id="rId9"/>
+    <p:sldId id="267" r:id="rId10"/>
+    <p:sldId id="268" r:id="rId11"/>
   </p:sldIdLst>
   <p:sldSz cx="12192000" cy="6858000"/>
   <p:notesSz cx="6858000" cy="9144000"/>
@@ -267,7 +270,7 @@
           <a:p>
             <a:fld id="{97729B8E-7B02-4910-8DF9-0AAC52AB3471}" type="datetimeFigureOut">
               <a:rPr lang="en-GB" smtClean="0"/>
-              <a:t>28/05/2025</a:t>
+              <a:t>30/05/2025</a:t>
             </a:fld>
             <a:endParaRPr lang="en-GB"/>
           </a:p>
@@ -467,7 +470,7 @@
           <a:p>
             <a:fld id="{97729B8E-7B02-4910-8DF9-0AAC52AB3471}" type="datetimeFigureOut">
               <a:rPr lang="en-GB" smtClean="0"/>
-              <a:t>28/05/2025</a:t>
+              <a:t>30/05/2025</a:t>
             </a:fld>
             <a:endParaRPr lang="en-GB"/>
           </a:p>
@@ -677,7 +680,7 @@
           <a:p>
             <a:fld id="{97729B8E-7B02-4910-8DF9-0AAC52AB3471}" type="datetimeFigureOut">
               <a:rPr lang="en-GB" smtClean="0"/>
-              <a:t>28/05/2025</a:t>
+              <a:t>30/05/2025</a:t>
             </a:fld>
             <a:endParaRPr lang="en-GB"/>
           </a:p>
@@ -877,7 +880,7 @@
           <a:p>
             <a:fld id="{97729B8E-7B02-4910-8DF9-0AAC52AB3471}" type="datetimeFigureOut">
               <a:rPr lang="en-GB" smtClean="0"/>
-              <a:t>28/05/2025</a:t>
+              <a:t>30/05/2025</a:t>
             </a:fld>
             <a:endParaRPr lang="en-GB"/>
           </a:p>
@@ -1153,7 +1156,7 @@
           <a:p>
             <a:fld id="{97729B8E-7B02-4910-8DF9-0AAC52AB3471}" type="datetimeFigureOut">
               <a:rPr lang="en-GB" smtClean="0"/>
-              <a:t>28/05/2025</a:t>
+              <a:t>30/05/2025</a:t>
             </a:fld>
             <a:endParaRPr lang="en-GB"/>
           </a:p>
@@ -1421,7 +1424,7 @@
           <a:p>
             <a:fld id="{97729B8E-7B02-4910-8DF9-0AAC52AB3471}" type="datetimeFigureOut">
               <a:rPr lang="en-GB" smtClean="0"/>
-              <a:t>28/05/2025</a:t>
+              <a:t>30/05/2025</a:t>
             </a:fld>
             <a:endParaRPr lang="en-GB"/>
           </a:p>
@@ -1836,7 +1839,7 @@
           <a:p>
             <a:fld id="{97729B8E-7B02-4910-8DF9-0AAC52AB3471}" type="datetimeFigureOut">
               <a:rPr lang="en-GB" smtClean="0"/>
-              <a:t>28/05/2025</a:t>
+              <a:t>30/05/2025</a:t>
             </a:fld>
             <a:endParaRPr lang="en-GB"/>
           </a:p>
@@ -1978,7 +1981,7 @@
           <a:p>
             <a:fld id="{97729B8E-7B02-4910-8DF9-0AAC52AB3471}" type="datetimeFigureOut">
               <a:rPr lang="en-GB" smtClean="0"/>
-              <a:t>28/05/2025</a:t>
+              <a:t>30/05/2025</a:t>
             </a:fld>
             <a:endParaRPr lang="en-GB"/>
           </a:p>
@@ -2091,7 +2094,7 @@
           <a:p>
             <a:fld id="{97729B8E-7B02-4910-8DF9-0AAC52AB3471}" type="datetimeFigureOut">
               <a:rPr lang="en-GB" smtClean="0"/>
-              <a:t>28/05/2025</a:t>
+              <a:t>30/05/2025</a:t>
             </a:fld>
             <a:endParaRPr lang="en-GB"/>
           </a:p>
@@ -2404,7 +2407,7 @@
           <a:p>
             <a:fld id="{97729B8E-7B02-4910-8DF9-0AAC52AB3471}" type="datetimeFigureOut">
               <a:rPr lang="en-GB" smtClean="0"/>
-              <a:t>28/05/2025</a:t>
+              <a:t>30/05/2025</a:t>
             </a:fld>
             <a:endParaRPr lang="en-GB"/>
           </a:p>
@@ -2693,7 +2696,7 @@
           <a:p>
             <a:fld id="{97729B8E-7B02-4910-8DF9-0AAC52AB3471}" type="datetimeFigureOut">
               <a:rPr lang="en-GB" smtClean="0"/>
-              <a:t>28/05/2025</a:t>
+              <a:t>30/05/2025</a:t>
             </a:fld>
             <a:endParaRPr lang="en-GB"/>
           </a:p>
@@ -2936,7 +2939,7 @@
           <a:p>
             <a:fld id="{97729B8E-7B02-4910-8DF9-0AAC52AB3471}" type="datetimeFigureOut">
               <a:rPr lang="en-GB" smtClean="0"/>
-              <a:t>28/05/2025</a:t>
+              <a:t>30/05/2025</a:t>
             </a:fld>
             <a:endParaRPr lang="en-GB"/>
           </a:p>
@@ -3416,6 +3419,88 @@
 </p:sld>
 </file>
 
+<file path=ppt/slides/slide10.xml><?xml version="1.0" encoding="utf-8"?>
+<p:sld xmlns:a="http://schemas.openxmlformats.org/drawingml/2006/main" xmlns:r="http://schemas.openxmlformats.org/officeDocument/2006/relationships" xmlns:p="http://schemas.openxmlformats.org/presentationml/2006/main">
+  <p:cSld>
+    <p:spTree>
+      <p:nvGrpSpPr>
+        <p:cNvPr id="1" name=""/>
+        <p:cNvGrpSpPr/>
+        <p:nvPr/>
+      </p:nvGrpSpPr>
+      <p:grpSpPr>
+        <a:xfrm>
+          <a:off x="0" y="0"/>
+          <a:ext cx="0" cy="0"/>
+          <a:chOff x="0" y="0"/>
+          <a:chExt cx="0" cy="0"/>
+        </a:xfrm>
+      </p:grpSpPr>
+      <p:sp>
+        <p:nvSpPr>
+          <p:cNvPr id="2" name="Titel 1">
+            <a:extLst>
+              <a:ext uri="{FF2B5EF4-FFF2-40B4-BE49-F238E27FC236}">
+                <a16:creationId xmlns:a16="http://schemas.microsoft.com/office/drawing/2014/main" id="{5C04CC8E-617D-43AD-DAFE-D7112CE35A87}"/>
+              </a:ext>
+            </a:extLst>
+          </p:cNvPr>
+          <p:cNvSpPr>
+            <a:spLocks noGrp="1"/>
+          </p:cNvSpPr>
+          <p:nvPr>
+            <p:ph type="title"/>
+          </p:nvPr>
+        </p:nvSpPr>
+        <p:spPr/>
+        <p:txBody>
+          <a:bodyPr/>
+          <a:lstStyle/>
+          <a:p>
+            <a:endParaRPr lang="en-GB"/>
+          </a:p>
+        </p:txBody>
+      </p:sp>
+      <p:sp>
+        <p:nvSpPr>
+          <p:cNvPr id="3" name="Inhaltsplatzhalter 2">
+            <a:extLst>
+              <a:ext uri="{FF2B5EF4-FFF2-40B4-BE49-F238E27FC236}">
+                <a16:creationId xmlns:a16="http://schemas.microsoft.com/office/drawing/2014/main" id="{651034EF-4BB3-7763-2014-C9C0556D28D4}"/>
+              </a:ext>
+            </a:extLst>
+          </p:cNvPr>
+          <p:cNvSpPr>
+            <a:spLocks noGrp="1"/>
+          </p:cNvSpPr>
+          <p:nvPr>
+            <p:ph idx="1"/>
+          </p:nvPr>
+        </p:nvSpPr>
+        <p:spPr/>
+        <p:txBody>
+          <a:bodyPr>
+            <a:normAutofit/>
+          </a:bodyPr>
+          <a:lstStyle/>
+          <a:p>
+            <a:endParaRPr lang="en-GB" dirty="0"/>
+          </a:p>
+        </p:txBody>
+      </p:sp>
+    </p:spTree>
+    <p:extLst>
+      <p:ext uri="{BB962C8B-B14F-4D97-AF65-F5344CB8AC3E}">
+        <p14:creationId xmlns:p14="http://schemas.microsoft.com/office/powerpoint/2010/main" val="4030931561"/>
+      </p:ext>
+    </p:extLst>
+  </p:cSld>
+  <p:clrMapOvr>
+    <a:masterClrMapping/>
+  </p:clrMapOvr>
+</p:sld>
+</file>
+
 <file path=ppt/slides/slide2.xml><?xml version="1.0" encoding="utf-8"?>
 <p:sld xmlns:a="http://schemas.openxmlformats.org/drawingml/2006/main" xmlns:r="http://schemas.openxmlformats.org/officeDocument/2006/relationships" xmlns:p="http://schemas.openxmlformats.org/presentationml/2006/main">
   <p:cSld>
@@ -3554,35 +3639,31 @@
           <a:chExt cx="0" cy="0"/>
         </a:xfrm>
       </p:grpSpPr>
-      <p:pic>
-        <p:nvPicPr>
-          <p:cNvPr id="11" name="Inhaltsplatzhalter 10" descr="Ein Bild, das Text, Screenshot, Schrift, Zahl enthält.&#10;&#10;KI-generierte Inhalte können fehlerhaft sein.">
-            <a:extLst>
-              <a:ext uri="{FF2B5EF4-FFF2-40B4-BE49-F238E27FC236}">
-                <a16:creationId xmlns:a16="http://schemas.microsoft.com/office/drawing/2014/main" id="{B3A55C68-3C61-88EF-2C9C-B41417F91BAF}"/>
-              </a:ext>
-            </a:extLst>
-          </p:cNvPr>
-          <p:cNvPicPr>
-            <a:picLocks noGrp="1" noChangeAspect="1"/>
-          </p:cNvPicPr>
+      <p:sp>
+        <p:nvSpPr>
+          <p:cNvPr id="3" name="Inhaltsplatzhalter 2">
+            <a:extLst>
+              <a:ext uri="{FF2B5EF4-FFF2-40B4-BE49-F238E27FC236}">
+                <a16:creationId xmlns:a16="http://schemas.microsoft.com/office/drawing/2014/main" id="{D8D71C7A-2529-C68D-0753-F3A3DB1F5D02}"/>
+              </a:ext>
+            </a:extLst>
+          </p:cNvPr>
+          <p:cNvSpPr>
+            <a:spLocks noGrp="1"/>
+          </p:cNvSpPr>
           <p:nvPr>
             <p:ph idx="1"/>
           </p:nvPr>
-        </p:nvPicPr>
-        <p:blipFill>
-          <a:blip r:embed="rId2"/>
-          <a:stretch>
-            <a:fillRect/>
-          </a:stretch>
-        </p:blipFill>
-        <p:spPr>
-          <a:xfrm>
-            <a:off x="1550063" y="398375"/>
-            <a:ext cx="9091874" cy="6061249"/>
-          </a:xfrm>
-        </p:spPr>
-      </p:pic>
+        </p:nvSpPr>
+        <p:spPr/>
+        <p:txBody>
+          <a:bodyPr/>
+          <a:lstStyle/>
+          <a:p>
+            <a:endParaRPr lang="en-GB"/>
+          </a:p>
+        </p:txBody>
+      </p:sp>
     </p:spTree>
     <p:extLst>
       <p:ext uri="{BB962C8B-B14F-4D97-AF65-F5344CB8AC3E}">
@@ -3724,10 +3805,6 @@
             </a:r>
           </a:p>
           <a:p>
-            <a:pPr lvl="1"/>
-            <a:endParaRPr lang="en-GB" dirty="0"/>
-          </a:p>
-          <a:p>
             <a:r>
               <a:rPr lang="en-GB" dirty="0"/>
               <a:t>Simulated annealing as a fourth optimizer technique</a:t>
@@ -3940,8 +4017,8 @@
           </a:p>
         </p:txBody>
       </p:sp>
-      <mc:AlternateContent xmlns:mc="http://schemas.openxmlformats.org/markup-compatibility/2006">
-        <mc:Choice xmlns:a14="http://schemas.microsoft.com/office/drawing/2010/main" Requires="a14">
+      <mc:AlternateContent xmlns:mc="http://schemas.openxmlformats.org/markup-compatibility/2006" xmlns:a14="http://schemas.microsoft.com/office/drawing/2010/main">
+        <mc:Choice Requires="a14">
           <p:sp>
             <p:nvSpPr>
               <p:cNvPr id="3" name="Inhaltsplatzhalter 2">
@@ -4486,7 +4563,7 @@
             </p:txBody>
           </p:sp>
         </mc:Choice>
-        <mc:Fallback>
+        <mc:Fallback xmlns="">
           <p:sp>
             <p:nvSpPr>
               <p:cNvPr id="3" name="Inhaltsplatzhalter 2">
@@ -4748,69 +4825,13 @@
                           </m:ctrlPr>
                         </m:dPr>
                         <m:e>
-                          <m:sSub>
-                            <m:sSubPr>
-                              <m:ctrlPr>
-                                <a:rPr lang="de-CH" b="0" i="1" smtClean="0">
-                                  <a:latin typeface="Cambria Math" panose="02040503050406030204" pitchFamily="18" charset="0"/>
-                                  <a:ea typeface="Cambria Math" panose="02040503050406030204" pitchFamily="18" charset="0"/>
-                                </a:rPr>
-                              </m:ctrlPr>
-                            </m:sSubPr>
-                            <m:e>
-                              <m:r>
-                                <a:rPr lang="de-CH" b="0" i="1" smtClean="0">
-                                  <a:latin typeface="Cambria Math" panose="02040503050406030204" pitchFamily="18" charset="0"/>
-                                  <a:ea typeface="Cambria Math" panose="02040503050406030204" pitchFamily="18" charset="0"/>
-                                </a:rPr>
-                                <m:t>𝑥</m:t>
-                              </m:r>
-                            </m:e>
-                            <m:sub>
-                              <m:r>
-                                <a:rPr lang="de-CH" b="0" i="1" smtClean="0">
-                                  <a:latin typeface="Cambria Math" panose="02040503050406030204" pitchFamily="18" charset="0"/>
-                                  <a:ea typeface="Cambria Math" panose="02040503050406030204" pitchFamily="18" charset="0"/>
-                                </a:rPr>
-                                <m:t>1</m:t>
-                              </m:r>
-                            </m:sub>
-                          </m:sSub>
                           <m:r>
                             <a:rPr lang="de-CH" b="0" i="1" smtClean="0">
                               <a:latin typeface="Cambria Math" panose="02040503050406030204" pitchFamily="18" charset="0"/>
                               <a:ea typeface="Cambria Math" panose="02040503050406030204" pitchFamily="18" charset="0"/>
                             </a:rPr>
-                            <m:t>,</m:t>
+                            <m:t>𝑥</m:t>
                           </m:r>
-                          <m:sSub>
-                            <m:sSubPr>
-                              <m:ctrlPr>
-                                <a:rPr lang="de-CH" b="0" i="1" smtClean="0">
-                                  <a:latin typeface="Cambria Math" panose="02040503050406030204" pitchFamily="18" charset="0"/>
-                                  <a:ea typeface="Cambria Math" panose="02040503050406030204" pitchFamily="18" charset="0"/>
-                                </a:rPr>
-                              </m:ctrlPr>
-                            </m:sSubPr>
-                            <m:e>
-                              <m:r>
-                                <a:rPr lang="de-CH" b="0" i="1" smtClean="0">
-                                  <a:latin typeface="Cambria Math" panose="02040503050406030204" pitchFamily="18" charset="0"/>
-                                  <a:ea typeface="Cambria Math" panose="02040503050406030204" pitchFamily="18" charset="0"/>
-                                </a:rPr>
-                                <m:t>𝑥</m:t>
-                              </m:r>
-                            </m:e>
-                            <m:sub>
-                              <m:r>
-                                <a:rPr lang="de-CH" b="0" i="1" smtClean="0">
-                                  <a:latin typeface="Cambria Math" panose="02040503050406030204" pitchFamily="18" charset="0"/>
-                                  <a:ea typeface="Cambria Math" panose="02040503050406030204" pitchFamily="18" charset="0"/>
-                                </a:rPr>
-                                <m:t>2</m:t>
-                              </m:r>
-                            </m:sub>
-                          </m:sSub>
                         </m:e>
                       </m:d>
                       <m:r>
@@ -5277,8 +5298,123 @@
                                       <a:latin typeface="Cambria Math" panose="02040503050406030204" pitchFamily="18" charset="0"/>
                                       <a:ea typeface="Cambria Math" panose="02040503050406030204" pitchFamily="18" charset="0"/>
                                     </a:rPr>
-                                    <m:t>,</m:t>
+                                    <m:t> </m:t>
                                   </m:r>
+                                </m:e>
+                              </m:d>
+                              <m:r>
+                                <a:rPr lang="de-CH" b="0" i="1" smtClean="0">
+                                  <a:latin typeface="Cambria Math" panose="02040503050406030204" pitchFamily="18" charset="0"/>
+                                  <a:ea typeface="Cambria Math" panose="02040503050406030204" pitchFamily="18" charset="0"/>
+                                </a:rPr>
+                                <m:t>−</m:t>
+                              </m:r>
+                              <m:sSub>
+                                <m:sSubPr>
+                                  <m:ctrlPr>
+                                    <a:rPr lang="de-CH" b="0" i="1" smtClean="0">
+                                      <a:latin typeface="Cambria Math" panose="02040503050406030204" pitchFamily="18" charset="0"/>
+                                      <a:ea typeface="Cambria Math" panose="02040503050406030204" pitchFamily="18" charset="0"/>
+                                    </a:rPr>
+                                  </m:ctrlPr>
+                                </m:sSubPr>
+                                <m:e>
+                                  <m:r>
+                                    <a:rPr lang="de-CH" b="0" i="1" smtClean="0">
+                                      <a:latin typeface="Cambria Math" panose="02040503050406030204" pitchFamily="18" charset="0"/>
+                                      <a:ea typeface="Cambria Math" panose="02040503050406030204" pitchFamily="18" charset="0"/>
+                                    </a:rPr>
+                                    <m:t>𝑦</m:t>
+                                  </m:r>
+                                </m:e>
+                                <m:sub>
+                                  <m:r>
+                                    <a:rPr lang="de-CH" b="0" i="1" smtClean="0">
+                                      <a:latin typeface="Cambria Math" panose="02040503050406030204" pitchFamily="18" charset="0"/>
+                                      <a:ea typeface="Cambria Math" panose="02040503050406030204" pitchFamily="18" charset="0"/>
+                                    </a:rPr>
+                                    <m:t>1</m:t>
+                                  </m:r>
+                                </m:sub>
+                              </m:sSub>
+                            </m:e>
+                          </m:d>
+                        </m:e>
+                        <m:sup>
+                          <m:r>
+                            <a:rPr lang="de-CH" b="0" i="1" smtClean="0">
+                              <a:latin typeface="Cambria Math" panose="02040503050406030204" pitchFamily="18" charset="0"/>
+                              <a:ea typeface="Cambria Math" panose="02040503050406030204" pitchFamily="18" charset="0"/>
+                            </a:rPr>
+                            <m:t>2</m:t>
+                          </m:r>
+                        </m:sup>
+                      </m:sSup>
+                      <m:r>
+                        <a:rPr lang="de-CH" b="0" i="1" smtClean="0">
+                          <a:latin typeface="Cambria Math" panose="02040503050406030204" pitchFamily="18" charset="0"/>
+                          <a:ea typeface="Cambria Math" panose="02040503050406030204" pitchFamily="18" charset="0"/>
+                        </a:rPr>
+                        <m:t>+</m:t>
+                      </m:r>
+                      <m:sSup>
+                        <m:sSupPr>
+                          <m:ctrlPr>
+                            <a:rPr lang="de-CH" i="1">
+                              <a:latin typeface="Cambria Math" panose="02040503050406030204" pitchFamily="18" charset="0"/>
+                              <a:ea typeface="Cambria Math" panose="02040503050406030204" pitchFamily="18" charset="0"/>
+                            </a:rPr>
+                          </m:ctrlPr>
+                        </m:sSupPr>
+                        <m:e>
+                          <m:d>
+                            <m:dPr>
+                              <m:ctrlPr>
+                                <a:rPr lang="de-CH" i="1">
+                                  <a:latin typeface="Cambria Math" panose="02040503050406030204" pitchFamily="18" charset="0"/>
+                                  <a:ea typeface="Cambria Math" panose="02040503050406030204" pitchFamily="18" charset="0"/>
+                                </a:rPr>
+                              </m:ctrlPr>
+                            </m:dPr>
+                            <m:e>
+                              <m:sSub>
+                                <m:sSubPr>
+                                  <m:ctrlPr>
+                                    <a:rPr lang="de-CH" i="1">
+                                      <a:latin typeface="Cambria Math" panose="02040503050406030204" pitchFamily="18" charset="0"/>
+                                      <a:ea typeface="Cambria Math" panose="02040503050406030204" pitchFamily="18" charset="0"/>
+                                    </a:rPr>
+                                  </m:ctrlPr>
+                                </m:sSubPr>
+                                <m:e>
+                                  <m:r>
+                                    <a:rPr lang="de-CH" i="1">
+                                      <a:latin typeface="Cambria Math" panose="02040503050406030204" pitchFamily="18" charset="0"/>
+                                      <a:ea typeface="Cambria Math" panose="02040503050406030204" pitchFamily="18" charset="0"/>
+                                    </a:rPr>
+                                    <m:t>𝑓</m:t>
+                                  </m:r>
+                                </m:e>
+                                <m:sub>
+                                  <m:r>
+                                    <a:rPr lang="de-CH" i="1">
+                                      <a:latin typeface="Cambria Math" panose="02040503050406030204" pitchFamily="18" charset="0"/>
+                                      <a:ea typeface="Cambria Math" panose="02040503050406030204" pitchFamily="18" charset="0"/>
+                                    </a:rPr>
+                                    <m:t>𝜃</m:t>
+                                  </m:r>
+                                </m:sub>
+                              </m:sSub>
+                              <m:d>
+                                <m:dPr>
+                                  <m:ctrlPr>
+                                    <a:rPr lang="de-CH" i="1">
+                                      <a:latin typeface="Cambria Math" panose="02040503050406030204" pitchFamily="18" charset="0"/>
+                                      <a:ea typeface="Cambria Math" panose="02040503050406030204" pitchFamily="18" charset="0"/>
+                                    </a:rPr>
+                                  </m:ctrlPr>
+                                </m:dPr>
+                                <m:e>
                                   <m:sSub>
                                     <m:sSubPr>
                                       <m:ctrlPr>
@@ -5310,25 +5446,46 @@
                                 </m:e>
                               </m:d>
                               <m:r>
-                                <a:rPr lang="de-CH" b="0" i="1" smtClean="0">
+                                <a:rPr lang="de-CH" i="1">
                                   <a:latin typeface="Cambria Math" panose="02040503050406030204" pitchFamily="18" charset="0"/>
                                   <a:ea typeface="Cambria Math" panose="02040503050406030204" pitchFamily="18" charset="0"/>
                                 </a:rPr>
                                 <m:t>−</m:t>
                               </m:r>
-                              <m:r>
-                                <a:rPr lang="de-CH" b="0" i="1" smtClean="0">
-                                  <a:latin typeface="Cambria Math" panose="02040503050406030204" pitchFamily="18" charset="0"/>
-                                  <a:ea typeface="Cambria Math" panose="02040503050406030204" pitchFamily="18" charset="0"/>
-                                </a:rPr>
-                                <m:t>𝑦</m:t>
-                              </m:r>
+                              <m:sSub>
+                                <m:sSubPr>
+                                  <m:ctrlPr>
+                                    <a:rPr lang="de-CH" b="0" i="1" smtClean="0">
+                                      <a:latin typeface="Cambria Math" panose="02040503050406030204" pitchFamily="18" charset="0"/>
+                                      <a:ea typeface="Cambria Math" panose="02040503050406030204" pitchFamily="18" charset="0"/>
+                                    </a:rPr>
+                                  </m:ctrlPr>
+                                </m:sSubPr>
+                                <m:e>
+                                  <m:r>
+                                    <a:rPr lang="de-CH" i="1">
+                                      <a:latin typeface="Cambria Math" panose="02040503050406030204" pitchFamily="18" charset="0"/>
+                                      <a:ea typeface="Cambria Math" panose="02040503050406030204" pitchFamily="18" charset="0"/>
+                                    </a:rPr>
+                                    <m:t>𝑦</m:t>
+                                  </m:r>
+                                </m:e>
+                                <m:sub>
+                                  <m:r>
+                                    <a:rPr lang="de-CH" b="0" i="1" smtClean="0">
+                                      <a:latin typeface="Cambria Math" panose="02040503050406030204" pitchFamily="18" charset="0"/>
+                                      <a:ea typeface="Cambria Math" panose="02040503050406030204" pitchFamily="18" charset="0"/>
+                                    </a:rPr>
+                                    <m:t>2</m:t>
+                                  </m:r>
+                                </m:sub>
+                              </m:sSub>
                             </m:e>
                           </m:d>
                         </m:e>
                         <m:sup>
                           <m:r>
-                            <a:rPr lang="de-CH" b="0" i="1" smtClean="0">
+                            <a:rPr lang="de-CH" i="1">
                               <a:latin typeface="Cambria Math" panose="02040503050406030204" pitchFamily="18" charset="0"/>
                               <a:ea typeface="Cambria Math" panose="02040503050406030204" pitchFamily="18" charset="0"/>
                             </a:rPr>
@@ -5336,13 +5493,6 @@
                           </m:r>
                         </m:sup>
                       </m:sSup>
-                      <m:r>
-                        <a:rPr lang="de-CH" b="0" i="1" smtClean="0">
-                          <a:latin typeface="Cambria Math" panose="02040503050406030204" pitchFamily="18" charset="0"/>
-                          <a:ea typeface="Cambria Math" panose="02040503050406030204" pitchFamily="18" charset="0"/>
-                        </a:rPr>
-                        <m:t> </m:t>
-                      </m:r>
                     </m:oMath>
                   </m:oMathPara>
                 </a14:m>
@@ -5422,7 +5572,7 @@
         </p:blipFill>
         <p:spPr>
           <a:xfrm>
-            <a:off x="7663705" y="4040540"/>
+            <a:off x="7998752" y="976665"/>
             <a:ext cx="4250130" cy="2452335"/>
           </a:xfrm>
           <a:prstGeom prst="rect">
@@ -5434,6 +5584,172 @@
     <p:extLst>
       <p:ext uri="{BB962C8B-B14F-4D97-AF65-F5344CB8AC3E}">
         <p14:creationId xmlns:p14="http://schemas.microsoft.com/office/powerpoint/2010/main" val="3133779779"/>
+      </p:ext>
+    </p:extLst>
+  </p:cSld>
+  <p:clrMapOvr>
+    <a:masterClrMapping/>
+  </p:clrMapOvr>
+</p:sld>
+</file>
+
+<file path=ppt/slides/slide8.xml><?xml version="1.0" encoding="utf-8"?>
+<p:sld xmlns:a="http://schemas.openxmlformats.org/drawingml/2006/main" xmlns:r="http://schemas.openxmlformats.org/officeDocument/2006/relationships" xmlns:p="http://schemas.openxmlformats.org/presentationml/2006/main">
+  <p:cSld>
+    <p:spTree>
+      <p:nvGrpSpPr>
+        <p:cNvPr id="1" name=""/>
+        <p:cNvGrpSpPr/>
+        <p:nvPr/>
+      </p:nvGrpSpPr>
+      <p:grpSpPr>
+        <a:xfrm>
+          <a:off x="0" y="0"/>
+          <a:ext cx="0" cy="0"/>
+          <a:chOff x="0" y="0"/>
+          <a:chExt cx="0" cy="0"/>
+        </a:xfrm>
+      </p:grpSpPr>
+      <p:sp>
+        <p:nvSpPr>
+          <p:cNvPr id="2" name="Titel 1">
+            <a:extLst>
+              <a:ext uri="{FF2B5EF4-FFF2-40B4-BE49-F238E27FC236}">
+                <a16:creationId xmlns:a16="http://schemas.microsoft.com/office/drawing/2014/main" id="{5CF473EE-C058-7A2D-8921-9ED5E4028DC0}"/>
+              </a:ext>
+            </a:extLst>
+          </p:cNvPr>
+          <p:cNvSpPr>
+            <a:spLocks noGrp="1"/>
+          </p:cNvSpPr>
+          <p:nvPr>
+            <p:ph type="title"/>
+          </p:nvPr>
+        </p:nvSpPr>
+        <p:spPr/>
+        <p:txBody>
+          <a:bodyPr/>
+          <a:lstStyle/>
+          <a:p>
+            <a:endParaRPr lang="en-GB"/>
+          </a:p>
+        </p:txBody>
+      </p:sp>
+      <p:sp>
+        <p:nvSpPr>
+          <p:cNvPr id="4" name="Inhaltsplatzhalter 3">
+            <a:extLst>
+              <a:ext uri="{FF2B5EF4-FFF2-40B4-BE49-F238E27FC236}">
+                <a16:creationId xmlns:a16="http://schemas.microsoft.com/office/drawing/2014/main" id="{CE562993-C147-2971-41C7-3369A6D191A2}"/>
+              </a:ext>
+            </a:extLst>
+          </p:cNvPr>
+          <p:cNvSpPr>
+            <a:spLocks noGrp="1"/>
+          </p:cNvSpPr>
+          <p:nvPr>
+            <p:ph idx="1"/>
+          </p:nvPr>
+        </p:nvSpPr>
+        <p:spPr/>
+        <p:txBody>
+          <a:bodyPr/>
+          <a:lstStyle/>
+          <a:p>
+            <a:endParaRPr lang="en-GB"/>
+          </a:p>
+        </p:txBody>
+      </p:sp>
+    </p:spTree>
+    <p:extLst>
+      <p:ext uri="{BB962C8B-B14F-4D97-AF65-F5344CB8AC3E}">
+        <p14:creationId xmlns:p14="http://schemas.microsoft.com/office/powerpoint/2010/main" val="2606069736"/>
+      </p:ext>
+    </p:extLst>
+  </p:cSld>
+  <p:clrMapOvr>
+    <a:masterClrMapping/>
+  </p:clrMapOvr>
+</p:sld>
+</file>
+
+<file path=ppt/slides/slide9.xml><?xml version="1.0" encoding="utf-8"?>
+<p:sld xmlns:a="http://schemas.openxmlformats.org/drawingml/2006/main" xmlns:r="http://schemas.openxmlformats.org/officeDocument/2006/relationships" xmlns:p="http://schemas.openxmlformats.org/presentationml/2006/main">
+  <p:cSld>
+    <p:spTree>
+      <p:nvGrpSpPr>
+        <p:cNvPr id="1" name=""/>
+        <p:cNvGrpSpPr/>
+        <p:nvPr/>
+      </p:nvGrpSpPr>
+      <p:grpSpPr>
+        <a:xfrm>
+          <a:off x="0" y="0"/>
+          <a:ext cx="0" cy="0"/>
+          <a:chOff x="0" y="0"/>
+          <a:chExt cx="0" cy="0"/>
+        </a:xfrm>
+      </p:grpSpPr>
+      <p:sp>
+        <p:nvSpPr>
+          <p:cNvPr id="2" name="Titel 1">
+            <a:extLst>
+              <a:ext uri="{FF2B5EF4-FFF2-40B4-BE49-F238E27FC236}">
+                <a16:creationId xmlns:a16="http://schemas.microsoft.com/office/drawing/2014/main" id="{32C69F7C-656D-4A6A-115C-8653C81F199D}"/>
+              </a:ext>
+            </a:extLst>
+          </p:cNvPr>
+          <p:cNvSpPr>
+            <a:spLocks noGrp="1"/>
+          </p:cNvSpPr>
+          <p:nvPr>
+            <p:ph type="title"/>
+          </p:nvPr>
+        </p:nvSpPr>
+        <p:spPr/>
+        <p:txBody>
+          <a:bodyPr/>
+          <a:lstStyle/>
+          <a:p>
+            <a:r>
+              <a:rPr lang="en-GB" dirty="0"/>
+              <a:t>Problem with non gradient based optimizers</a:t>
+            </a:r>
+          </a:p>
+        </p:txBody>
+      </p:sp>
+      <p:sp>
+        <p:nvSpPr>
+          <p:cNvPr id="3" name="Inhaltsplatzhalter 2">
+            <a:extLst>
+              <a:ext uri="{FF2B5EF4-FFF2-40B4-BE49-F238E27FC236}">
+                <a16:creationId xmlns:a16="http://schemas.microsoft.com/office/drawing/2014/main" id="{3B3ADA92-FDB1-D9EA-2A36-5B911631B137}"/>
+              </a:ext>
+            </a:extLst>
+          </p:cNvPr>
+          <p:cNvSpPr>
+            <a:spLocks noGrp="1"/>
+          </p:cNvSpPr>
+          <p:nvPr>
+            <p:ph idx="1"/>
+          </p:nvPr>
+        </p:nvSpPr>
+        <p:spPr/>
+        <p:txBody>
+          <a:bodyPr/>
+          <a:lstStyle/>
+          <a:p>
+            <a:r>
+              <a:rPr lang="en-GB" dirty="0"/>
+              <a:t>If the Optimizer doesn’t update the weights based on a gradient, then changing the input signal over a batch</a:t>
+            </a:r>
+          </a:p>
+        </p:txBody>
+      </p:sp>
+    </p:spTree>
+    <p:extLst>
+      <p:ext uri="{BB962C8B-B14F-4D97-AF65-F5344CB8AC3E}">
+        <p14:creationId xmlns:p14="http://schemas.microsoft.com/office/powerpoint/2010/main" val="2719879026"/>
       </p:ext>
     </p:extLst>
   </p:cSld>

--- a/Task_ppt.pptx
+++ b/Task_ppt.pptx
@@ -10,8 +10,6 @@
     <p:sldId id="259" r:id="rId4"/>
     <p:sldId id="260" r:id="rId5"/>
     <p:sldId id="261" r:id="rId6"/>
-    <p:sldId id="262" r:id="rId7"/>
-    <p:sldId id="265" r:id="rId8"/>
   </p:sldIdLst>
   <p:sldSz cx="12192000" cy="6858000"/>
   <p:notesSz cx="6858000" cy="9144000"/>
@@ -321,7 +319,7 @@
           <a:p>
             <a:fld id="{44212539-063D-4494-B30A-40E744319C69}" type="slidenum">
               <a:rPr lang="en-GB" smtClean="0"/>
-              <a:t>‹Nr.›</a:t>
+              <a:t>‹#›</a:t>
             </a:fld>
             <a:endParaRPr lang="en-GB"/>
           </a:p>
@@ -521,7 +519,7 @@
           <a:p>
             <a:fld id="{44212539-063D-4494-B30A-40E744319C69}" type="slidenum">
               <a:rPr lang="en-GB" smtClean="0"/>
-              <a:t>‹Nr.›</a:t>
+              <a:t>‹#›</a:t>
             </a:fld>
             <a:endParaRPr lang="en-GB"/>
           </a:p>
@@ -731,7 +729,7 @@
           <a:p>
             <a:fld id="{44212539-063D-4494-B30A-40E744319C69}" type="slidenum">
               <a:rPr lang="en-GB" smtClean="0"/>
-              <a:t>‹Nr.›</a:t>
+              <a:t>‹#›</a:t>
             </a:fld>
             <a:endParaRPr lang="en-GB"/>
           </a:p>
@@ -931,7 +929,7 @@
           <a:p>
             <a:fld id="{44212539-063D-4494-B30A-40E744319C69}" type="slidenum">
               <a:rPr lang="en-GB" smtClean="0"/>
-              <a:t>‹Nr.›</a:t>
+              <a:t>‹#›</a:t>
             </a:fld>
             <a:endParaRPr lang="en-GB"/>
           </a:p>
@@ -1207,7 +1205,7 @@
           <a:p>
             <a:fld id="{44212539-063D-4494-B30A-40E744319C69}" type="slidenum">
               <a:rPr lang="en-GB" smtClean="0"/>
-              <a:t>‹Nr.›</a:t>
+              <a:t>‹#›</a:t>
             </a:fld>
             <a:endParaRPr lang="en-GB"/>
           </a:p>
@@ -1475,7 +1473,7 @@
           <a:p>
             <a:fld id="{44212539-063D-4494-B30A-40E744319C69}" type="slidenum">
               <a:rPr lang="en-GB" smtClean="0"/>
-              <a:t>‹Nr.›</a:t>
+              <a:t>‹#›</a:t>
             </a:fld>
             <a:endParaRPr lang="en-GB"/>
           </a:p>
@@ -1890,7 +1888,7 @@
           <a:p>
             <a:fld id="{44212539-063D-4494-B30A-40E744319C69}" type="slidenum">
               <a:rPr lang="en-GB" smtClean="0"/>
-              <a:t>‹Nr.›</a:t>
+              <a:t>‹#›</a:t>
             </a:fld>
             <a:endParaRPr lang="en-GB"/>
           </a:p>
@@ -2032,7 +2030,7 @@
           <a:p>
             <a:fld id="{44212539-063D-4494-B30A-40E744319C69}" type="slidenum">
               <a:rPr lang="en-GB" smtClean="0"/>
-              <a:t>‹Nr.›</a:t>
+              <a:t>‹#›</a:t>
             </a:fld>
             <a:endParaRPr lang="en-GB"/>
           </a:p>
@@ -2145,7 +2143,7 @@
           <a:p>
             <a:fld id="{44212539-063D-4494-B30A-40E744319C69}" type="slidenum">
               <a:rPr lang="en-GB" smtClean="0"/>
-              <a:t>‹Nr.›</a:t>
+              <a:t>‹#›</a:t>
             </a:fld>
             <a:endParaRPr lang="en-GB"/>
           </a:p>
@@ -2458,7 +2456,7 @@
           <a:p>
             <a:fld id="{44212539-063D-4494-B30A-40E744319C69}" type="slidenum">
               <a:rPr lang="en-GB" smtClean="0"/>
-              <a:t>‹Nr.›</a:t>
+              <a:t>‹#›</a:t>
             </a:fld>
             <a:endParaRPr lang="en-GB"/>
           </a:p>
@@ -2747,7 +2745,7 @@
           <a:p>
             <a:fld id="{44212539-063D-4494-B30A-40E744319C69}" type="slidenum">
               <a:rPr lang="en-GB" smtClean="0"/>
-              <a:t>‹Nr.›</a:t>
+              <a:t>‹#›</a:t>
             </a:fld>
             <a:endParaRPr lang="en-GB"/>
           </a:p>
@@ -3026,7 +3024,7 @@
           <a:p>
             <a:fld id="{44212539-063D-4494-B30A-40E744319C69}" type="slidenum">
               <a:rPr lang="en-GB" smtClean="0"/>
-              <a:t>‹Nr.›</a:t>
+              <a:t>‹#›</a:t>
             </a:fld>
             <a:endParaRPr lang="en-GB"/>
           </a:p>
@@ -3631,8 +3629,8 @@
         </p:nvSpPr>
         <p:spPr>
           <a:xfrm>
-            <a:off x="838200" y="418809"/>
-            <a:ext cx="10515600" cy="6191396"/>
+            <a:off x="0" y="349624"/>
+            <a:ext cx="12938138" cy="6508376"/>
           </a:xfrm>
         </p:spPr>
         <p:txBody>
@@ -3642,65 +3640,89 @@
           <a:lstStyle/>
           <a:p>
             <a:r>
-              <a:rPr lang="en-GB" dirty="0"/>
+              <a:rPr lang="en-GB" dirty="0">
+                <a:highlight>
+                  <a:srgbClr val="00FF00"/>
+                </a:highlight>
+              </a:rPr>
               <a:t>Analyse how the optimizer space looks </a:t>
             </a:r>
           </a:p>
           <a:p>
             <a:pPr lvl="1"/>
             <a:r>
-              <a:rPr lang="en-GB" dirty="0"/>
+              <a:rPr lang="en-GB" dirty="0">
+                <a:highlight>
+                  <a:srgbClr val="00FF00"/>
+                </a:highlight>
+              </a:rPr>
               <a:t>Once without the ReLU and once with</a:t>
             </a:r>
           </a:p>
           <a:p>
             <a:pPr lvl="2"/>
             <a:r>
-              <a:rPr lang="en-GB" dirty="0"/>
+              <a:rPr lang="en-GB" dirty="0">
+                <a:highlight>
+                  <a:srgbClr val="00FF00"/>
+                </a:highlight>
+              </a:rPr>
               <a:t>Do we have constraints =&gt; lossless compression</a:t>
             </a:r>
           </a:p>
           <a:p>
             <a:pPr lvl="3"/>
             <a:r>
-              <a:rPr lang="en-GB" dirty="0"/>
+              <a:rPr lang="en-GB" dirty="0">
+                <a:highlight>
+                  <a:srgbClr val="00FF00"/>
+                </a:highlight>
+              </a:rPr>
               <a:t>We want to reconstruct exactly one selected datapoint in the signal (this is a constraint)</a:t>
             </a:r>
           </a:p>
           <a:p>
             <a:pPr lvl="2"/>
             <a:r>
-              <a:rPr lang="en-GB" dirty="0"/>
+              <a:rPr lang="en-GB" dirty="0">
+                <a:highlight>
+                  <a:srgbClr val="00FF00"/>
+                </a:highlight>
+              </a:rPr>
               <a:t>The accuracy of the optimization (discrete or continuous)</a:t>
             </a:r>
           </a:p>
           <a:p>
             <a:pPr lvl="2"/>
             <a:r>
-              <a:rPr lang="en-GB" dirty="0"/>
+              <a:rPr lang="en-GB" dirty="0">
+                <a:highlight>
+                  <a:srgbClr val="00FF00"/>
+                </a:highlight>
+              </a:rPr>
               <a:t>Fix the weights and only vary like 10 of them with both matrixes</a:t>
             </a:r>
           </a:p>
           <a:p>
             <a:pPr lvl="2"/>
             <a:r>
-              <a:rPr lang="en-GB" dirty="0"/>
+              <a:rPr lang="en-GB" dirty="0">
+                <a:highlight>
+                  <a:srgbClr val="00FF00"/>
+                </a:highlight>
+              </a:rPr>
               <a:t>Brute force changes in the matrix to sample the noisiness of the optimization space</a:t>
             </a:r>
           </a:p>
           <a:p>
             <a:pPr lvl="3"/>
             <a:r>
-              <a:rPr lang="en-GB" dirty="0"/>
-              <a:t>Statistical noise added, or </a:t>
-            </a:r>
-            <a:r>
-              <a:rPr lang="en-GB" dirty="0" err="1"/>
-              <a:t>specle</a:t>
-            </a:r>
-            <a:r>
-              <a:rPr lang="en-GB" dirty="0"/>
-              <a:t> noise added</a:t>
+              <a:rPr lang="en-GB" dirty="0">
+                <a:highlight>
+                  <a:srgbClr val="00FF00"/>
+                </a:highlight>
+              </a:rPr>
+              <a:t>Statistical noise added, or speckle noise added</a:t>
             </a:r>
           </a:p>
           <a:p>
@@ -3729,7 +3751,11 @@
           </a:p>
           <a:p>
             <a:r>
-              <a:rPr lang="en-GB" dirty="0"/>
+              <a:rPr lang="en-GB" dirty="0">
+                <a:highlight>
+                  <a:srgbClr val="00FF00"/>
+                </a:highlight>
+              </a:rPr>
               <a:t>Simulated annealing as a fourth optimizer technique</a:t>
             </a:r>
           </a:p>
@@ -3754,26 +3780,51 @@
           <a:p>
             <a:pPr lvl="1"/>
             <a:r>
+              <a:rPr lang="en-GB" dirty="0">
+                <a:highlight>
+                  <a:srgbClr val="FFFF00"/>
+                </a:highlight>
+              </a:rPr>
+              <a:t>Is the optimization space noisy</a:t>
+            </a:r>
+          </a:p>
+          <a:p>
+            <a:pPr lvl="1"/>
+            <a:r>
+              <a:rPr lang="en-GB" dirty="0">
+                <a:highlight>
+                  <a:srgbClr val="FFFF00"/>
+                </a:highlight>
+              </a:rPr>
+              <a:t>Does the optimizer converge (finds the true reconstruction of the signal)</a:t>
+            </a:r>
+          </a:p>
+          <a:p>
+            <a:pPr lvl="1"/>
+            <a:r>
+              <a:rPr lang="en-GB" dirty="0">
+                <a:highlight>
+                  <a:srgbClr val="FFFF00"/>
+                </a:highlight>
+              </a:rPr>
+              <a:t>Does it find the global maximum/minimum</a:t>
+            </a:r>
+          </a:p>
+          <a:p>
+            <a:pPr lvl="1"/>
+            <a:r>
               <a:rPr lang="en-GB" dirty="0"/>
-              <a:t>Is the optimization space noisy</a:t>
+              <a:t>use a SSIM metric in our loss function, build a feature extractor </a:t>
             </a:r>
           </a:p>
           <a:p>
             <a:pPr lvl="1"/>
-            <a:r>
-              <a:rPr lang="en-GB" dirty="0"/>
-              <a:t>Does the optimizer converge (finds the true reconstruction of the signal)</a:t>
-            </a:r>
-          </a:p>
-          <a:p>
-            <a:pPr lvl="1"/>
-            <a:r>
-              <a:rPr lang="en-GB" dirty="0"/>
-              <a:t>Does it find the global maximum/minimum</a:t>
-            </a:r>
-          </a:p>
-          <a:p>
-            <a:pPr lvl="1"/>
+            <a:endParaRPr lang="en-GB" dirty="0"/>
+          </a:p>
+          <a:p>
+            <a:endParaRPr lang="en-GB" dirty="0"/>
+          </a:p>
+          <a:p>
             <a:endParaRPr lang="en-GB" dirty="0"/>
           </a:p>
           <a:p>
@@ -3816,1624 +3867,134 @@
       </p:grpSpPr>
       <p:sp>
         <p:nvSpPr>
-          <p:cNvPr id="2" name="Titel 1">
-            <a:extLst>
-              <a:ext uri="{FF2B5EF4-FFF2-40B4-BE49-F238E27FC236}">
-                <a16:creationId xmlns:a16="http://schemas.microsoft.com/office/drawing/2014/main" id="{3E781063-4A80-5B73-6790-464A0928C206}"/>
-              </a:ext>
-            </a:extLst>
-          </p:cNvPr>
-          <p:cNvSpPr>
-            <a:spLocks noGrp="1"/>
-          </p:cNvSpPr>
-          <p:nvPr>
-            <p:ph type="title"/>
-          </p:nvPr>
-        </p:nvSpPr>
-        <p:spPr>
-          <a:xfrm>
-            <a:off x="838200" y="365126"/>
-            <a:ext cx="10515600" cy="612096"/>
-          </a:xfrm>
-        </p:spPr>
+          <p:cNvPr id="3" name="Content Placeholder 2">
+            <a:extLst>
+              <a:ext uri="{FF2B5EF4-FFF2-40B4-BE49-F238E27FC236}">
+                <a16:creationId xmlns:a16="http://schemas.microsoft.com/office/drawing/2014/main" id="{160AC7A7-31B9-D059-F995-56DC3483DFF4}"/>
+              </a:ext>
+            </a:extLst>
+          </p:cNvPr>
+          <p:cNvSpPr>
+            <a:spLocks noGrp="1"/>
+          </p:cNvSpPr>
+          <p:nvPr>
+            <p:ph idx="1"/>
+          </p:nvPr>
+        </p:nvSpPr>
+        <p:spPr/>
         <p:txBody>
           <a:bodyPr>
-            <a:normAutofit fontScale="90000"/>
+            <a:normAutofit fontScale="92500" lnSpcReduction="20000"/>
           </a:bodyPr>
           <a:lstStyle/>
           <a:p>
             <a:r>
-              <a:rPr lang="en-GB" dirty="0"/>
-              <a:t>Solution Space</a:t>
-            </a:r>
-          </a:p>
-        </p:txBody>
-      </p:sp>
-      <p:sp>
-        <p:nvSpPr>
-          <p:cNvPr id="3" name="Inhaltsplatzhalter 2">
-            <a:extLst>
-              <a:ext uri="{FF2B5EF4-FFF2-40B4-BE49-F238E27FC236}">
-                <a16:creationId xmlns:a16="http://schemas.microsoft.com/office/drawing/2014/main" id="{DF09C157-A416-C18E-0307-6C0A251A6E2B}"/>
-              </a:ext>
-            </a:extLst>
-          </p:cNvPr>
-          <p:cNvSpPr>
-            <a:spLocks noGrp="1"/>
-          </p:cNvSpPr>
-          <p:nvPr>
-            <p:ph idx="1"/>
-          </p:nvPr>
-        </p:nvSpPr>
-        <p:spPr>
-          <a:xfrm>
-            <a:off x="838200" y="977222"/>
-            <a:ext cx="10515600" cy="5199741"/>
-          </a:xfrm>
-        </p:spPr>
-        <p:txBody>
-          <a:bodyPr/>
-          <a:lstStyle/>
-          <a:p>
-            <a:r>
-              <a:rPr lang="en-GB" dirty="0"/>
-              <a:t>What is the Solution space</a:t>
-            </a:r>
+              <a:rPr lang="en-US" dirty="0"/>
+              <a:t>Neural data compression introduction</a:t>
+            </a:r>
+          </a:p>
+          <a:p>
+            <a:r>
+              <a:rPr lang="en-US" dirty="0"/>
+              <a:t>Autoencoder/Backpropagation</a:t>
+            </a:r>
+          </a:p>
+          <a:p>
+            <a:r>
+              <a:rPr lang="en-US" dirty="0"/>
+              <a:t>Gradient descent optimizer we used- formulas, parameters we played (learning rate, activation function)</a:t>
+            </a:r>
+          </a:p>
+          <a:p>
+            <a:r>
+              <a:rPr lang="en-US" dirty="0"/>
+              <a:t>Swarm algorithm</a:t>
+            </a:r>
+          </a:p>
+          <a:p>
+            <a:r>
+              <a:rPr lang="en-US" dirty="0"/>
+              <a:t>Gaussian/</a:t>
+            </a:r>
+            <a:r>
+              <a:rPr lang="en-US" dirty="0">
+                <a:highlight>
+                  <a:srgbClr val="FFFF00"/>
+                </a:highlight>
+              </a:rPr>
+              <a:t>speckle noise </a:t>
+            </a:r>
+            <a:r>
+              <a:rPr lang="en-US" dirty="0"/>
+              <a:t>added to the weights to see—the sensitivity per layer – optimization space noise</a:t>
+            </a:r>
+          </a:p>
+          <a:p>
+            <a:r>
+              <a:rPr lang="en-US" dirty="0"/>
+              <a:t>Train the (super high noise)  weights with </a:t>
+            </a:r>
+            <a:r>
+              <a:rPr lang="en-US" dirty="0" err="1"/>
+              <a:t>adam</a:t>
+            </a:r>
+            <a:r>
+              <a:rPr lang="en-US" dirty="0"/>
+              <a:t>  to see </a:t>
+            </a:r>
+            <a:r>
+              <a:rPr lang="en-US" b="1" dirty="0">
+                <a:highlight>
+                  <a:srgbClr val="FFFF00"/>
+                </a:highlight>
+              </a:rPr>
+              <a:t>How sensitive the  convergence is </a:t>
+            </a:r>
+            <a:r>
+              <a:rPr lang="en-US" dirty="0">
+                <a:highlight>
+                  <a:srgbClr val="FFFF00"/>
+                </a:highlight>
+              </a:rPr>
+              <a:t>🎯 </a:t>
+            </a:r>
+            <a:r>
+              <a:rPr lang="en-US" b="1" dirty="0">
+                <a:highlight>
+                  <a:srgbClr val="FFFF00"/>
+                </a:highlight>
+              </a:rPr>
+              <a:t>If it can still reach the same global minimum</a:t>
+            </a:r>
+          </a:p>
+          <a:p>
+            <a:r>
+              <a:rPr lang="en-US" b="1" dirty="0"/>
+              <a:t>(learning rate plot)</a:t>
+            </a:r>
+          </a:p>
+          <a:p>
+            <a:r>
+              <a:rPr lang="en-US" b="1" dirty="0"/>
+              <a:t>conclusion</a:t>
+            </a:r>
+            <a:endParaRPr lang="en-US" dirty="0"/>
+          </a:p>
+          <a:p>
+            <a:endParaRPr lang="en-US" dirty="0"/>
+          </a:p>
+          <a:p>
+            <a:endParaRPr lang="en-US" dirty="0"/>
+          </a:p>
+          <a:p>
+            <a:endParaRPr lang="en-US" dirty="0"/>
           </a:p>
         </p:txBody>
       </p:sp>
     </p:spTree>
     <p:extLst>
       <p:ext uri="{BB962C8B-B14F-4D97-AF65-F5344CB8AC3E}">
-        <p14:creationId xmlns:p14="http://schemas.microsoft.com/office/powerpoint/2010/main" val="2242321926"/>
-      </p:ext>
-    </p:extLst>
-  </p:cSld>
-  <p:clrMapOvr>
-    <a:masterClrMapping/>
-  </p:clrMapOvr>
-</p:sld>
-</file>
-
-<file path=ppt/slides/slide6.xml><?xml version="1.0" encoding="utf-8"?>
-<p:sld xmlns:a="http://schemas.openxmlformats.org/drawingml/2006/main" xmlns:r="http://schemas.openxmlformats.org/officeDocument/2006/relationships" xmlns:p="http://schemas.openxmlformats.org/presentationml/2006/main">
-  <p:cSld>
-    <p:spTree>
-      <p:nvGrpSpPr>
-        <p:cNvPr id="1" name=""/>
-        <p:cNvGrpSpPr/>
-        <p:nvPr/>
-      </p:nvGrpSpPr>
-      <p:grpSpPr>
-        <a:xfrm>
-          <a:off x="0" y="0"/>
-          <a:ext cx="0" cy="0"/>
-          <a:chOff x="0" y="0"/>
-          <a:chExt cx="0" cy="0"/>
-        </a:xfrm>
-      </p:grpSpPr>
-      <p:sp>
-        <p:nvSpPr>
-          <p:cNvPr id="2" name="Titel 1">
-            <a:extLst>
-              <a:ext uri="{FF2B5EF4-FFF2-40B4-BE49-F238E27FC236}">
-                <a16:creationId xmlns:a16="http://schemas.microsoft.com/office/drawing/2014/main" id="{B9FB16E7-84EF-6F93-25DB-564D583A9EC2}"/>
-              </a:ext>
-            </a:extLst>
-          </p:cNvPr>
-          <p:cNvSpPr>
-            <a:spLocks noGrp="1"/>
-          </p:cNvSpPr>
-          <p:nvPr>
-            <p:ph type="title"/>
-          </p:nvPr>
-        </p:nvSpPr>
-        <p:spPr/>
-        <p:txBody>
-          <a:bodyPr/>
-          <a:lstStyle/>
-          <a:p>
-            <a:r>
-              <a:rPr lang="en-GB" dirty="0"/>
-              <a:t>Autoencoder</a:t>
-            </a:r>
-          </a:p>
-        </p:txBody>
-      </p:sp>
-      <mc:AlternateContent xmlns:mc="http://schemas.openxmlformats.org/markup-compatibility/2006">
-        <mc:Choice xmlns:a14="http://schemas.microsoft.com/office/drawing/2010/main" Requires="a14">
-          <p:sp>
-            <p:nvSpPr>
-              <p:cNvPr id="3" name="Inhaltsplatzhalter 2">
-                <a:extLst>
-                  <a:ext uri="{FF2B5EF4-FFF2-40B4-BE49-F238E27FC236}">
-                    <a16:creationId xmlns:a16="http://schemas.microsoft.com/office/drawing/2014/main" id="{CD895501-1B38-DC8B-0174-ADBB447E9B7F}"/>
-                  </a:ext>
-                </a:extLst>
-              </p:cNvPr>
-              <p:cNvSpPr>
-                <a:spLocks noGrp="1"/>
-              </p:cNvSpPr>
-              <p:nvPr>
-                <p:ph idx="1"/>
-              </p:nvPr>
-            </p:nvSpPr>
-            <p:spPr/>
-            <p:txBody>
-              <a:bodyPr/>
-              <a:lstStyle/>
-              <a:p>
-                <a:r>
-                  <a:rPr lang="en-GB" dirty="0"/>
-                  <a:t>Computation pathway of a 2layer Neural Network</a:t>
-                </a:r>
-              </a:p>
-              <a:p>
-                <a:pPr lvl="1"/>
-                <a:r>
-                  <a:rPr lang="en-GB" dirty="0"/>
-                  <a:t>1</a:t>
-                </a:r>
-                <a:r>
-                  <a:rPr lang="en-GB" baseline="30000" dirty="0"/>
-                  <a:t>st</a:t>
-                </a:r>
-                <a:r>
-                  <a:rPr lang="en-GB" dirty="0"/>
-                  <a:t> layer Input Layer</a:t>
-                </a:r>
-              </a:p>
-              <a:p>
-                <a:pPr lvl="1"/>
-                <a:r>
-                  <a:rPr lang="en-GB" dirty="0"/>
-                  <a:t>2</a:t>
-                </a:r>
-                <a:r>
-                  <a:rPr lang="en-GB" baseline="30000" dirty="0"/>
-                  <a:t>nd</a:t>
-                </a:r>
-                <a:r>
-                  <a:rPr lang="en-GB" dirty="0"/>
-                  <a:t> layer Output Layer</a:t>
-                </a:r>
-              </a:p>
-              <a:p>
-                <a:pPr lvl="1"/>
-                <a:endParaRPr lang="en-GB" dirty="0"/>
-              </a:p>
-              <a:p>
-                <a:pPr marL="457200" lvl="1" indent="0">
-                  <a:buNone/>
-                </a:pPr>
-                <a14:m>
-                  <m:oMathPara xmlns:m="http://schemas.openxmlformats.org/officeDocument/2006/math">
-                    <m:oMathParaPr>
-                      <m:jc m:val="centerGroup"/>
-                    </m:oMathParaPr>
-                    <m:oMath xmlns:m="http://schemas.openxmlformats.org/officeDocument/2006/math">
-                      <m:r>
-                        <a:rPr lang="de-CH" b="0" i="1" smtClean="0">
-                          <a:latin typeface="Cambria Math" panose="02040503050406030204" pitchFamily="18" charset="0"/>
-                          <a:ea typeface="Cambria Math" panose="02040503050406030204" pitchFamily="18" charset="0"/>
-                        </a:rPr>
-                        <m:t>𝑓</m:t>
-                      </m:r>
-                      <m:d>
-                        <m:dPr>
-                          <m:ctrlPr>
-                            <a:rPr lang="de-CH" b="0" i="1" smtClean="0">
-                              <a:latin typeface="Cambria Math" panose="02040503050406030204" pitchFamily="18" charset="0"/>
-                              <a:ea typeface="Cambria Math" panose="02040503050406030204" pitchFamily="18" charset="0"/>
-                            </a:rPr>
-                          </m:ctrlPr>
-                        </m:dPr>
-                        <m:e>
-                          <m:sSub>
-                            <m:sSubPr>
-                              <m:ctrlPr>
-                                <a:rPr lang="de-CH" b="0" i="1" smtClean="0">
-                                  <a:latin typeface="Cambria Math" panose="02040503050406030204" pitchFamily="18" charset="0"/>
-                                  <a:ea typeface="Cambria Math" panose="02040503050406030204" pitchFamily="18" charset="0"/>
-                                </a:rPr>
-                              </m:ctrlPr>
-                            </m:sSubPr>
-                            <m:e>
-                              <m:r>
-                                <a:rPr lang="de-CH" b="0" i="1" smtClean="0">
-                                  <a:latin typeface="Cambria Math" panose="02040503050406030204" pitchFamily="18" charset="0"/>
-                                  <a:ea typeface="Cambria Math" panose="02040503050406030204" pitchFamily="18" charset="0"/>
-                                </a:rPr>
-                                <m:t>𝑥</m:t>
-                              </m:r>
-                            </m:e>
-                            <m:sub>
-                              <m:r>
-                                <a:rPr lang="de-CH" b="0" i="1" smtClean="0">
-                                  <a:latin typeface="Cambria Math" panose="02040503050406030204" pitchFamily="18" charset="0"/>
-                                  <a:ea typeface="Cambria Math" panose="02040503050406030204" pitchFamily="18" charset="0"/>
-                                </a:rPr>
-                                <m:t>1</m:t>
-                              </m:r>
-                            </m:sub>
-                          </m:sSub>
-                          <m:r>
-                            <a:rPr lang="de-CH" b="0" i="1" smtClean="0">
-                              <a:latin typeface="Cambria Math" panose="02040503050406030204" pitchFamily="18" charset="0"/>
-                              <a:ea typeface="Cambria Math" panose="02040503050406030204" pitchFamily="18" charset="0"/>
-                            </a:rPr>
-                            <m:t>,</m:t>
-                          </m:r>
-                          <m:sSub>
-                            <m:sSubPr>
-                              <m:ctrlPr>
-                                <a:rPr lang="de-CH" b="0" i="1" smtClean="0">
-                                  <a:latin typeface="Cambria Math" panose="02040503050406030204" pitchFamily="18" charset="0"/>
-                                  <a:ea typeface="Cambria Math" panose="02040503050406030204" pitchFamily="18" charset="0"/>
-                                </a:rPr>
-                              </m:ctrlPr>
-                            </m:sSubPr>
-                            <m:e>
-                              <m:r>
-                                <a:rPr lang="de-CH" b="0" i="1" smtClean="0">
-                                  <a:latin typeface="Cambria Math" panose="02040503050406030204" pitchFamily="18" charset="0"/>
-                                  <a:ea typeface="Cambria Math" panose="02040503050406030204" pitchFamily="18" charset="0"/>
-                                </a:rPr>
-                                <m:t>𝑥</m:t>
-                              </m:r>
-                            </m:e>
-                            <m:sub>
-                              <m:r>
-                                <a:rPr lang="de-CH" b="0" i="1" smtClean="0">
-                                  <a:latin typeface="Cambria Math" panose="02040503050406030204" pitchFamily="18" charset="0"/>
-                                  <a:ea typeface="Cambria Math" panose="02040503050406030204" pitchFamily="18" charset="0"/>
-                                </a:rPr>
-                                <m:t>2</m:t>
-                              </m:r>
-                            </m:sub>
-                          </m:sSub>
-                        </m:e>
-                      </m:d>
-                      <m:r>
-                        <a:rPr lang="de-CH" b="0" i="1" smtClean="0">
-                          <a:latin typeface="Cambria Math" panose="02040503050406030204" pitchFamily="18" charset="0"/>
-                          <a:ea typeface="Cambria Math" panose="02040503050406030204" pitchFamily="18" charset="0"/>
-                        </a:rPr>
-                        <m:t>=</m:t>
-                      </m:r>
-                      <m:sSub>
-                        <m:sSubPr>
-                          <m:ctrlPr>
-                            <a:rPr lang="de-CH" b="0" i="1" smtClean="0">
-                              <a:latin typeface="Cambria Math" panose="02040503050406030204" pitchFamily="18" charset="0"/>
-                              <a:ea typeface="Cambria Math" panose="02040503050406030204" pitchFamily="18" charset="0"/>
-                            </a:rPr>
-                          </m:ctrlPr>
-                        </m:sSubPr>
-                        <m:e>
-                          <m:r>
-                            <a:rPr lang="de-CH" b="0" i="1" smtClean="0">
-                              <a:latin typeface="Cambria Math" panose="02040503050406030204" pitchFamily="18" charset="0"/>
-                              <a:ea typeface="Cambria Math" panose="02040503050406030204" pitchFamily="18" charset="0"/>
-                            </a:rPr>
-                            <m:t>𝑊</m:t>
-                          </m:r>
-                        </m:e>
-                        <m:sub>
-                          <m:r>
-                            <a:rPr lang="de-CH" b="0" i="1" smtClean="0">
-                              <a:latin typeface="Cambria Math" panose="02040503050406030204" pitchFamily="18" charset="0"/>
-                              <a:ea typeface="Cambria Math" panose="02040503050406030204" pitchFamily="18" charset="0"/>
-                            </a:rPr>
-                            <m:t>2</m:t>
-                          </m:r>
-                        </m:sub>
-                      </m:sSub>
-                      <m:r>
-                        <a:rPr lang="de-CH" b="0" i="1" smtClean="0">
-                          <a:latin typeface="Cambria Math" panose="02040503050406030204" pitchFamily="18" charset="0"/>
-                          <a:ea typeface="Cambria Math" panose="02040503050406030204" pitchFamily="18" charset="0"/>
-                        </a:rPr>
-                        <m:t>𝜎</m:t>
-                      </m:r>
-                      <m:d>
-                        <m:dPr>
-                          <m:ctrlPr>
-                            <a:rPr lang="de-CH" b="0" i="1" smtClean="0">
-                              <a:latin typeface="Cambria Math" panose="02040503050406030204" pitchFamily="18" charset="0"/>
-                              <a:ea typeface="Cambria Math" panose="02040503050406030204" pitchFamily="18" charset="0"/>
-                            </a:rPr>
-                          </m:ctrlPr>
-                        </m:dPr>
-                        <m:e>
-                          <m:sSub>
-                            <m:sSubPr>
-                              <m:ctrlPr>
-                                <a:rPr lang="de-CH" b="0" i="1" smtClean="0">
-                                  <a:latin typeface="Cambria Math" panose="02040503050406030204" pitchFamily="18" charset="0"/>
-                                  <a:ea typeface="Cambria Math" panose="02040503050406030204" pitchFamily="18" charset="0"/>
-                                </a:rPr>
-                              </m:ctrlPr>
-                            </m:sSubPr>
-                            <m:e>
-                              <m:r>
-                                <a:rPr lang="de-CH" b="0" i="1" smtClean="0">
-                                  <a:latin typeface="Cambria Math" panose="02040503050406030204" pitchFamily="18" charset="0"/>
-                                  <a:ea typeface="Cambria Math" panose="02040503050406030204" pitchFamily="18" charset="0"/>
-                                </a:rPr>
-                                <m:t>𝑊</m:t>
-                              </m:r>
-                            </m:e>
-                            <m:sub>
-                              <m:r>
-                                <a:rPr lang="de-CH" b="0" i="1" smtClean="0">
-                                  <a:latin typeface="Cambria Math" panose="02040503050406030204" pitchFamily="18" charset="0"/>
-                                  <a:ea typeface="Cambria Math" panose="02040503050406030204" pitchFamily="18" charset="0"/>
-                                </a:rPr>
-                                <m:t>1</m:t>
-                              </m:r>
-                            </m:sub>
-                          </m:sSub>
-                          <m:r>
-                            <a:rPr lang="de-CH" b="0" i="1" smtClean="0">
-                              <a:latin typeface="Cambria Math" panose="02040503050406030204" pitchFamily="18" charset="0"/>
-                              <a:ea typeface="Cambria Math" panose="02040503050406030204" pitchFamily="18" charset="0"/>
-                            </a:rPr>
-                            <m:t>𝑥</m:t>
-                          </m:r>
-                          <m:r>
-                            <a:rPr lang="de-CH" b="0" i="1" smtClean="0">
-                              <a:latin typeface="Cambria Math" panose="02040503050406030204" pitchFamily="18" charset="0"/>
-                              <a:ea typeface="Cambria Math" panose="02040503050406030204" pitchFamily="18" charset="0"/>
-                            </a:rPr>
-                            <m:t>+</m:t>
-                          </m:r>
-                          <m:sSub>
-                            <m:sSubPr>
-                              <m:ctrlPr>
-                                <a:rPr lang="de-CH" b="0" i="1" smtClean="0">
-                                  <a:latin typeface="Cambria Math" panose="02040503050406030204" pitchFamily="18" charset="0"/>
-                                  <a:ea typeface="Cambria Math" panose="02040503050406030204" pitchFamily="18" charset="0"/>
-                                </a:rPr>
-                              </m:ctrlPr>
-                            </m:sSubPr>
-                            <m:e>
-                              <m:r>
-                                <a:rPr lang="de-CH" b="0" i="1" smtClean="0">
-                                  <a:latin typeface="Cambria Math" panose="02040503050406030204" pitchFamily="18" charset="0"/>
-                                  <a:ea typeface="Cambria Math" panose="02040503050406030204" pitchFamily="18" charset="0"/>
-                                </a:rPr>
-                                <m:t>𝑏</m:t>
-                              </m:r>
-                            </m:e>
-                            <m:sub>
-                              <m:r>
-                                <a:rPr lang="de-CH" b="0" i="1" smtClean="0">
-                                  <a:latin typeface="Cambria Math" panose="02040503050406030204" pitchFamily="18" charset="0"/>
-                                  <a:ea typeface="Cambria Math" panose="02040503050406030204" pitchFamily="18" charset="0"/>
-                                </a:rPr>
-                                <m:t>1</m:t>
-                              </m:r>
-                            </m:sub>
-                          </m:sSub>
-                        </m:e>
-                      </m:d>
-                      <m:r>
-                        <a:rPr lang="de-CH" b="0" i="1" smtClean="0">
-                          <a:latin typeface="Cambria Math" panose="02040503050406030204" pitchFamily="18" charset="0"/>
-                          <a:ea typeface="Cambria Math" panose="02040503050406030204" pitchFamily="18" charset="0"/>
-                        </a:rPr>
-                        <m:t>+</m:t>
-                      </m:r>
-                      <m:sSub>
-                        <m:sSubPr>
-                          <m:ctrlPr>
-                            <a:rPr lang="de-CH" b="0" i="1" smtClean="0">
-                              <a:latin typeface="Cambria Math" panose="02040503050406030204" pitchFamily="18" charset="0"/>
-                              <a:ea typeface="Cambria Math" panose="02040503050406030204" pitchFamily="18" charset="0"/>
-                            </a:rPr>
-                          </m:ctrlPr>
-                        </m:sSubPr>
-                        <m:e>
-                          <m:r>
-                            <a:rPr lang="de-CH" b="0" i="1" smtClean="0">
-                              <a:latin typeface="Cambria Math" panose="02040503050406030204" pitchFamily="18" charset="0"/>
-                              <a:ea typeface="Cambria Math" panose="02040503050406030204" pitchFamily="18" charset="0"/>
-                            </a:rPr>
-                            <m:t>𝑏</m:t>
-                          </m:r>
-                        </m:e>
-                        <m:sub>
-                          <m:r>
-                            <a:rPr lang="de-CH" b="0" i="1" smtClean="0">
-                              <a:latin typeface="Cambria Math" panose="02040503050406030204" pitchFamily="18" charset="0"/>
-                              <a:ea typeface="Cambria Math" panose="02040503050406030204" pitchFamily="18" charset="0"/>
-                            </a:rPr>
-                            <m:t>2</m:t>
-                          </m:r>
-                        </m:sub>
-                      </m:sSub>
-                    </m:oMath>
-                  </m:oMathPara>
-                </a14:m>
-                <a:endParaRPr lang="de-CH" b="0" i="1" dirty="0">
-                  <a:latin typeface="Cambria Math" panose="02040503050406030204" pitchFamily="18" charset="0"/>
-                  <a:ea typeface="Cambria Math" panose="02040503050406030204" pitchFamily="18" charset="0"/>
-                </a:endParaRPr>
-              </a:p>
-              <a:p>
-                <a:pPr marL="457200" lvl="1" indent="0">
-                  <a:buNone/>
-                </a:pPr>
-                <a:endParaRPr lang="de-CH" b="0" i="1" dirty="0">
-                  <a:latin typeface="Cambria Math" panose="02040503050406030204" pitchFamily="18" charset="0"/>
-                  <a:ea typeface="Cambria Math" panose="02040503050406030204" pitchFamily="18" charset="0"/>
-                </a:endParaRPr>
-              </a:p>
-              <a:p>
-                <a:pPr marL="457200" lvl="1" indent="0">
-                  <a:buNone/>
-                </a:pPr>
-                <a14:m>
-                  <m:oMathPara xmlns:m="http://schemas.openxmlformats.org/officeDocument/2006/math">
-                    <m:oMathParaPr>
-                      <m:jc m:val="centerGroup"/>
-                    </m:oMathParaPr>
-                    <m:oMath xmlns:m="http://schemas.openxmlformats.org/officeDocument/2006/math">
-                      <m:r>
-                        <a:rPr lang="de-CH" b="0" i="1" smtClean="0">
-                          <a:latin typeface="Cambria Math" panose="02040503050406030204" pitchFamily="18" charset="0"/>
-                          <a:ea typeface="Cambria Math" panose="02040503050406030204" pitchFamily="18" charset="0"/>
-                        </a:rPr>
-                        <m:t>ℒ</m:t>
-                      </m:r>
-                      <m:d>
-                        <m:dPr>
-                          <m:ctrlPr>
-                            <a:rPr lang="de-CH" b="0" i="1" smtClean="0">
-                              <a:latin typeface="Cambria Math" panose="02040503050406030204" pitchFamily="18" charset="0"/>
-                              <a:ea typeface="Cambria Math" panose="02040503050406030204" pitchFamily="18" charset="0"/>
-                            </a:rPr>
-                          </m:ctrlPr>
-                        </m:dPr>
-                        <m:e>
-                          <m:r>
-                            <a:rPr lang="de-CH" b="0" i="1" smtClean="0">
-                              <a:latin typeface="Cambria Math" panose="02040503050406030204" pitchFamily="18" charset="0"/>
-                              <a:ea typeface="Cambria Math" panose="02040503050406030204" pitchFamily="18" charset="0"/>
-                            </a:rPr>
-                            <m:t>𝜃</m:t>
-                          </m:r>
-                        </m:e>
-                      </m:d>
-                      <m:r>
-                        <a:rPr lang="de-CH" b="0" i="1" smtClean="0">
-                          <a:latin typeface="Cambria Math" panose="02040503050406030204" pitchFamily="18" charset="0"/>
-                          <a:ea typeface="Cambria Math" panose="02040503050406030204" pitchFamily="18" charset="0"/>
-                        </a:rPr>
-                        <m:t>=</m:t>
-                      </m:r>
-                      <m:sSup>
-                        <m:sSupPr>
-                          <m:ctrlPr>
-                            <a:rPr lang="de-CH" b="0" i="1" smtClean="0">
-                              <a:latin typeface="Cambria Math" panose="02040503050406030204" pitchFamily="18" charset="0"/>
-                              <a:ea typeface="Cambria Math" panose="02040503050406030204" pitchFamily="18" charset="0"/>
-                            </a:rPr>
-                          </m:ctrlPr>
-                        </m:sSupPr>
-                        <m:e>
-                          <m:d>
-                            <m:dPr>
-                              <m:ctrlPr>
-                                <a:rPr lang="de-CH" b="0" i="1" smtClean="0">
-                                  <a:latin typeface="Cambria Math" panose="02040503050406030204" pitchFamily="18" charset="0"/>
-                                  <a:ea typeface="Cambria Math" panose="02040503050406030204" pitchFamily="18" charset="0"/>
-                                </a:rPr>
-                              </m:ctrlPr>
-                            </m:dPr>
-                            <m:e>
-                              <m:sSub>
-                                <m:sSubPr>
-                                  <m:ctrlPr>
-                                    <a:rPr lang="de-CH" b="0" i="1" smtClean="0">
-                                      <a:latin typeface="Cambria Math" panose="02040503050406030204" pitchFamily="18" charset="0"/>
-                                      <a:ea typeface="Cambria Math" panose="02040503050406030204" pitchFamily="18" charset="0"/>
-                                    </a:rPr>
-                                  </m:ctrlPr>
-                                </m:sSubPr>
-                                <m:e>
-                                  <m:r>
-                                    <a:rPr lang="de-CH" b="0" i="1" smtClean="0">
-                                      <a:latin typeface="Cambria Math" panose="02040503050406030204" pitchFamily="18" charset="0"/>
-                                      <a:ea typeface="Cambria Math" panose="02040503050406030204" pitchFamily="18" charset="0"/>
-                                    </a:rPr>
-                                    <m:t>𝑓</m:t>
-                                  </m:r>
-                                </m:e>
-                                <m:sub>
-                                  <m:r>
-                                    <a:rPr lang="de-CH" b="0" i="1" smtClean="0">
-                                      <a:latin typeface="Cambria Math" panose="02040503050406030204" pitchFamily="18" charset="0"/>
-                                      <a:ea typeface="Cambria Math" panose="02040503050406030204" pitchFamily="18" charset="0"/>
-                                    </a:rPr>
-                                    <m:t>𝜃</m:t>
-                                  </m:r>
-                                </m:sub>
-                              </m:sSub>
-                              <m:d>
-                                <m:dPr>
-                                  <m:ctrlPr>
-                                    <a:rPr lang="de-CH" b="0" i="1" smtClean="0">
-                                      <a:latin typeface="Cambria Math" panose="02040503050406030204" pitchFamily="18" charset="0"/>
-                                      <a:ea typeface="Cambria Math" panose="02040503050406030204" pitchFamily="18" charset="0"/>
-                                    </a:rPr>
-                                  </m:ctrlPr>
-                                </m:dPr>
-                                <m:e>
-                                  <m:sSub>
-                                    <m:sSubPr>
-                                      <m:ctrlPr>
-                                        <a:rPr lang="de-CH" b="0" i="1" smtClean="0">
-                                          <a:latin typeface="Cambria Math" panose="02040503050406030204" pitchFamily="18" charset="0"/>
-                                          <a:ea typeface="Cambria Math" panose="02040503050406030204" pitchFamily="18" charset="0"/>
-                                        </a:rPr>
-                                      </m:ctrlPr>
-                                    </m:sSubPr>
-                                    <m:e>
-                                      <m:r>
-                                        <a:rPr lang="de-CH" b="0" i="1" smtClean="0">
-                                          <a:latin typeface="Cambria Math" panose="02040503050406030204" pitchFamily="18" charset="0"/>
-                                          <a:ea typeface="Cambria Math" panose="02040503050406030204" pitchFamily="18" charset="0"/>
-                                        </a:rPr>
-                                        <m:t>𝑥</m:t>
-                                      </m:r>
-                                    </m:e>
-                                    <m:sub>
-                                      <m:r>
-                                        <a:rPr lang="de-CH" b="0" i="1" smtClean="0">
-                                          <a:latin typeface="Cambria Math" panose="02040503050406030204" pitchFamily="18" charset="0"/>
-                                          <a:ea typeface="Cambria Math" panose="02040503050406030204" pitchFamily="18" charset="0"/>
-                                        </a:rPr>
-                                        <m:t>1</m:t>
-                                      </m:r>
-                                    </m:sub>
-                                  </m:sSub>
-                                  <m:r>
-                                    <a:rPr lang="de-CH" b="0" i="1" smtClean="0">
-                                      <a:latin typeface="Cambria Math" panose="02040503050406030204" pitchFamily="18" charset="0"/>
-                                      <a:ea typeface="Cambria Math" panose="02040503050406030204" pitchFamily="18" charset="0"/>
-                                    </a:rPr>
-                                    <m:t>,</m:t>
-                                  </m:r>
-                                  <m:sSub>
-                                    <m:sSubPr>
-                                      <m:ctrlPr>
-                                        <a:rPr lang="de-CH" b="0" i="1" smtClean="0">
-                                          <a:latin typeface="Cambria Math" panose="02040503050406030204" pitchFamily="18" charset="0"/>
-                                          <a:ea typeface="Cambria Math" panose="02040503050406030204" pitchFamily="18" charset="0"/>
-                                        </a:rPr>
-                                      </m:ctrlPr>
-                                    </m:sSubPr>
-                                    <m:e>
-                                      <m:r>
-                                        <a:rPr lang="de-CH" b="0" i="1" smtClean="0">
-                                          <a:latin typeface="Cambria Math" panose="02040503050406030204" pitchFamily="18" charset="0"/>
-                                          <a:ea typeface="Cambria Math" panose="02040503050406030204" pitchFamily="18" charset="0"/>
-                                        </a:rPr>
-                                        <m:t>𝑥</m:t>
-                                      </m:r>
-                                    </m:e>
-                                    <m:sub>
-                                      <m:r>
-                                        <a:rPr lang="de-CH" b="0" i="1" smtClean="0">
-                                          <a:latin typeface="Cambria Math" panose="02040503050406030204" pitchFamily="18" charset="0"/>
-                                          <a:ea typeface="Cambria Math" panose="02040503050406030204" pitchFamily="18" charset="0"/>
-                                        </a:rPr>
-                                        <m:t>2</m:t>
-                                      </m:r>
-                                    </m:sub>
-                                  </m:sSub>
-                                </m:e>
-                              </m:d>
-                              <m:r>
-                                <a:rPr lang="de-CH" b="0" i="1" smtClean="0">
-                                  <a:latin typeface="Cambria Math" panose="02040503050406030204" pitchFamily="18" charset="0"/>
-                                  <a:ea typeface="Cambria Math" panose="02040503050406030204" pitchFamily="18" charset="0"/>
-                                </a:rPr>
-                                <m:t>−</m:t>
-                              </m:r>
-                              <m:r>
-                                <a:rPr lang="de-CH" b="0" i="1" smtClean="0">
-                                  <a:latin typeface="Cambria Math" panose="02040503050406030204" pitchFamily="18" charset="0"/>
-                                  <a:ea typeface="Cambria Math" panose="02040503050406030204" pitchFamily="18" charset="0"/>
-                                </a:rPr>
-                                <m:t>𝑦</m:t>
-                              </m:r>
-                            </m:e>
-                          </m:d>
-                        </m:e>
-                        <m:sup>
-                          <m:r>
-                            <a:rPr lang="de-CH" b="0" i="1" smtClean="0">
-                              <a:latin typeface="Cambria Math" panose="02040503050406030204" pitchFamily="18" charset="0"/>
-                              <a:ea typeface="Cambria Math" panose="02040503050406030204" pitchFamily="18" charset="0"/>
-                            </a:rPr>
-                            <m:t>2</m:t>
-                          </m:r>
-                        </m:sup>
-                      </m:sSup>
-                      <m:r>
-                        <a:rPr lang="de-CH" b="0" i="1" smtClean="0">
-                          <a:latin typeface="Cambria Math" panose="02040503050406030204" pitchFamily="18" charset="0"/>
-                          <a:ea typeface="Cambria Math" panose="02040503050406030204" pitchFamily="18" charset="0"/>
-                        </a:rPr>
-                        <m:t> </m:t>
-                      </m:r>
-                    </m:oMath>
-                  </m:oMathPara>
-                </a14:m>
-                <a:endParaRPr lang="de-CH" b="0" dirty="0">
-                  <a:ea typeface="Cambria Math" panose="02040503050406030204" pitchFamily="18" charset="0"/>
-                </a:endParaRPr>
-              </a:p>
-              <a:p>
-                <a:pPr marL="457200" lvl="1" indent="0">
-                  <a:buNone/>
-                </a:pPr>
-                <a:endParaRPr lang="en-GB" dirty="0"/>
-              </a:p>
-            </p:txBody>
-          </p:sp>
-        </mc:Choice>
-        <mc:Fallback>
-          <p:sp>
-            <p:nvSpPr>
-              <p:cNvPr id="3" name="Inhaltsplatzhalter 2">
-                <a:extLst>
-                  <a:ext uri="{FF2B5EF4-FFF2-40B4-BE49-F238E27FC236}">
-                    <a16:creationId xmlns:a16="http://schemas.microsoft.com/office/drawing/2014/main" id="{CD895501-1B38-DC8B-0174-ADBB447E9B7F}"/>
-                  </a:ext>
-                </a:extLst>
-              </p:cNvPr>
-              <p:cNvSpPr>
-                <a:spLocks noGrp="1" noRot="1" noChangeAspect="1" noMove="1" noResize="1" noEditPoints="1" noAdjustHandles="1" noChangeArrowheads="1" noChangeShapeType="1" noTextEdit="1"/>
-              </p:cNvSpPr>
-              <p:nvPr>
-                <p:ph idx="1"/>
-              </p:nvPr>
-            </p:nvSpPr>
-            <p:spPr>
-              <a:blipFill>
-                <a:blip r:embed="rId2"/>
-                <a:stretch>
-                  <a:fillRect l="-1043" t="-2381"/>
-                </a:stretch>
-              </a:blipFill>
-            </p:spPr>
-            <p:txBody>
-              <a:bodyPr/>
-              <a:lstStyle/>
-              <a:p>
-                <a:r>
-                  <a:rPr lang="en-GB">
-                    <a:noFill/>
-                  </a:rPr>
-                  <a:t> </a:t>
-                </a:r>
-              </a:p>
-            </p:txBody>
-          </p:sp>
-        </mc:Fallback>
-      </mc:AlternateContent>
-      <p:pic>
-        <p:nvPicPr>
-          <p:cNvPr id="4" name="Inhaltsplatzhalter 3">
-            <a:extLst>
-              <a:ext uri="{FF2B5EF4-FFF2-40B4-BE49-F238E27FC236}">
-                <a16:creationId xmlns:a16="http://schemas.microsoft.com/office/drawing/2014/main" id="{53AE2F29-675A-2620-9D1D-8B03038E9621}"/>
-              </a:ext>
-            </a:extLst>
-          </p:cNvPr>
-          <p:cNvPicPr>
-            <a:picLocks noChangeAspect="1"/>
-          </p:cNvPicPr>
-          <p:nvPr/>
-        </p:nvPicPr>
-        <p:blipFill>
-          <a:blip r:embed="rId3"/>
-          <a:srcRect l="35454" t="13017" r="3127" b="39743"/>
-          <a:stretch>
-            <a:fillRect/>
-          </a:stretch>
-        </p:blipFill>
-        <p:spPr>
-          <a:xfrm>
-            <a:off x="7593904" y="3859565"/>
-            <a:ext cx="4250130" cy="2452335"/>
-          </a:xfrm>
-          <a:prstGeom prst="rect">
-            <a:avLst/>
-          </a:prstGeom>
-        </p:spPr>
-      </p:pic>
-    </p:spTree>
-    <p:extLst>
-      <p:ext uri="{BB962C8B-B14F-4D97-AF65-F5344CB8AC3E}">
-        <p14:creationId xmlns:p14="http://schemas.microsoft.com/office/powerpoint/2010/main" val="2267159458"/>
-      </p:ext>
-    </p:extLst>
-  </p:cSld>
-  <p:clrMapOvr>
-    <a:masterClrMapping/>
-  </p:clrMapOvr>
-</p:sld>
-</file>
-
-<file path=ppt/slides/slide7.xml><?xml version="1.0" encoding="utf-8"?>
-<p:sld xmlns:a="http://schemas.openxmlformats.org/drawingml/2006/main" xmlns:r="http://schemas.openxmlformats.org/officeDocument/2006/relationships" xmlns:p="http://schemas.openxmlformats.org/presentationml/2006/main">
-  <p:cSld>
-    <p:spTree>
-      <p:nvGrpSpPr>
-        <p:cNvPr id="1" name="">
-          <a:extLst>
-            <a:ext uri="{FF2B5EF4-FFF2-40B4-BE49-F238E27FC236}">
-              <a16:creationId xmlns:a16="http://schemas.microsoft.com/office/drawing/2014/main" id="{D0A59DCD-CABD-1FEE-0AFD-0B87D792B962}"/>
-            </a:ext>
-          </a:extLst>
-        </p:cNvPr>
-        <p:cNvGrpSpPr/>
-        <p:nvPr/>
-      </p:nvGrpSpPr>
-      <p:grpSpPr>
-        <a:xfrm>
-          <a:off x="0" y="0"/>
-          <a:ext cx="0" cy="0"/>
-          <a:chOff x="0" y="0"/>
-          <a:chExt cx="0" cy="0"/>
-        </a:xfrm>
-      </p:grpSpPr>
-      <p:sp>
-        <p:nvSpPr>
-          <p:cNvPr id="2" name="Titel 1">
-            <a:extLst>
-              <a:ext uri="{FF2B5EF4-FFF2-40B4-BE49-F238E27FC236}">
-                <a16:creationId xmlns:a16="http://schemas.microsoft.com/office/drawing/2014/main" id="{FD5F0E0C-5273-F5B4-ECF6-A256A6655B2C}"/>
-              </a:ext>
-            </a:extLst>
-          </p:cNvPr>
-          <p:cNvSpPr>
-            <a:spLocks noGrp="1"/>
-          </p:cNvSpPr>
-          <p:nvPr>
-            <p:ph type="title"/>
-          </p:nvPr>
-        </p:nvSpPr>
-        <p:spPr/>
-        <p:txBody>
-          <a:bodyPr/>
-          <a:lstStyle/>
-          <a:p>
-            <a:r>
-              <a:rPr lang="en-GB" dirty="0"/>
-              <a:t>Autoencoder</a:t>
-            </a:r>
-          </a:p>
-        </p:txBody>
-      </p:sp>
-      <mc:AlternateContent xmlns:mc="http://schemas.openxmlformats.org/markup-compatibility/2006">
-        <mc:Choice xmlns:a14="http://schemas.microsoft.com/office/drawing/2010/main" Requires="a14">
-          <p:sp>
-            <p:nvSpPr>
-              <p:cNvPr id="3" name="Inhaltsplatzhalter 2">
-                <a:extLst>
-                  <a:ext uri="{FF2B5EF4-FFF2-40B4-BE49-F238E27FC236}">
-                    <a16:creationId xmlns:a16="http://schemas.microsoft.com/office/drawing/2014/main" id="{7AD3E912-5097-5BA8-38E2-6D2320FCF5AB}"/>
-                  </a:ext>
-                </a:extLst>
-              </p:cNvPr>
-              <p:cNvSpPr>
-                <a:spLocks noGrp="1"/>
-              </p:cNvSpPr>
-              <p:nvPr>
-                <p:ph idx="1"/>
-              </p:nvPr>
-            </p:nvSpPr>
-            <p:spPr/>
-            <p:txBody>
-              <a:bodyPr/>
-              <a:lstStyle/>
-              <a:p>
-                <a:r>
-                  <a:rPr lang="en-GB" dirty="0"/>
-                  <a:t>Computation pathway of a 2layer Neural Network</a:t>
-                </a:r>
-              </a:p>
-              <a:p>
-                <a:pPr lvl="1"/>
-                <a:r>
-                  <a:rPr lang="en-GB" dirty="0"/>
-                  <a:t>1</a:t>
-                </a:r>
-                <a:r>
-                  <a:rPr lang="en-GB" baseline="30000" dirty="0"/>
-                  <a:t>st</a:t>
-                </a:r>
-                <a:r>
-                  <a:rPr lang="en-GB" dirty="0"/>
-                  <a:t> layer Input Layer</a:t>
-                </a:r>
-              </a:p>
-              <a:p>
-                <a:pPr lvl="1"/>
-                <a:r>
-                  <a:rPr lang="en-GB" dirty="0"/>
-                  <a:t>2</a:t>
-                </a:r>
-                <a:r>
-                  <a:rPr lang="en-GB" baseline="30000" dirty="0"/>
-                  <a:t>nd</a:t>
-                </a:r>
-                <a:r>
-                  <a:rPr lang="en-GB" dirty="0"/>
-                  <a:t> layer latent Layer</a:t>
-                </a:r>
-              </a:p>
-              <a:p>
-                <a:pPr lvl="1"/>
-                <a:r>
-                  <a:rPr lang="en-GB" dirty="0"/>
-                  <a:t>3</a:t>
-                </a:r>
-                <a:r>
-                  <a:rPr lang="en-GB" baseline="30000" dirty="0"/>
-                  <a:t>rd</a:t>
-                </a:r>
-                <a:r>
-                  <a:rPr lang="en-GB" dirty="0"/>
-                  <a:t>  layer latent Layer</a:t>
-                </a:r>
-              </a:p>
-              <a:p>
-                <a:pPr lvl="1"/>
-                <a:r>
-                  <a:rPr lang="en-GB" dirty="0"/>
-                  <a:t>4th layer </a:t>
-                </a:r>
-                <a:r>
-                  <a:rPr lang="en-GB" dirty="0" err="1"/>
-                  <a:t>Ouput</a:t>
-                </a:r>
-                <a:r>
-                  <a:rPr lang="en-GB" dirty="0"/>
-                  <a:t> Layer</a:t>
-                </a:r>
-              </a:p>
-              <a:p>
-                <a:pPr lvl="1"/>
-                <a:endParaRPr lang="en-GB" dirty="0"/>
-              </a:p>
-              <a:p>
-                <a:pPr lvl="1"/>
-                <a:endParaRPr lang="en-GB" dirty="0"/>
-              </a:p>
-              <a:p>
-                <a:pPr lvl="1"/>
-                <a:endParaRPr lang="en-GB" dirty="0"/>
-              </a:p>
-              <a:p>
-                <a:pPr marL="457200" lvl="1" indent="0">
-                  <a:buNone/>
-                </a:pPr>
-                <a14:m>
-                  <m:oMathPara xmlns:m="http://schemas.openxmlformats.org/officeDocument/2006/math">
-                    <m:oMathParaPr>
-                      <m:jc m:val="centerGroup"/>
-                    </m:oMathParaPr>
-                    <m:oMath xmlns:m="http://schemas.openxmlformats.org/officeDocument/2006/math">
-                      <m:r>
-                        <a:rPr lang="de-CH" b="0" i="1" smtClean="0">
-                          <a:latin typeface="Cambria Math" panose="02040503050406030204" pitchFamily="18" charset="0"/>
-                          <a:ea typeface="Cambria Math" panose="02040503050406030204" pitchFamily="18" charset="0"/>
-                        </a:rPr>
-                        <m:t>𝑓</m:t>
-                      </m:r>
-                      <m:d>
-                        <m:dPr>
-                          <m:ctrlPr>
-                            <a:rPr lang="de-CH" b="0" i="1" smtClean="0">
-                              <a:latin typeface="Cambria Math" panose="02040503050406030204" pitchFamily="18" charset="0"/>
-                              <a:ea typeface="Cambria Math" panose="02040503050406030204" pitchFamily="18" charset="0"/>
-                            </a:rPr>
-                          </m:ctrlPr>
-                        </m:dPr>
-                        <m:e>
-                          <m:sSub>
-                            <m:sSubPr>
-                              <m:ctrlPr>
-                                <a:rPr lang="de-CH" b="0" i="1" smtClean="0">
-                                  <a:latin typeface="Cambria Math" panose="02040503050406030204" pitchFamily="18" charset="0"/>
-                                  <a:ea typeface="Cambria Math" panose="02040503050406030204" pitchFamily="18" charset="0"/>
-                                </a:rPr>
-                              </m:ctrlPr>
-                            </m:sSubPr>
-                            <m:e>
-                              <m:r>
-                                <a:rPr lang="de-CH" b="0" i="1" smtClean="0">
-                                  <a:latin typeface="Cambria Math" panose="02040503050406030204" pitchFamily="18" charset="0"/>
-                                  <a:ea typeface="Cambria Math" panose="02040503050406030204" pitchFamily="18" charset="0"/>
-                                </a:rPr>
-                                <m:t>𝑥</m:t>
-                              </m:r>
-                            </m:e>
-                            <m:sub>
-                              <m:r>
-                                <a:rPr lang="de-CH" b="0" i="1" smtClean="0">
-                                  <a:latin typeface="Cambria Math" panose="02040503050406030204" pitchFamily="18" charset="0"/>
-                                  <a:ea typeface="Cambria Math" panose="02040503050406030204" pitchFamily="18" charset="0"/>
-                                </a:rPr>
-                                <m:t>1</m:t>
-                              </m:r>
-                            </m:sub>
-                          </m:sSub>
-                          <m:r>
-                            <a:rPr lang="de-CH" b="0" i="1" smtClean="0">
-                              <a:latin typeface="Cambria Math" panose="02040503050406030204" pitchFamily="18" charset="0"/>
-                              <a:ea typeface="Cambria Math" panose="02040503050406030204" pitchFamily="18" charset="0"/>
-                            </a:rPr>
-                            <m:t>,</m:t>
-                          </m:r>
-                          <m:sSub>
-                            <m:sSubPr>
-                              <m:ctrlPr>
-                                <a:rPr lang="de-CH" b="0" i="1" smtClean="0">
-                                  <a:latin typeface="Cambria Math" panose="02040503050406030204" pitchFamily="18" charset="0"/>
-                                  <a:ea typeface="Cambria Math" panose="02040503050406030204" pitchFamily="18" charset="0"/>
-                                </a:rPr>
-                              </m:ctrlPr>
-                            </m:sSubPr>
-                            <m:e>
-                              <m:r>
-                                <a:rPr lang="de-CH" b="0" i="1" smtClean="0">
-                                  <a:latin typeface="Cambria Math" panose="02040503050406030204" pitchFamily="18" charset="0"/>
-                                  <a:ea typeface="Cambria Math" panose="02040503050406030204" pitchFamily="18" charset="0"/>
-                                </a:rPr>
-                                <m:t>𝑥</m:t>
-                              </m:r>
-                            </m:e>
-                            <m:sub>
-                              <m:r>
-                                <a:rPr lang="de-CH" b="0" i="1" smtClean="0">
-                                  <a:latin typeface="Cambria Math" panose="02040503050406030204" pitchFamily="18" charset="0"/>
-                                  <a:ea typeface="Cambria Math" panose="02040503050406030204" pitchFamily="18" charset="0"/>
-                                </a:rPr>
-                                <m:t>2</m:t>
-                              </m:r>
-                            </m:sub>
-                          </m:sSub>
-                        </m:e>
-                      </m:d>
-                      <m:r>
-                        <a:rPr lang="de-CH" b="0" i="1" smtClean="0">
-                          <a:latin typeface="Cambria Math" panose="02040503050406030204" pitchFamily="18" charset="0"/>
-                          <a:ea typeface="Cambria Math" panose="02040503050406030204" pitchFamily="18" charset="0"/>
-                        </a:rPr>
-                        <m:t>=</m:t>
-                      </m:r>
-                      <m:sSub>
-                        <m:sSubPr>
-                          <m:ctrlPr>
-                            <a:rPr lang="de-CH" b="0" i="1" smtClean="0">
-                              <a:latin typeface="Cambria Math" panose="02040503050406030204" pitchFamily="18" charset="0"/>
-                              <a:ea typeface="Cambria Math" panose="02040503050406030204" pitchFamily="18" charset="0"/>
-                            </a:rPr>
-                          </m:ctrlPr>
-                        </m:sSubPr>
-                        <m:e>
-                          <m:sSub>
-                            <m:sSubPr>
-                              <m:ctrlPr>
-                                <a:rPr lang="de-CH" b="0" i="1" smtClean="0">
-                                  <a:latin typeface="Cambria Math" panose="02040503050406030204" pitchFamily="18" charset="0"/>
-                                  <a:ea typeface="Cambria Math" panose="02040503050406030204" pitchFamily="18" charset="0"/>
-                                </a:rPr>
-                              </m:ctrlPr>
-                            </m:sSubPr>
-                            <m:e>
-                              <m:sSub>
-                                <m:sSubPr>
-                                  <m:ctrlPr>
-                                    <a:rPr lang="de-CH" b="0" i="1" smtClean="0">
-                                      <a:latin typeface="Cambria Math" panose="02040503050406030204" pitchFamily="18" charset="0"/>
-                                      <a:ea typeface="Cambria Math" panose="02040503050406030204" pitchFamily="18" charset="0"/>
-                                    </a:rPr>
-                                  </m:ctrlPr>
-                                </m:sSubPr>
-                                <m:e>
-                                  <m:r>
-                                    <a:rPr lang="de-CH" b="0" i="1" smtClean="0">
-                                      <a:latin typeface="Cambria Math" panose="02040503050406030204" pitchFamily="18" charset="0"/>
-                                      <a:ea typeface="Cambria Math" panose="02040503050406030204" pitchFamily="18" charset="0"/>
-                                    </a:rPr>
-                                    <m:t>𝑊</m:t>
-                                  </m:r>
-                                </m:e>
-                                <m:sub>
-                                  <m:r>
-                                    <a:rPr lang="de-CH" b="0" i="1" smtClean="0">
-                                      <a:latin typeface="Cambria Math" panose="02040503050406030204" pitchFamily="18" charset="0"/>
-                                      <a:ea typeface="Cambria Math" panose="02040503050406030204" pitchFamily="18" charset="0"/>
-                                    </a:rPr>
-                                    <m:t>4</m:t>
-                                  </m:r>
-                                </m:sub>
-                              </m:sSub>
-                              <m:r>
-                                <a:rPr lang="de-CH" b="0" i="1" smtClean="0">
-                                  <a:latin typeface="Cambria Math" panose="02040503050406030204" pitchFamily="18" charset="0"/>
-                                  <a:ea typeface="Cambria Math" panose="02040503050406030204" pitchFamily="18" charset="0"/>
-                                </a:rPr>
-                                <m:t>𝜎</m:t>
-                              </m:r>
-                              <m:r>
-                                <a:rPr lang="de-CH" b="0" i="1" smtClean="0">
-                                  <a:latin typeface="Cambria Math" panose="02040503050406030204" pitchFamily="18" charset="0"/>
-                                  <a:ea typeface="Cambria Math" panose="02040503050406030204" pitchFamily="18" charset="0"/>
-                                </a:rPr>
-                                <m:t>(</m:t>
-                              </m:r>
-                              <m:r>
-                                <a:rPr lang="de-CH" b="0" i="1" smtClean="0">
-                                  <a:latin typeface="Cambria Math" panose="02040503050406030204" pitchFamily="18" charset="0"/>
-                                  <a:ea typeface="Cambria Math" panose="02040503050406030204" pitchFamily="18" charset="0"/>
-                                </a:rPr>
-                                <m:t>𝑊</m:t>
-                              </m:r>
-                            </m:e>
-                            <m:sub>
-                              <m:r>
-                                <a:rPr lang="de-CH" b="0" i="1" smtClean="0">
-                                  <a:latin typeface="Cambria Math" panose="02040503050406030204" pitchFamily="18" charset="0"/>
-                                  <a:ea typeface="Cambria Math" panose="02040503050406030204" pitchFamily="18" charset="0"/>
-                                </a:rPr>
-                                <m:t>3</m:t>
-                              </m:r>
-                            </m:sub>
-                          </m:sSub>
-                          <m:r>
-                            <a:rPr lang="de-CH" i="1">
-                              <a:latin typeface="Cambria Math" panose="02040503050406030204" pitchFamily="18" charset="0"/>
-                              <a:ea typeface="Cambria Math" panose="02040503050406030204" pitchFamily="18" charset="0"/>
-                            </a:rPr>
-                            <m:t>𝜎</m:t>
-                          </m:r>
-                          <m:r>
-                            <a:rPr lang="de-CH" b="0" i="1" smtClean="0">
-                              <a:latin typeface="Cambria Math" panose="02040503050406030204" pitchFamily="18" charset="0"/>
-                              <a:ea typeface="Cambria Math" panose="02040503050406030204" pitchFamily="18" charset="0"/>
-                            </a:rPr>
-                            <m:t>(</m:t>
-                          </m:r>
-                          <m:r>
-                            <a:rPr lang="de-CH" b="0" i="1" smtClean="0">
-                              <a:latin typeface="Cambria Math" panose="02040503050406030204" pitchFamily="18" charset="0"/>
-                              <a:ea typeface="Cambria Math" panose="02040503050406030204" pitchFamily="18" charset="0"/>
-                            </a:rPr>
-                            <m:t>𝑊</m:t>
-                          </m:r>
-                        </m:e>
-                        <m:sub>
-                          <m:r>
-                            <a:rPr lang="de-CH" b="0" i="1" smtClean="0">
-                              <a:latin typeface="Cambria Math" panose="02040503050406030204" pitchFamily="18" charset="0"/>
-                              <a:ea typeface="Cambria Math" panose="02040503050406030204" pitchFamily="18" charset="0"/>
-                            </a:rPr>
-                            <m:t>2</m:t>
-                          </m:r>
-                        </m:sub>
-                      </m:sSub>
-                      <m:r>
-                        <a:rPr lang="de-CH" b="0" i="1" smtClean="0">
-                          <a:latin typeface="Cambria Math" panose="02040503050406030204" pitchFamily="18" charset="0"/>
-                          <a:ea typeface="Cambria Math" panose="02040503050406030204" pitchFamily="18" charset="0"/>
-                        </a:rPr>
-                        <m:t>𝜎</m:t>
-                      </m:r>
-                      <m:d>
-                        <m:dPr>
-                          <m:ctrlPr>
-                            <a:rPr lang="de-CH" b="0" i="1" smtClean="0">
-                              <a:latin typeface="Cambria Math" panose="02040503050406030204" pitchFamily="18" charset="0"/>
-                              <a:ea typeface="Cambria Math" panose="02040503050406030204" pitchFamily="18" charset="0"/>
-                            </a:rPr>
-                          </m:ctrlPr>
-                        </m:dPr>
-                        <m:e>
-                          <m:sSub>
-                            <m:sSubPr>
-                              <m:ctrlPr>
-                                <a:rPr lang="de-CH" b="0" i="1" smtClean="0">
-                                  <a:latin typeface="Cambria Math" panose="02040503050406030204" pitchFamily="18" charset="0"/>
-                                  <a:ea typeface="Cambria Math" panose="02040503050406030204" pitchFamily="18" charset="0"/>
-                                </a:rPr>
-                              </m:ctrlPr>
-                            </m:sSubPr>
-                            <m:e>
-                              <m:r>
-                                <a:rPr lang="de-CH" b="0" i="1" smtClean="0">
-                                  <a:latin typeface="Cambria Math" panose="02040503050406030204" pitchFamily="18" charset="0"/>
-                                  <a:ea typeface="Cambria Math" panose="02040503050406030204" pitchFamily="18" charset="0"/>
-                                </a:rPr>
-                                <m:t>𝑊</m:t>
-                              </m:r>
-                            </m:e>
-                            <m:sub>
-                              <m:r>
-                                <a:rPr lang="de-CH" b="0" i="1" smtClean="0">
-                                  <a:latin typeface="Cambria Math" panose="02040503050406030204" pitchFamily="18" charset="0"/>
-                                  <a:ea typeface="Cambria Math" panose="02040503050406030204" pitchFamily="18" charset="0"/>
-                                </a:rPr>
-                                <m:t>1</m:t>
-                              </m:r>
-                            </m:sub>
-                          </m:sSub>
-                          <m:r>
-                            <a:rPr lang="de-CH" b="0" i="1" smtClean="0">
-                              <a:latin typeface="Cambria Math" panose="02040503050406030204" pitchFamily="18" charset="0"/>
-                              <a:ea typeface="Cambria Math" panose="02040503050406030204" pitchFamily="18" charset="0"/>
-                            </a:rPr>
-                            <m:t>𝑥</m:t>
-                          </m:r>
-                          <m:r>
-                            <a:rPr lang="de-CH" b="0" i="1" smtClean="0">
-                              <a:latin typeface="Cambria Math" panose="02040503050406030204" pitchFamily="18" charset="0"/>
-                              <a:ea typeface="Cambria Math" panose="02040503050406030204" pitchFamily="18" charset="0"/>
-                            </a:rPr>
-                            <m:t>+</m:t>
-                          </m:r>
-                          <m:sSub>
-                            <m:sSubPr>
-                              <m:ctrlPr>
-                                <a:rPr lang="de-CH" b="0" i="1" smtClean="0">
-                                  <a:latin typeface="Cambria Math" panose="02040503050406030204" pitchFamily="18" charset="0"/>
-                                  <a:ea typeface="Cambria Math" panose="02040503050406030204" pitchFamily="18" charset="0"/>
-                                </a:rPr>
-                              </m:ctrlPr>
-                            </m:sSubPr>
-                            <m:e>
-                              <m:r>
-                                <a:rPr lang="de-CH" b="0" i="1" smtClean="0">
-                                  <a:latin typeface="Cambria Math" panose="02040503050406030204" pitchFamily="18" charset="0"/>
-                                  <a:ea typeface="Cambria Math" panose="02040503050406030204" pitchFamily="18" charset="0"/>
-                                </a:rPr>
-                                <m:t>𝑏</m:t>
-                              </m:r>
-                            </m:e>
-                            <m:sub>
-                              <m:r>
-                                <a:rPr lang="de-CH" b="0" i="1" smtClean="0">
-                                  <a:latin typeface="Cambria Math" panose="02040503050406030204" pitchFamily="18" charset="0"/>
-                                  <a:ea typeface="Cambria Math" panose="02040503050406030204" pitchFamily="18" charset="0"/>
-                                </a:rPr>
-                                <m:t>1</m:t>
-                              </m:r>
-                            </m:sub>
-                          </m:sSub>
-                        </m:e>
-                      </m:d>
-                      <m:r>
-                        <a:rPr lang="de-CH" b="0" i="1" smtClean="0">
-                          <a:latin typeface="Cambria Math" panose="02040503050406030204" pitchFamily="18" charset="0"/>
-                          <a:ea typeface="Cambria Math" panose="02040503050406030204" pitchFamily="18" charset="0"/>
-                        </a:rPr>
-                        <m:t>+</m:t>
-                      </m:r>
-                      <m:sSub>
-                        <m:sSubPr>
-                          <m:ctrlPr>
-                            <a:rPr lang="de-CH" b="0" i="1" smtClean="0">
-                              <a:latin typeface="Cambria Math" panose="02040503050406030204" pitchFamily="18" charset="0"/>
-                              <a:ea typeface="Cambria Math" panose="02040503050406030204" pitchFamily="18" charset="0"/>
-                            </a:rPr>
-                          </m:ctrlPr>
-                        </m:sSubPr>
-                        <m:e>
-                          <m:r>
-                            <a:rPr lang="de-CH" b="0" i="1" smtClean="0">
-                              <a:latin typeface="Cambria Math" panose="02040503050406030204" pitchFamily="18" charset="0"/>
-                              <a:ea typeface="Cambria Math" panose="02040503050406030204" pitchFamily="18" charset="0"/>
-                            </a:rPr>
-                            <m:t>𝑏</m:t>
-                          </m:r>
-                        </m:e>
-                        <m:sub>
-                          <m:r>
-                            <a:rPr lang="de-CH" b="0" i="1" smtClean="0">
-                              <a:latin typeface="Cambria Math" panose="02040503050406030204" pitchFamily="18" charset="0"/>
-                              <a:ea typeface="Cambria Math" panose="02040503050406030204" pitchFamily="18" charset="0"/>
-                            </a:rPr>
-                            <m:t>2</m:t>
-                          </m:r>
-                        </m:sub>
-                      </m:sSub>
-                      <m:r>
-                        <a:rPr lang="de-CH" b="0" i="1" smtClean="0">
-                          <a:latin typeface="Cambria Math" panose="02040503050406030204" pitchFamily="18" charset="0"/>
-                          <a:ea typeface="Cambria Math" panose="02040503050406030204" pitchFamily="18" charset="0"/>
-                        </a:rPr>
-                        <m:t>)+</m:t>
-                      </m:r>
-                      <m:sSub>
-                        <m:sSubPr>
-                          <m:ctrlPr>
-                            <a:rPr lang="de-CH" b="0" i="1" smtClean="0">
-                              <a:latin typeface="Cambria Math" panose="02040503050406030204" pitchFamily="18" charset="0"/>
-                              <a:ea typeface="Cambria Math" panose="02040503050406030204" pitchFamily="18" charset="0"/>
-                            </a:rPr>
-                          </m:ctrlPr>
-                        </m:sSubPr>
-                        <m:e>
-                          <m:r>
-                            <a:rPr lang="de-CH" b="0" i="1" smtClean="0">
-                              <a:latin typeface="Cambria Math" panose="02040503050406030204" pitchFamily="18" charset="0"/>
-                              <a:ea typeface="Cambria Math" panose="02040503050406030204" pitchFamily="18" charset="0"/>
-                            </a:rPr>
-                            <m:t>𝑏</m:t>
-                          </m:r>
-                        </m:e>
-                        <m:sub>
-                          <m:r>
-                            <a:rPr lang="de-CH" b="0" i="1" smtClean="0">
-                              <a:latin typeface="Cambria Math" panose="02040503050406030204" pitchFamily="18" charset="0"/>
-                              <a:ea typeface="Cambria Math" panose="02040503050406030204" pitchFamily="18" charset="0"/>
-                            </a:rPr>
-                            <m:t>3</m:t>
-                          </m:r>
-                        </m:sub>
-                      </m:sSub>
-                      <m:r>
-                        <a:rPr lang="de-CH" b="0" i="1" smtClean="0">
-                          <a:latin typeface="Cambria Math" panose="02040503050406030204" pitchFamily="18" charset="0"/>
-                          <a:ea typeface="Cambria Math" panose="02040503050406030204" pitchFamily="18" charset="0"/>
-                        </a:rPr>
-                        <m:t>)+</m:t>
-                      </m:r>
-                      <m:sSub>
-                        <m:sSubPr>
-                          <m:ctrlPr>
-                            <a:rPr lang="de-CH" b="0" i="1" smtClean="0">
-                              <a:latin typeface="Cambria Math" panose="02040503050406030204" pitchFamily="18" charset="0"/>
-                              <a:ea typeface="Cambria Math" panose="02040503050406030204" pitchFamily="18" charset="0"/>
-                            </a:rPr>
-                          </m:ctrlPr>
-                        </m:sSubPr>
-                        <m:e>
-                          <m:r>
-                            <a:rPr lang="de-CH" b="0" i="1" smtClean="0">
-                              <a:latin typeface="Cambria Math" panose="02040503050406030204" pitchFamily="18" charset="0"/>
-                              <a:ea typeface="Cambria Math" panose="02040503050406030204" pitchFamily="18" charset="0"/>
-                            </a:rPr>
-                            <m:t>𝑏</m:t>
-                          </m:r>
-                        </m:e>
-                        <m:sub>
-                          <m:r>
-                            <a:rPr lang="de-CH" b="0" i="1" smtClean="0">
-                              <a:latin typeface="Cambria Math" panose="02040503050406030204" pitchFamily="18" charset="0"/>
-                              <a:ea typeface="Cambria Math" panose="02040503050406030204" pitchFamily="18" charset="0"/>
-                            </a:rPr>
-                            <m:t>4</m:t>
-                          </m:r>
-                        </m:sub>
-                      </m:sSub>
-                    </m:oMath>
-                  </m:oMathPara>
-                </a14:m>
-                <a:endParaRPr lang="de-CH" b="0" i="1" dirty="0">
-                  <a:latin typeface="Cambria Math" panose="02040503050406030204" pitchFamily="18" charset="0"/>
-                  <a:ea typeface="Cambria Math" panose="02040503050406030204" pitchFamily="18" charset="0"/>
-                </a:endParaRPr>
-              </a:p>
-              <a:p>
-                <a:pPr marL="457200" lvl="1" indent="0">
-                  <a:buNone/>
-                </a:pPr>
-                <a:endParaRPr lang="de-CH" b="0" i="1" dirty="0">
-                  <a:latin typeface="Cambria Math" panose="02040503050406030204" pitchFamily="18" charset="0"/>
-                  <a:ea typeface="Cambria Math" panose="02040503050406030204" pitchFamily="18" charset="0"/>
-                </a:endParaRPr>
-              </a:p>
-              <a:p>
-                <a:pPr marL="457200" lvl="1" indent="0">
-                  <a:buNone/>
-                </a:pPr>
-                <a14:m>
-                  <m:oMathPara xmlns:m="http://schemas.openxmlformats.org/officeDocument/2006/math">
-                    <m:oMathParaPr>
-                      <m:jc m:val="centerGroup"/>
-                    </m:oMathParaPr>
-                    <m:oMath xmlns:m="http://schemas.openxmlformats.org/officeDocument/2006/math">
-                      <m:r>
-                        <a:rPr lang="de-CH" b="0" i="1" smtClean="0">
-                          <a:latin typeface="Cambria Math" panose="02040503050406030204" pitchFamily="18" charset="0"/>
-                          <a:ea typeface="Cambria Math" panose="02040503050406030204" pitchFamily="18" charset="0"/>
-                        </a:rPr>
-                        <m:t>ℒ</m:t>
-                      </m:r>
-                      <m:d>
-                        <m:dPr>
-                          <m:ctrlPr>
-                            <a:rPr lang="de-CH" b="0" i="1" smtClean="0">
-                              <a:latin typeface="Cambria Math" panose="02040503050406030204" pitchFamily="18" charset="0"/>
-                              <a:ea typeface="Cambria Math" panose="02040503050406030204" pitchFamily="18" charset="0"/>
-                            </a:rPr>
-                          </m:ctrlPr>
-                        </m:dPr>
-                        <m:e>
-                          <m:r>
-                            <a:rPr lang="de-CH" b="0" i="1" smtClean="0">
-                              <a:latin typeface="Cambria Math" panose="02040503050406030204" pitchFamily="18" charset="0"/>
-                              <a:ea typeface="Cambria Math" panose="02040503050406030204" pitchFamily="18" charset="0"/>
-                            </a:rPr>
-                            <m:t>𝜃</m:t>
-                          </m:r>
-                        </m:e>
-                      </m:d>
-                      <m:r>
-                        <a:rPr lang="de-CH" b="0" i="1" smtClean="0">
-                          <a:latin typeface="Cambria Math" panose="02040503050406030204" pitchFamily="18" charset="0"/>
-                          <a:ea typeface="Cambria Math" panose="02040503050406030204" pitchFamily="18" charset="0"/>
-                        </a:rPr>
-                        <m:t>=</m:t>
-                      </m:r>
-                      <m:sSup>
-                        <m:sSupPr>
-                          <m:ctrlPr>
-                            <a:rPr lang="de-CH" b="0" i="1" smtClean="0">
-                              <a:latin typeface="Cambria Math" panose="02040503050406030204" pitchFamily="18" charset="0"/>
-                              <a:ea typeface="Cambria Math" panose="02040503050406030204" pitchFamily="18" charset="0"/>
-                            </a:rPr>
-                          </m:ctrlPr>
-                        </m:sSupPr>
-                        <m:e>
-                          <m:d>
-                            <m:dPr>
-                              <m:ctrlPr>
-                                <a:rPr lang="de-CH" b="0" i="1" smtClean="0">
-                                  <a:latin typeface="Cambria Math" panose="02040503050406030204" pitchFamily="18" charset="0"/>
-                                  <a:ea typeface="Cambria Math" panose="02040503050406030204" pitchFamily="18" charset="0"/>
-                                </a:rPr>
-                              </m:ctrlPr>
-                            </m:dPr>
-                            <m:e>
-                              <m:sSub>
-                                <m:sSubPr>
-                                  <m:ctrlPr>
-                                    <a:rPr lang="de-CH" b="0" i="1" smtClean="0">
-                                      <a:latin typeface="Cambria Math" panose="02040503050406030204" pitchFamily="18" charset="0"/>
-                                      <a:ea typeface="Cambria Math" panose="02040503050406030204" pitchFamily="18" charset="0"/>
-                                    </a:rPr>
-                                  </m:ctrlPr>
-                                </m:sSubPr>
-                                <m:e>
-                                  <m:r>
-                                    <a:rPr lang="de-CH" b="0" i="1" smtClean="0">
-                                      <a:latin typeface="Cambria Math" panose="02040503050406030204" pitchFamily="18" charset="0"/>
-                                      <a:ea typeface="Cambria Math" panose="02040503050406030204" pitchFamily="18" charset="0"/>
-                                    </a:rPr>
-                                    <m:t>𝑓</m:t>
-                                  </m:r>
-                                </m:e>
-                                <m:sub>
-                                  <m:r>
-                                    <a:rPr lang="de-CH" b="0" i="1" smtClean="0">
-                                      <a:latin typeface="Cambria Math" panose="02040503050406030204" pitchFamily="18" charset="0"/>
-                                      <a:ea typeface="Cambria Math" panose="02040503050406030204" pitchFamily="18" charset="0"/>
-                                    </a:rPr>
-                                    <m:t>𝜃</m:t>
-                                  </m:r>
-                                </m:sub>
-                              </m:sSub>
-                              <m:d>
-                                <m:dPr>
-                                  <m:ctrlPr>
-                                    <a:rPr lang="de-CH" b="0" i="1" smtClean="0">
-                                      <a:latin typeface="Cambria Math" panose="02040503050406030204" pitchFamily="18" charset="0"/>
-                                      <a:ea typeface="Cambria Math" panose="02040503050406030204" pitchFamily="18" charset="0"/>
-                                    </a:rPr>
-                                  </m:ctrlPr>
-                                </m:dPr>
-                                <m:e>
-                                  <m:sSub>
-                                    <m:sSubPr>
-                                      <m:ctrlPr>
-                                        <a:rPr lang="de-CH" b="0" i="1" smtClean="0">
-                                          <a:latin typeface="Cambria Math" panose="02040503050406030204" pitchFamily="18" charset="0"/>
-                                          <a:ea typeface="Cambria Math" panose="02040503050406030204" pitchFamily="18" charset="0"/>
-                                        </a:rPr>
-                                      </m:ctrlPr>
-                                    </m:sSubPr>
-                                    <m:e>
-                                      <m:r>
-                                        <a:rPr lang="de-CH" b="0" i="1" smtClean="0">
-                                          <a:latin typeface="Cambria Math" panose="02040503050406030204" pitchFamily="18" charset="0"/>
-                                          <a:ea typeface="Cambria Math" panose="02040503050406030204" pitchFamily="18" charset="0"/>
-                                        </a:rPr>
-                                        <m:t>𝑥</m:t>
-                                      </m:r>
-                                    </m:e>
-                                    <m:sub>
-                                      <m:r>
-                                        <a:rPr lang="de-CH" b="0" i="1" smtClean="0">
-                                          <a:latin typeface="Cambria Math" panose="02040503050406030204" pitchFamily="18" charset="0"/>
-                                          <a:ea typeface="Cambria Math" panose="02040503050406030204" pitchFamily="18" charset="0"/>
-                                        </a:rPr>
-                                        <m:t>1</m:t>
-                                      </m:r>
-                                    </m:sub>
-                                  </m:sSub>
-                                  <m:r>
-                                    <a:rPr lang="de-CH" b="0" i="1" smtClean="0">
-                                      <a:latin typeface="Cambria Math" panose="02040503050406030204" pitchFamily="18" charset="0"/>
-                                      <a:ea typeface="Cambria Math" panose="02040503050406030204" pitchFamily="18" charset="0"/>
-                                    </a:rPr>
-                                    <m:t>,</m:t>
-                                  </m:r>
-                                  <m:sSub>
-                                    <m:sSubPr>
-                                      <m:ctrlPr>
-                                        <a:rPr lang="de-CH" b="0" i="1" smtClean="0">
-                                          <a:latin typeface="Cambria Math" panose="02040503050406030204" pitchFamily="18" charset="0"/>
-                                          <a:ea typeface="Cambria Math" panose="02040503050406030204" pitchFamily="18" charset="0"/>
-                                        </a:rPr>
-                                      </m:ctrlPr>
-                                    </m:sSubPr>
-                                    <m:e>
-                                      <m:r>
-                                        <a:rPr lang="de-CH" b="0" i="1" smtClean="0">
-                                          <a:latin typeface="Cambria Math" panose="02040503050406030204" pitchFamily="18" charset="0"/>
-                                          <a:ea typeface="Cambria Math" panose="02040503050406030204" pitchFamily="18" charset="0"/>
-                                        </a:rPr>
-                                        <m:t>𝑥</m:t>
-                                      </m:r>
-                                    </m:e>
-                                    <m:sub>
-                                      <m:r>
-                                        <a:rPr lang="de-CH" b="0" i="1" smtClean="0">
-                                          <a:latin typeface="Cambria Math" panose="02040503050406030204" pitchFamily="18" charset="0"/>
-                                          <a:ea typeface="Cambria Math" panose="02040503050406030204" pitchFamily="18" charset="0"/>
-                                        </a:rPr>
-                                        <m:t>2</m:t>
-                                      </m:r>
-                                    </m:sub>
-                                  </m:sSub>
-                                </m:e>
-                              </m:d>
-                              <m:r>
-                                <a:rPr lang="de-CH" b="0" i="1" smtClean="0">
-                                  <a:latin typeface="Cambria Math" panose="02040503050406030204" pitchFamily="18" charset="0"/>
-                                  <a:ea typeface="Cambria Math" panose="02040503050406030204" pitchFamily="18" charset="0"/>
-                                </a:rPr>
-                                <m:t>−</m:t>
-                              </m:r>
-                              <m:r>
-                                <a:rPr lang="de-CH" b="0" i="1" smtClean="0">
-                                  <a:latin typeface="Cambria Math" panose="02040503050406030204" pitchFamily="18" charset="0"/>
-                                  <a:ea typeface="Cambria Math" panose="02040503050406030204" pitchFamily="18" charset="0"/>
-                                </a:rPr>
-                                <m:t>𝑦</m:t>
-                              </m:r>
-                            </m:e>
-                          </m:d>
-                        </m:e>
-                        <m:sup>
-                          <m:r>
-                            <a:rPr lang="de-CH" b="0" i="1" smtClean="0">
-                              <a:latin typeface="Cambria Math" panose="02040503050406030204" pitchFamily="18" charset="0"/>
-                              <a:ea typeface="Cambria Math" panose="02040503050406030204" pitchFamily="18" charset="0"/>
-                            </a:rPr>
-                            <m:t>2</m:t>
-                          </m:r>
-                        </m:sup>
-                      </m:sSup>
-                      <m:r>
-                        <a:rPr lang="de-CH" b="0" i="1" smtClean="0">
-                          <a:latin typeface="Cambria Math" panose="02040503050406030204" pitchFamily="18" charset="0"/>
-                          <a:ea typeface="Cambria Math" panose="02040503050406030204" pitchFamily="18" charset="0"/>
-                        </a:rPr>
-                        <m:t> </m:t>
-                      </m:r>
-                    </m:oMath>
-                  </m:oMathPara>
-                </a14:m>
-                <a:endParaRPr lang="de-CH" b="0" dirty="0">
-                  <a:ea typeface="Cambria Math" panose="02040503050406030204" pitchFamily="18" charset="0"/>
-                </a:endParaRPr>
-              </a:p>
-              <a:p>
-                <a:pPr marL="457200" lvl="1" indent="0">
-                  <a:buNone/>
-                </a:pPr>
-                <a:endParaRPr lang="en-GB" dirty="0"/>
-              </a:p>
-            </p:txBody>
-          </p:sp>
-        </mc:Choice>
-        <mc:Fallback>
-          <p:sp>
-            <p:nvSpPr>
-              <p:cNvPr id="3" name="Inhaltsplatzhalter 2">
-                <a:extLst>
-                  <a:ext uri="{FF2B5EF4-FFF2-40B4-BE49-F238E27FC236}">
-                    <a16:creationId xmlns:a16="http://schemas.microsoft.com/office/drawing/2014/main" id="{7AD3E912-5097-5BA8-38E2-6D2320FCF5AB}"/>
-                  </a:ext>
-                </a:extLst>
-              </p:cNvPr>
-              <p:cNvSpPr>
-                <a:spLocks noGrp="1" noRot="1" noChangeAspect="1" noMove="1" noResize="1" noEditPoints="1" noAdjustHandles="1" noChangeArrowheads="1" noChangeShapeType="1" noTextEdit="1"/>
-              </p:cNvSpPr>
-              <p:nvPr>
-                <p:ph idx="1"/>
-              </p:nvPr>
-            </p:nvSpPr>
-            <p:spPr>
-              <a:blipFill>
-                <a:blip r:embed="rId2"/>
-                <a:stretch>
-                  <a:fillRect l="-1043" t="-2381" b="-140"/>
-                </a:stretch>
-              </a:blipFill>
-            </p:spPr>
-            <p:txBody>
-              <a:bodyPr/>
-              <a:lstStyle/>
-              <a:p>
-                <a:r>
-                  <a:rPr lang="en-GB">
-                    <a:noFill/>
-                  </a:rPr>
-                  <a:t> </a:t>
-                </a:r>
-              </a:p>
-            </p:txBody>
-          </p:sp>
-        </mc:Fallback>
-      </mc:AlternateContent>
-      <p:pic>
-        <p:nvPicPr>
-          <p:cNvPr id="4" name="Inhaltsplatzhalter 3">
-            <a:extLst>
-              <a:ext uri="{FF2B5EF4-FFF2-40B4-BE49-F238E27FC236}">
-                <a16:creationId xmlns:a16="http://schemas.microsoft.com/office/drawing/2014/main" id="{A03C55D1-EF18-AE90-1043-0067EA5D5118}"/>
-              </a:ext>
-            </a:extLst>
-          </p:cNvPr>
-          <p:cNvPicPr>
-            <a:picLocks noChangeAspect="1"/>
-          </p:cNvPicPr>
-          <p:nvPr/>
-        </p:nvPicPr>
-        <p:blipFill>
-          <a:blip r:embed="rId3"/>
-          <a:srcRect l="35454" t="13017" r="3127" b="39743"/>
-          <a:stretch>
-            <a:fillRect/>
-          </a:stretch>
-        </p:blipFill>
-        <p:spPr>
-          <a:xfrm>
-            <a:off x="7663705" y="4040540"/>
-            <a:ext cx="4250130" cy="2452335"/>
-          </a:xfrm>
-          <a:prstGeom prst="rect">
-            <a:avLst/>
-          </a:prstGeom>
-        </p:spPr>
-      </p:pic>
-    </p:spTree>
-    <p:extLst>
-      <p:ext uri="{BB962C8B-B14F-4D97-AF65-F5344CB8AC3E}">
-        <p14:creationId xmlns:p14="http://schemas.microsoft.com/office/powerpoint/2010/main" val="3133779779"/>
+        <p14:creationId xmlns:p14="http://schemas.microsoft.com/office/powerpoint/2010/main" val="3940489760"/>
       </p:ext>
     </p:extLst>
   </p:cSld>
